--- a/SmartTV_DataAnalysis.pptx
+++ b/SmartTV_DataAnalysis.pptx
@@ -5,7 +5,7 @@
     <p:sldMasterId id="2147483648" r:id="rId1"/>
   </p:sldMasterIdLst>
   <p:notesMasterIdLst>
-    <p:notesMasterId r:id="rId27"/>
+    <p:notesMasterId r:id="rId25"/>
   </p:notesMasterIdLst>
   <p:sldIdLst>
     <p:sldId id="256" r:id="rId2"/>
@@ -20,26 +20,26 @@
     <p:sldId id="268" r:id="rId11"/>
     <p:sldId id="269" r:id="rId12"/>
     <p:sldId id="271" r:id="rId13"/>
-    <p:sldId id="278" r:id="rId14"/>
-    <p:sldId id="282" r:id="rId15"/>
-    <p:sldId id="270" r:id="rId16"/>
-    <p:sldId id="273" r:id="rId17"/>
-    <p:sldId id="272" r:id="rId18"/>
-    <p:sldId id="279" r:id="rId19"/>
-    <p:sldId id="283" r:id="rId20"/>
-    <p:sldId id="274" r:id="rId21"/>
-    <p:sldId id="275" r:id="rId22"/>
-    <p:sldId id="281" r:id="rId23"/>
-    <p:sldId id="284" r:id="rId24"/>
-    <p:sldId id="285" r:id="rId25"/>
-    <p:sldId id="259" r:id="rId26"/>
+    <p:sldId id="286" r:id="rId14"/>
+    <p:sldId id="270" r:id="rId15"/>
+    <p:sldId id="273" r:id="rId16"/>
+    <p:sldId id="272" r:id="rId17"/>
+    <p:sldId id="287" r:id="rId18"/>
+    <p:sldId id="274" r:id="rId19"/>
+    <p:sldId id="275" r:id="rId20"/>
+    <p:sldId id="288" r:id="rId21"/>
+    <p:sldId id="285" r:id="rId22"/>
+    <p:sldId id="289" r:id="rId23"/>
+    <p:sldId id="259" r:id="rId24"/>
   </p:sldIdLst>
   <p:sldSz cx="12192000" cy="6858000"/>
   <p:notesSz cx="6858000" cy="9144000"/>
   <p:embeddedFontLst>
     <p:embeddedFont>
-      <p:font typeface="Algerian" panose="04020705040A02060702" pitchFamily="82" charset="0"/>
-      <p:regular r:id="rId28"/>
+      <p:font typeface="Libre Baskerville" panose="020B0604020202020204" charset="0"/>
+      <p:regular r:id="rId26"/>
+      <p:bold r:id="rId27"/>
+      <p:italic r:id="rId28"/>
     </p:embeddedFont>
     <p:embeddedFont>
       <p:font typeface="Tahoma" panose="020B0604030504040204" pitchFamily="34" charset="0"/>
@@ -47,29 +47,39 @@
       <p:bold r:id="rId30"/>
     </p:embeddedFont>
     <p:embeddedFont>
-      <p:font typeface="Eras Medium ITC" panose="020B0602030504020804" pitchFamily="34" charset="0"/>
+      <p:font typeface="Arial Unicode MS" panose="020B0604020202020204" pitchFamily="34" charset="-128"/>
       <p:regular r:id="rId31"/>
     </p:embeddedFont>
     <p:embeddedFont>
-      <p:font typeface="Calibri" panose="020F0502020204030204" pitchFamily="34" charset="0"/>
+      <p:font typeface="Bahnschrift Light Condensed" panose="020B0502040204020203" pitchFamily="34" charset="0"/>
       <p:regular r:id="rId32"/>
-      <p:bold r:id="rId33"/>
-      <p:italic r:id="rId34"/>
-      <p:boldItalic r:id="rId35"/>
     </p:embeddedFont>
     <p:embeddedFont>
-      <p:font typeface="Libre Baskerville" panose="020B0604020202020204" charset="0"/>
-      <p:regular r:id="rId36"/>
-      <p:bold r:id="rId37"/>
-      <p:italic r:id="rId38"/>
+      <p:font typeface="Calibri" panose="020F0502020204030204" pitchFamily="34" charset="0"/>
+      <p:regular r:id="rId33"/>
+      <p:bold r:id="rId34"/>
+      <p:italic r:id="rId35"/>
+      <p:boldItalic r:id="rId36"/>
     </p:embeddedFont>
     <p:embeddedFont>
-      <p:font typeface="Arial Unicode MS" panose="020B0604020202020204" pitchFamily="34" charset="-128"/>
+      <p:font typeface="Bahnschrift Light" panose="020B0502040204020203" pitchFamily="34" charset="0"/>
+      <p:regular r:id="rId37"/>
+    </p:embeddedFont>
+    <p:embeddedFont>
+      <p:font typeface="Algerian" panose="04020705040A02060702" pitchFamily="82" charset="0"/>
+      <p:regular r:id="rId38"/>
+    </p:embeddedFont>
+    <p:embeddedFont>
+      <p:font typeface="Castellar" panose="020A0402060406010301" pitchFamily="18" charset="0"/>
       <p:regular r:id="rId39"/>
     </p:embeddedFont>
     <p:embeddedFont>
+      <p:font typeface="Eras Medium ITC" panose="020B0602030504020804" pitchFamily="34" charset="0"/>
+      <p:regular r:id="rId40"/>
+    </p:embeddedFont>
+    <p:embeddedFont>
       <p:font typeface="Inter" panose="020B0604020202020204" charset="0"/>
-      <p:regular r:id="rId40"/>
+      <p:regular r:id="rId41"/>
     </p:embeddedFont>
   </p:embeddedFontLst>
   <p:defaultTextStyle>
@@ -306,7 +316,7 @@
       <p15:sldGuideLst xmlns:p15="http://schemas.microsoft.com/office/powerpoint/2012/main"/>
     </p:ext>
     <p:ext uri="GoogleSlidesCustomDataVersion2">
-      <go:slidesCustomData xmlns="" xmlns:mc="http://schemas.openxmlformats.org/markup-compatibility/2006" xmlns:mv="urn:schemas-microsoft-com:mac:vml" xmlns:c="http://schemas.openxmlformats.org/drawingml/2006/chart" xmlns:dgm="http://schemas.openxmlformats.org/drawingml/2006/diagram" xmlns:o="urn:schemas-microsoft-com:office:office" xmlns:v="urn:schemas-microsoft-com:vml" xmlns:pvml="urn:schemas-microsoft-com:office:powerpoint" xmlns:com="http://schemas.openxmlformats.org/drawingml/2006/compatibility" xmlns:p14="http://schemas.microsoft.com/office/powerpoint/2010/main" xmlns:p15="http://schemas.microsoft.com/office/powerpoint/2012/main" xmlns:ahyp="http://schemas.microsoft.com/office/drawing/2018/hyperlinkcolor" xmlns:go="http://customooxmlschemas.google.com/" r:id="rId41" roundtripDataSignature="AMtx7mhnFQsu0qTBRZ+C47HNp0tuHCNkog=="/>
+      <go:slidesCustomData xmlns:go="http://customooxmlschemas.google.com/" xmlns:ahyp="http://schemas.microsoft.com/office/drawing/2018/hyperlinkcolor" xmlns:p15="http://schemas.microsoft.com/office/powerpoint/2012/main" xmlns:p14="http://schemas.microsoft.com/office/powerpoint/2010/main" xmlns:com="http://schemas.openxmlformats.org/drawingml/2006/compatibility" xmlns:pvml="urn:schemas-microsoft-com:office:powerpoint" xmlns:v="urn:schemas-microsoft-com:vml" xmlns:o="urn:schemas-microsoft-com:office:office" xmlns:dgm="http://schemas.openxmlformats.org/drawingml/2006/diagram" xmlns:c="http://schemas.openxmlformats.org/drawingml/2006/chart" xmlns:mv="urn:schemas-microsoft-com:mac:vml" xmlns:mc="http://schemas.openxmlformats.org/markup-compatibility/2006" xmlns="" r:id="rId42" roundtripDataSignature="AMtx7mhnFQsu0qTBRZ+C47HNp0tuHCNkog=="/>
     </p:ext>
   </p:extLst>
 </p:presentation>
@@ -10305,6 +10315,13 @@
   <p:clrMapOvr>
     <a:masterClrMapping/>
   </p:clrMapOvr>
+  <p:timing>
+    <p:tnLst>
+      <p:par>
+        <p:cTn id="1" dur="indefinite" restart="never" nodeType="tmRoot"/>
+      </p:par>
+    </p:tnLst>
+  </p:timing>
 </p:sld>
 </file>
 
@@ -10330,7 +10347,7 @@
           <p:cNvPr id="8" name="TextBox 7">
             <a:extLst>
               <a:ext uri="{FF2B5EF4-FFF2-40B4-BE49-F238E27FC236}">
-                <a16:creationId xmlns:a16="http://schemas.microsoft.com/office/drawing/2014/main" xmlns="" id="{922D6724-0CD4-47A4-97B2-272B7E730431}"/>
+                <a16:creationId xmlns="" xmlns:a16="http://schemas.microsoft.com/office/drawing/2014/main" id="{922D6724-0CD4-47A4-97B2-272B7E730431}"/>
               </a:ext>
             </a:extLst>
           </p:cNvPr>
@@ -10340,7 +10357,7 @@
         <p:spPr>
           <a:xfrm>
             <a:off x="357188" y="442913"/>
-            <a:ext cx="11087100" cy="5509200"/>
+            <a:ext cx="11087100" cy="4647426"/>
           </a:xfrm>
           <a:prstGeom prst="rect">
             <a:avLst/>
@@ -10353,16 +10370,12 @@
           </a:bodyPr>
           <a:lstStyle/>
           <a:p>
-            <a:pPr marL="342900" indent="-342900">
-              <a:buFont typeface="Wingdings" panose="05000000000000000000" pitchFamily="2" charset="2"/>
-              <a:buChar char="Ø"/>
-            </a:pPr>
-            <a:r>
-              <a:rPr lang="en-US" sz="2400" b="1" dirty="0">
+            <a:r>
+              <a:rPr lang="en-US" sz="3600" b="1" dirty="0">
                 <a:solidFill>
                   <a:srgbClr val="C00000"/>
                 </a:solidFill>
-                <a:latin typeface="Algerian" panose="04020705040A02060702" pitchFamily="82" charset="0"/>
+                <a:latin typeface="Bahnschrift Light Condensed" panose="020B0502040204020203" pitchFamily="34" charset="0"/>
                 <a:cs typeface="Times New Roman" panose="02020603050405020304" pitchFamily="18" charset="0"/>
               </a:rPr>
               <a:t>Data Cleaning:</a:t>
@@ -10378,29 +10391,112 @@
             </a:endParaRPr>
           </a:p>
           <a:p>
+            <a:pPr marL="342900" indent="-342900" algn="just">
+              <a:buFont typeface="Wingdings" panose="05000000000000000000" pitchFamily="2" charset="2"/>
+              <a:buChar char="ü"/>
+            </a:pPr>
+            <a:r>
+              <a:rPr lang="en-US" sz="2000" dirty="0" smtClean="0">
+                <a:latin typeface="Times New Roman" panose="02020603050405020304" pitchFamily="18" charset="0"/>
+                <a:cs typeface="Times New Roman" panose="02020603050405020304" pitchFamily="18" charset="0"/>
+              </a:rPr>
+              <a:t>Removed </a:t>
+            </a:r>
+            <a:r>
+              <a:rPr lang="en-US" sz="2000" dirty="0">
+                <a:latin typeface="Times New Roman" panose="02020603050405020304" pitchFamily="18" charset="0"/>
+                <a:cs typeface="Times New Roman" panose="02020603050405020304" pitchFamily="18" charset="0"/>
+              </a:rPr>
+              <a:t>duplicate records based on Model ID. Cleaned price columns by removing ₹ and “,” 	     symbols and converted them to integer </a:t>
+            </a:r>
+            <a:r>
+              <a:rPr lang="en-US" sz="2000" dirty="0" smtClean="0">
+                <a:latin typeface="Times New Roman" panose="02020603050405020304" pitchFamily="18" charset="0"/>
+                <a:cs typeface="Times New Roman" panose="02020603050405020304" pitchFamily="18" charset="0"/>
+              </a:rPr>
+              <a:t>type.</a:t>
+            </a:r>
+          </a:p>
+          <a:p>
+            <a:pPr marL="342900" indent="-342900" algn="just">
+              <a:buFont typeface="Wingdings" panose="05000000000000000000" pitchFamily="2" charset="2"/>
+              <a:buChar char="ü"/>
+            </a:pPr>
+            <a:r>
+              <a:rPr lang="en-US" sz="2000" dirty="0" smtClean="0">
+                <a:latin typeface="Times New Roman" panose="02020603050405020304" pitchFamily="18" charset="0"/>
+                <a:cs typeface="Times New Roman" panose="02020603050405020304" pitchFamily="18" charset="0"/>
+              </a:rPr>
+              <a:t>Replaced </a:t>
+            </a:r>
+            <a:r>
+              <a:rPr lang="en-US" sz="2000" dirty="0">
+                <a:latin typeface="Times New Roman" panose="02020603050405020304" pitchFamily="18" charset="0"/>
+                <a:cs typeface="Times New Roman" panose="02020603050405020304" pitchFamily="18" charset="0"/>
+              </a:rPr>
+              <a:t>blank and null values in the Warranty field with 0</a:t>
+            </a:r>
+            <a:r>
+              <a:rPr lang="en-US" sz="2000" dirty="0" smtClean="0">
+                <a:latin typeface="Times New Roman" panose="02020603050405020304" pitchFamily="18" charset="0"/>
+                <a:cs typeface="Times New Roman" panose="02020603050405020304" pitchFamily="18" charset="0"/>
+              </a:rPr>
+              <a:t>.</a:t>
+            </a:r>
+          </a:p>
+          <a:p>
+            <a:pPr marL="342900" indent="-342900" algn="just">
+              <a:buFont typeface="Wingdings" panose="05000000000000000000" pitchFamily="2" charset="2"/>
+              <a:buChar char="ü"/>
+            </a:pPr>
+            <a:r>
+              <a:rPr lang="en-US" sz="2000" dirty="0" smtClean="0">
+                <a:latin typeface="Times New Roman" panose="02020603050405020304" pitchFamily="18" charset="0"/>
+                <a:cs typeface="Times New Roman" panose="02020603050405020304" pitchFamily="18" charset="0"/>
+              </a:rPr>
+              <a:t>Extracted </a:t>
+            </a:r>
+            <a:r>
+              <a:rPr lang="en-US" sz="2000" dirty="0">
+                <a:latin typeface="Times New Roman" panose="02020603050405020304" pitchFamily="18" charset="0"/>
+                <a:cs typeface="Times New Roman" panose="02020603050405020304" pitchFamily="18" charset="0"/>
+              </a:rPr>
+              <a:t>year from Launch_Year column (originally in YYYY-MM-DD format</a:t>
+            </a:r>
+            <a:r>
+              <a:rPr lang="en-US" sz="2000" dirty="0" smtClean="0">
+                <a:latin typeface="Times New Roman" panose="02020603050405020304" pitchFamily="18" charset="0"/>
+                <a:cs typeface="Times New Roman" panose="02020603050405020304" pitchFamily="18" charset="0"/>
+              </a:rPr>
+              <a:t>).</a:t>
+            </a:r>
+          </a:p>
+          <a:p>
+            <a:pPr marL="342900" indent="-342900" algn="just">
+              <a:buFont typeface="Wingdings" panose="05000000000000000000" pitchFamily="2" charset="2"/>
+              <a:buChar char="ü"/>
+            </a:pPr>
+            <a:r>
+              <a:rPr lang="en-US" sz="2000" dirty="0" smtClean="0">
+                <a:latin typeface="Times New Roman" panose="02020603050405020304" pitchFamily="18" charset="0"/>
+                <a:cs typeface="Times New Roman" panose="02020603050405020304" pitchFamily="18" charset="0"/>
+              </a:rPr>
+              <a:t>Standardized </a:t>
+            </a:r>
+            <a:r>
+              <a:rPr lang="en-US" sz="2000" dirty="0">
+                <a:latin typeface="Times New Roman" panose="02020603050405020304" pitchFamily="18" charset="0"/>
+                <a:cs typeface="Times New Roman" panose="02020603050405020304" pitchFamily="18" charset="0"/>
+              </a:rPr>
+              <a:t>data types across all columns for uniformity.</a:t>
+            </a:r>
+          </a:p>
+          <a:p>
             <a:pPr algn="just"/>
-            <a:r>
-              <a:rPr lang="en-US" sz="2000" dirty="0">
-                <a:latin typeface="Times New Roman" panose="02020603050405020304" pitchFamily="18" charset="0"/>
-                <a:cs typeface="Times New Roman" panose="02020603050405020304" pitchFamily="18" charset="0"/>
-              </a:rPr>
-              <a:t>	</a:t>
-            </a:r>
-            <a:r>
-              <a:rPr lang="en-US" sz="2000" dirty="0">
-                <a:latin typeface="Times New Roman" panose="02020603050405020304" pitchFamily="18" charset="0"/>
-                <a:cs typeface="Times New Roman" panose="02020603050405020304" pitchFamily="18" charset="0"/>
-                <a:sym typeface="Wingdings" panose="05000000000000000000" pitchFamily="2" charset="2"/>
-              </a:rPr>
-              <a:t> </a:t>
-            </a:r>
-            <a:r>
-              <a:rPr lang="en-US" sz="2000" dirty="0">
-                <a:latin typeface="Times New Roman" panose="02020603050405020304" pitchFamily="18" charset="0"/>
-                <a:cs typeface="Times New Roman" panose="02020603050405020304" pitchFamily="18" charset="0"/>
-              </a:rPr>
-              <a:t>Removed duplicate records based on Model ID. Cleaned price columns by removing ₹ and “,” 	     symbols and converted them to integer type.</a:t>
-            </a:r>
+            <a:endParaRPr lang="en-US" sz="2000" dirty="0" smtClean="0">
+              <a:latin typeface="Times New Roman" panose="02020603050405020304" pitchFamily="18" charset="0"/>
+              <a:cs typeface="Times New Roman" panose="02020603050405020304" pitchFamily="18" charset="0"/>
+            </a:endParaRPr>
           </a:p>
           <a:p>
             <a:pPr algn="just"/>
@@ -10410,122 +10506,25 @@
             </a:endParaRPr>
           </a:p>
           <a:p>
-            <a:pPr algn="just"/>
-            <a:r>
-              <a:rPr lang="en-US" sz="2000" dirty="0">
-                <a:latin typeface="Times New Roman" panose="02020603050405020304" pitchFamily="18" charset="0"/>
-                <a:cs typeface="Times New Roman" panose="02020603050405020304" pitchFamily="18" charset="0"/>
-              </a:rPr>
-              <a:t>              </a:t>
-            </a:r>
-            <a:r>
-              <a:rPr lang="en-US" sz="2000" dirty="0">
-                <a:latin typeface="Times New Roman" panose="02020603050405020304" pitchFamily="18" charset="0"/>
-                <a:cs typeface="Times New Roman" panose="02020603050405020304" pitchFamily="18" charset="0"/>
-                <a:sym typeface="Wingdings" panose="05000000000000000000" pitchFamily="2" charset="2"/>
-              </a:rPr>
-              <a:t> </a:t>
-            </a:r>
-            <a:r>
-              <a:rPr lang="en-US" sz="2000" dirty="0">
-                <a:latin typeface="Times New Roman" panose="02020603050405020304" pitchFamily="18" charset="0"/>
-                <a:cs typeface="Times New Roman" panose="02020603050405020304" pitchFamily="18" charset="0"/>
-              </a:rPr>
-              <a:t>Replaced blank and null values in the Warranty field with 0.</a:t>
-            </a:r>
-          </a:p>
-          <a:p>
-            <a:pPr algn="just"/>
-            <a:endParaRPr lang="en-US" sz="2000" dirty="0">
-              <a:latin typeface="Times New Roman" panose="02020603050405020304" pitchFamily="18" charset="0"/>
-              <a:cs typeface="Times New Roman" panose="02020603050405020304" pitchFamily="18" charset="0"/>
-            </a:endParaRPr>
-          </a:p>
-          <a:p>
-            <a:pPr algn="just"/>
-            <a:r>
-              <a:rPr lang="en-US" sz="2000" dirty="0">
-                <a:latin typeface="Times New Roman" panose="02020603050405020304" pitchFamily="18" charset="0"/>
-                <a:cs typeface="Times New Roman" panose="02020603050405020304" pitchFamily="18" charset="0"/>
-              </a:rPr>
-              <a:t>	</a:t>
-            </a:r>
-            <a:r>
-              <a:rPr lang="en-US" sz="2000" dirty="0">
-                <a:latin typeface="Times New Roman" panose="02020603050405020304" pitchFamily="18" charset="0"/>
-                <a:cs typeface="Times New Roman" panose="02020603050405020304" pitchFamily="18" charset="0"/>
-                <a:sym typeface="Wingdings" panose="05000000000000000000" pitchFamily="2" charset="2"/>
-              </a:rPr>
-              <a:t> </a:t>
-            </a:r>
-            <a:r>
-              <a:rPr lang="en-US" sz="2000" dirty="0">
-                <a:latin typeface="Times New Roman" panose="02020603050405020304" pitchFamily="18" charset="0"/>
-                <a:cs typeface="Times New Roman" panose="02020603050405020304" pitchFamily="18" charset="0"/>
-              </a:rPr>
-              <a:t>Extracted year from Launch_Year column (originally in YYYY-MM-DD format).</a:t>
-            </a:r>
-          </a:p>
-          <a:p>
-            <a:pPr algn="just"/>
-            <a:endParaRPr lang="en-US" sz="2000" dirty="0">
-              <a:latin typeface="Times New Roman" panose="02020603050405020304" pitchFamily="18" charset="0"/>
-              <a:cs typeface="Times New Roman" panose="02020603050405020304" pitchFamily="18" charset="0"/>
-            </a:endParaRPr>
-          </a:p>
-          <a:p>
-            <a:pPr algn="just"/>
-            <a:r>
-              <a:rPr lang="en-US" sz="2000" dirty="0">
-                <a:latin typeface="Times New Roman" panose="02020603050405020304" pitchFamily="18" charset="0"/>
-                <a:cs typeface="Times New Roman" panose="02020603050405020304" pitchFamily="18" charset="0"/>
-              </a:rPr>
-              <a:t>	</a:t>
-            </a:r>
-            <a:r>
-              <a:rPr lang="en-US" sz="2000" dirty="0">
-                <a:latin typeface="Times New Roman" panose="02020603050405020304" pitchFamily="18" charset="0"/>
-                <a:cs typeface="Times New Roman" panose="02020603050405020304" pitchFamily="18" charset="0"/>
-                <a:sym typeface="Wingdings" panose="05000000000000000000" pitchFamily="2" charset="2"/>
-              </a:rPr>
-              <a:t> </a:t>
-            </a:r>
-            <a:r>
-              <a:rPr lang="en-US" sz="2000" dirty="0">
-                <a:latin typeface="Times New Roman" panose="02020603050405020304" pitchFamily="18" charset="0"/>
-                <a:cs typeface="Times New Roman" panose="02020603050405020304" pitchFamily="18" charset="0"/>
-              </a:rPr>
-              <a:t>Standardized data types across all columns for uniformity.</a:t>
-            </a:r>
-          </a:p>
-          <a:p>
-            <a:pPr algn="just"/>
-            <a:endParaRPr lang="en-US" sz="2000" dirty="0">
-              <a:latin typeface="Times New Roman" panose="02020603050405020304" pitchFamily="18" charset="0"/>
-              <a:cs typeface="Times New Roman" panose="02020603050405020304" pitchFamily="18" charset="0"/>
-            </a:endParaRPr>
-          </a:p>
-          <a:p>
-            <a:pPr algn="just"/>
-            <a:endParaRPr lang="en-US" sz="2000" dirty="0">
-              <a:latin typeface="Times New Roman" panose="02020603050405020304" pitchFamily="18" charset="0"/>
-              <a:cs typeface="Times New Roman" panose="02020603050405020304" pitchFamily="18" charset="0"/>
-            </a:endParaRPr>
-          </a:p>
-          <a:p>
-            <a:pPr marL="342900" indent="-342900">
-              <a:buFont typeface="Wingdings" panose="05000000000000000000" pitchFamily="2" charset="2"/>
-              <a:buChar char="Ø"/>
-            </a:pPr>
-            <a:r>
-              <a:rPr lang="en-US" sz="2400" b="1" dirty="0">
+            <a:r>
+              <a:rPr lang="en-US" sz="3600" b="1" dirty="0" smtClean="0">
                 <a:solidFill>
                   <a:srgbClr val="C00000"/>
                 </a:solidFill>
-                <a:latin typeface="Algerian" panose="04020705040A02060702" pitchFamily="82" charset="0"/>
-                <a:cs typeface="Times New Roman" panose="02020603050405020304" pitchFamily="18" charset="0"/>
-              </a:rPr>
-              <a:t>Data Manipulation:</a:t>
+                <a:latin typeface="Bahnschrift Light Condensed" panose="020B0502040204020203" pitchFamily="34" charset="0"/>
+                <a:cs typeface="Times New Roman" panose="02020603050405020304" pitchFamily="18" charset="0"/>
+              </a:rPr>
+              <a:t>Data </a:t>
+            </a:r>
+            <a:r>
+              <a:rPr lang="en-US" sz="3600" b="1" dirty="0">
+                <a:solidFill>
+                  <a:srgbClr val="C00000"/>
+                </a:solidFill>
+                <a:latin typeface="Bahnschrift Light Condensed" panose="020B0502040204020203" pitchFamily="34" charset="0"/>
+                <a:cs typeface="Times New Roman" panose="02020603050405020304" pitchFamily="18" charset="0"/>
+              </a:rPr>
+              <a:t>Manipulation:</a:t>
             </a:r>
           </a:p>
           <a:p>
@@ -10538,57 +10537,47 @@
             </a:endParaRPr>
           </a:p>
           <a:p>
+            <a:pPr marL="342900" indent="-342900">
+              <a:buFont typeface="Wingdings" panose="05000000000000000000" pitchFamily="2" charset="2"/>
+              <a:buChar char="ü"/>
+            </a:pPr>
+            <a:r>
+              <a:rPr lang="en-US" sz="2000" dirty="0" smtClean="0">
+                <a:latin typeface="Times New Roman" panose="02020603050405020304" pitchFamily="18" charset="0"/>
+                <a:cs typeface="Times New Roman" panose="02020603050405020304" pitchFamily="18" charset="0"/>
+              </a:rPr>
+              <a:t>Created </a:t>
+            </a:r>
             <a:r>
               <a:rPr lang="en-US" sz="2000" dirty="0">
                 <a:latin typeface="Times New Roman" panose="02020603050405020304" pitchFamily="18" charset="0"/>
                 <a:cs typeface="Times New Roman" panose="02020603050405020304" pitchFamily="18" charset="0"/>
               </a:rPr>
-              <a:t>	</a:t>
-            </a:r>
-            <a:r>
-              <a:rPr lang="en-US" sz="2000" dirty="0">
-                <a:latin typeface="Times New Roman" panose="02020603050405020304" pitchFamily="18" charset="0"/>
-                <a:cs typeface="Times New Roman" panose="02020603050405020304" pitchFamily="18" charset="0"/>
-                <a:sym typeface="Wingdings" panose="05000000000000000000" pitchFamily="2" charset="2"/>
-              </a:rPr>
-              <a:t> </a:t>
-            </a:r>
-            <a:r>
-              <a:rPr lang="en-US" sz="2000" dirty="0">
-                <a:latin typeface="Times New Roman" panose="02020603050405020304" pitchFamily="18" charset="0"/>
-                <a:cs typeface="Times New Roman" panose="02020603050405020304" pitchFamily="18" charset="0"/>
-              </a:rPr>
-              <a:t>Created a new derived column Discount_Percentage to analyze price reductions. </a:t>
-            </a:r>
-          </a:p>
-          <a:p>
-            <a:endParaRPr lang="en-US" sz="2000" dirty="0">
+              <a:t>a new derived column Discount_Percentage to analyze price reductions. </a:t>
+            </a:r>
+            <a:endParaRPr lang="en-US" sz="2000" dirty="0" smtClean="0">
               <a:latin typeface="Times New Roman" panose="02020603050405020304" pitchFamily="18" charset="0"/>
               <a:cs typeface="Times New Roman" panose="02020603050405020304" pitchFamily="18" charset="0"/>
             </a:endParaRPr>
           </a:p>
           <a:p>
+            <a:pPr marL="342900" indent="-342900">
+              <a:buFont typeface="Wingdings" panose="05000000000000000000" pitchFamily="2" charset="2"/>
+              <a:buChar char="ü"/>
+            </a:pPr>
+            <a:r>
+              <a:rPr lang="en-US" sz="2000" dirty="0" smtClean="0">
+                <a:latin typeface="Times New Roman" panose="02020603050405020304" pitchFamily="18" charset="0"/>
+                <a:cs typeface="Times New Roman" panose="02020603050405020304" pitchFamily="18" charset="0"/>
+              </a:rPr>
+              <a:t>Converted </a:t>
+            </a:r>
             <a:r>
               <a:rPr lang="en-US" sz="2000" dirty="0">
                 <a:latin typeface="Times New Roman" panose="02020603050405020304" pitchFamily="18" charset="0"/>
                 <a:cs typeface="Times New Roman" panose="02020603050405020304" pitchFamily="18" charset="0"/>
               </a:rPr>
-              <a:t>	</a:t>
-            </a:r>
-            <a:r>
-              <a:rPr lang="en-US" sz="2000" dirty="0">
-                <a:latin typeface="Times New Roman" panose="02020603050405020304" pitchFamily="18" charset="0"/>
-                <a:cs typeface="Times New Roman" panose="02020603050405020304" pitchFamily="18" charset="0"/>
-                <a:sym typeface="Wingdings" panose="05000000000000000000" pitchFamily="2" charset="2"/>
-              </a:rPr>
-              <a:t> </a:t>
-            </a:r>
-            <a:r>
-              <a:rPr lang="en-US" sz="2000" dirty="0">
-                <a:latin typeface="Times New Roman" panose="02020603050405020304" pitchFamily="18" charset="0"/>
-                <a:cs typeface="Times New Roman" panose="02020603050405020304" pitchFamily="18" charset="0"/>
-              </a:rPr>
-              <a:t>Converted Display_inches from integer to object type to enable feature-based grouping.</a:t>
+              <a:t>Display_inches from integer to object type to enable feature-based grouping.</a:t>
             </a:r>
           </a:p>
         </p:txBody>
@@ -10603,6 +10592,13 @@
   <p:clrMapOvr>
     <a:masterClrMapping/>
   </p:clrMapOvr>
+  <p:timing>
+    <p:tnLst>
+      <p:par>
+        <p:cTn id="1" dur="indefinite" restart="never" nodeType="tmRoot"/>
+      </p:par>
+    </p:tnLst>
+  </p:timing>
 </p:sld>
 </file>
 
@@ -10628,7 +10624,7 @@
           <p:cNvPr id="5" name="Title 4">
             <a:extLst>
               <a:ext uri="{FF2B5EF4-FFF2-40B4-BE49-F238E27FC236}">
-                <a16:creationId xmlns:a16="http://schemas.microsoft.com/office/drawing/2014/main" xmlns="" id="{56670AA4-D69D-41DB-B5C8-BD99A21F9F68}"/>
+                <a16:creationId xmlns="" xmlns:a16="http://schemas.microsoft.com/office/drawing/2014/main" id="{56670AA4-D69D-41DB-B5C8-BD99A21F9F68}"/>
               </a:ext>
             </a:extLst>
           </p:cNvPr>
@@ -10642,7 +10638,7 @@
         <p:spPr>
           <a:xfrm>
             <a:off x="757284" y="2679983"/>
-            <a:ext cx="4131587" cy="1325563"/>
+            <a:ext cx="6014708" cy="1325563"/>
           </a:xfrm>
         </p:spPr>
         <p:txBody>
@@ -10656,7 +10652,7 @@
                 <a:solidFill>
                   <a:srgbClr val="C00000"/>
                 </a:solidFill>
-                <a:latin typeface="Algerian" panose="04020705040A02060702" pitchFamily="82" charset="0"/>
+                <a:latin typeface="Castellar" panose="020A0402060406010301" pitchFamily="18" charset="0"/>
               </a:rPr>
               <a:t>UNIVARIATE</a:t>
             </a:r>
@@ -10665,7 +10661,7 @@
                 <a:solidFill>
                   <a:srgbClr val="C00000"/>
                 </a:solidFill>
-                <a:latin typeface="Algerian" panose="04020705040A02060702" pitchFamily="82" charset="0"/>
+                <a:latin typeface="Castellar" panose="020A0402060406010301" pitchFamily="18" charset="0"/>
               </a:rPr>
             </a:br>
             <a:r>
@@ -10673,7 +10669,7 @@
                 <a:solidFill>
                   <a:srgbClr val="C00000"/>
                 </a:solidFill>
-                <a:latin typeface="Algerian" panose="04020705040A02060702" pitchFamily="82" charset="0"/>
+                <a:latin typeface="Castellar" panose="020A0402060406010301" pitchFamily="18" charset="0"/>
               </a:rPr>
               <a:t>ANALYSIS</a:t>
             </a:r>
@@ -10808,7 +10804,7 @@
         </p:nvSpPr>
         <p:spPr>
           <a:xfrm>
-            <a:off x="0" y="165321"/>
+            <a:off x="208092" y="141598"/>
             <a:ext cx="9008198" cy="493414"/>
           </a:xfrm>
         </p:spPr>
@@ -10818,21 +10814,20 @@
           </a:bodyPr>
           <a:lstStyle/>
           <a:p>
-            <a:pPr algn="ctr"/>
-            <a:r>
-              <a:rPr lang="en-GB" sz="2400" b="1" dirty="0">
+            <a:r>
+              <a:rPr lang="en-GB" sz="2800" b="1" dirty="0">
                 <a:solidFill>
                   <a:srgbClr val="C00000"/>
                 </a:solidFill>
-                <a:latin typeface="Algerian" panose="04020705040A02060702" pitchFamily="82" charset="0"/>
+                <a:latin typeface="Bahnschrift Light Condensed" panose="020B0502040204020203" pitchFamily="34" charset="0"/>
               </a:rPr>
               <a:t>Smart TV Price Distribution Across Market Segments</a:t>
             </a:r>
-            <a:endParaRPr lang="en-IN" sz="2400" b="1" dirty="0">
+            <a:endParaRPr lang="en-IN" sz="2800" b="1" dirty="0">
               <a:solidFill>
                 <a:srgbClr val="C00000"/>
               </a:solidFill>
-              <a:latin typeface="Algerian" panose="04020705040A02060702" pitchFamily="82" charset="0"/>
+              <a:latin typeface="Bahnschrift Light Condensed" panose="020B0502040204020203" pitchFamily="34" charset="0"/>
               <a:cs typeface="Times New Roman" panose="02020603050405020304" pitchFamily="18" charset="0"/>
             </a:endParaRPr>
           </a:p>
@@ -10879,8 +10874,19 @@
                 <a:latin typeface="Times New Roman" panose="02020603050405020304" pitchFamily="18" charset="0"/>
                 <a:cs typeface="Times New Roman" panose="02020603050405020304" pitchFamily="18" charset="0"/>
               </a:rPr>
-              <a:t>Majority of Smart TVs fall under the Budget Segment (&lt;₹50K)</a:t>
-            </a:r>
+              <a:t>Majority of Smart TVs fall under the Budget Segment (&lt;₹50K</a:t>
+            </a:r>
+            <a:r>
+              <a:rPr lang="en-GB" dirty="0" smtClean="0">
+                <a:latin typeface="Times New Roman" panose="02020603050405020304" pitchFamily="18" charset="0"/>
+                <a:cs typeface="Times New Roman" panose="02020603050405020304" pitchFamily="18" charset="0"/>
+              </a:rPr>
+              <a:t>)</a:t>
+            </a:r>
+            <a:endParaRPr lang="en-GB" dirty="0">
+              <a:latin typeface="Times New Roman" panose="02020603050405020304" pitchFamily="18" charset="0"/>
+              <a:cs typeface="Times New Roman" panose="02020603050405020304" pitchFamily="18" charset="0"/>
+            </a:endParaRPr>
           </a:p>
           <a:p>
             <a:pPr marL="685800" indent="-457200" algn="just">
@@ -10888,11 +10894,18 @@
               <a:buAutoNum type="arabicPeriod"/>
             </a:pPr>
             <a:r>
+              <a:rPr lang="en-GB" dirty="0" smtClean="0">
+                <a:latin typeface="Times New Roman" panose="02020603050405020304" pitchFamily="18" charset="0"/>
+                <a:cs typeface="Times New Roman" panose="02020603050405020304" pitchFamily="18" charset="0"/>
+              </a:rPr>
+              <a:t>Mid-Range </a:t>
+            </a:r>
+            <a:r>
               <a:rPr lang="en-GB" dirty="0">
                 <a:latin typeface="Times New Roman" panose="02020603050405020304" pitchFamily="18" charset="0"/>
                 <a:cs typeface="Times New Roman" panose="02020603050405020304" pitchFamily="18" charset="0"/>
               </a:rPr>
-              <a:t>Mid-Range (₹50K–₹2.5L) segment forms the second largest share</a:t>
+              <a:t>(₹50K–₹2.5L) segment forms the second largest share</a:t>
             </a:r>
           </a:p>
           <a:p>
@@ -10962,7 +10975,7 @@
       </p:pic>
       <p:sp>
         <p:nvSpPr>
-          <p:cNvPr id="8" name="Title 1"/>
+          <p:cNvPr id="11" name="Title 1"/>
           <p:cNvSpPr txBox="1">
             <a:spLocks/>
           </p:cNvSpPr>
@@ -10970,7 +10983,7 @@
         </p:nvSpPr>
         <p:spPr>
           <a:xfrm>
-            <a:off x="117695" y="3246517"/>
+            <a:off x="208092" y="3424711"/>
             <a:ext cx="8347295" cy="466818"/>
           </a:xfrm>
           <a:prstGeom prst="rect">
@@ -11233,21 +11246,20 @@
             </a:lvl9pPr>
           </a:lstStyle>
           <a:p>
-            <a:pPr algn="ctr"/>
-            <a:r>
-              <a:rPr lang="en-GB" sz="2400" b="1" dirty="0">
+            <a:r>
+              <a:rPr lang="en-GB" sz="2800" b="1" dirty="0" smtClean="0">
                 <a:solidFill>
                   <a:srgbClr val="C00000"/>
                 </a:solidFill>
-                <a:latin typeface="Algerian" panose="04020705040A02060702" pitchFamily="82" charset="0"/>
+                <a:latin typeface="Bahnschrift Light Condensed" panose="020B0502040204020203" pitchFamily="34" charset="0"/>
               </a:rPr>
               <a:t>Display Technology Trends in the Smart TV Market</a:t>
             </a:r>
-            <a:endParaRPr lang="en-IN" sz="2400" b="1" dirty="0">
+            <a:endParaRPr lang="en-IN" sz="2800" b="1" dirty="0">
               <a:solidFill>
                 <a:srgbClr val="C00000"/>
               </a:solidFill>
-              <a:latin typeface="Algerian" panose="04020705040A02060702" pitchFamily="82" charset="0"/>
+              <a:latin typeface="Bahnschrift Light Condensed" panose="020B0502040204020203" pitchFamily="34" charset="0"/>
               <a:cs typeface="Times New Roman" panose="02020603050405020304" pitchFamily="18" charset="0"/>
             </a:endParaRPr>
           </a:p>
@@ -11255,7 +11267,7 @@
       </p:sp>
       <p:pic>
         <p:nvPicPr>
-          <p:cNvPr id="9" name="Picture 8"/>
+          <p:cNvPr id="12" name="Picture 11"/>
           <p:cNvPicPr>
             <a:picLocks noChangeAspect="1"/>
           </p:cNvPicPr>
@@ -11269,7 +11281,7 @@
         </p:blipFill>
         <p:spPr>
           <a:xfrm>
-            <a:off x="208092" y="3850363"/>
+            <a:off x="6776312" y="3227185"/>
             <a:ext cx="4879955" cy="2976507"/>
           </a:xfrm>
           <a:prstGeom prst="rect">
@@ -11282,7 +11294,7 @@
       </p:pic>
       <p:sp>
         <p:nvSpPr>
-          <p:cNvPr id="10" name="Text Placeholder 3"/>
+          <p:cNvPr id="13" name="Text Placeholder 3"/>
           <p:cNvSpPr txBox="1">
             <a:spLocks/>
           </p:cNvSpPr>
@@ -11290,7 +11302,7 @@
         </p:nvSpPr>
         <p:spPr>
           <a:xfrm>
-            <a:off x="5221585" y="3850363"/>
+            <a:off x="308777" y="3926282"/>
             <a:ext cx="6366851" cy="2564488"/>
           </a:xfrm>
           <a:prstGeom prst="rect">
@@ -11632,6 +11644,13 @@
   <p:clrMapOvr>
     <a:masterClrMapping/>
   </p:clrMapOvr>
+  <p:timing>
+    <p:tnLst>
+      <p:par>
+        <p:cTn id="1" dur="indefinite" restart="never" nodeType="tmRoot"/>
+      </p:par>
+    </p:tnLst>
+  </p:timing>
 </p:sld>
 </file>
 
@@ -11654,10 +11673,10 @@
       </p:grpSpPr>
       <p:sp>
         <p:nvSpPr>
-          <p:cNvPr id="7" name="TextBox 6">
+          <p:cNvPr id="6" name="TextBox 5">
             <a:extLst>
               <a:ext uri="{FF2B5EF4-FFF2-40B4-BE49-F238E27FC236}">
-                <a16:creationId xmlns:a16="http://schemas.microsoft.com/office/drawing/2014/main" xmlns="" id="{E059E5A2-CCC3-378C-8F14-658D9F0DDD87}"/>
+                <a16:creationId xmlns="" xmlns:a16="http://schemas.microsoft.com/office/drawing/2014/main" id="{7200BF7E-E49B-4C92-A3B7-7345D9279B67}"/>
               </a:ext>
             </a:extLst>
           </p:cNvPr>
@@ -11666,8 +11685,8 @@
         </p:nvSpPr>
         <p:spPr>
           <a:xfrm>
-            <a:off x="540774" y="245806"/>
-            <a:ext cx="10617763" cy="707886"/>
+            <a:off x="476716" y="154264"/>
+            <a:ext cx="10441763" cy="461665"/>
           </a:xfrm>
           <a:prstGeom prst="rect">
             <a:avLst/>
@@ -11681,1185 +11700,40 @@
           <a:lstStyle/>
           <a:p>
             <a:r>
-              <a:rPr lang="en-US" sz="2000" dirty="0">
+              <a:rPr lang="en-US" sz="2400" b="1" i="0" dirty="0" smtClean="0">
                 <a:solidFill>
                   <a:srgbClr val="C00000"/>
                 </a:solidFill>
-                <a:latin typeface="Algerian" panose="04020705040A02060702" pitchFamily="82" charset="0"/>
-                <a:cs typeface="Times New Roman" panose="02020603050405020304" pitchFamily="18" charset="0"/>
-              </a:rPr>
-              <a:t>TVs were launched in the last 2 years is the catalog skewed toward newer   models</a:t>
-            </a:r>
-            <a:endParaRPr lang="en-IN" sz="2000" dirty="0">
+                <a:effectLst/>
+                <a:latin typeface="Bahnschrift Light Condensed" panose="020B0502040204020203" pitchFamily="34" charset="0"/>
+              </a:rPr>
+              <a:t>What </a:t>
+            </a:r>
+            <a:r>
+              <a:rPr lang="en-US" sz="2400" b="1" i="0" dirty="0">
+                <a:solidFill>
+                  <a:srgbClr val="C00000"/>
+                </a:solidFill>
+                <a:effectLst/>
+                <a:latin typeface="Bahnschrift Light Condensed" panose="020B0502040204020203" pitchFamily="34" charset="0"/>
+              </a:rPr>
+              <a:t>is the distribution of Ratings across all smart TVs — and how many TVs are rated above 4.5?</a:t>
+            </a:r>
+            <a:endParaRPr lang="en-US" sz="2400" b="1" dirty="0">
               <a:solidFill>
                 <a:srgbClr val="C00000"/>
               </a:solidFill>
-              <a:latin typeface="Algerian" panose="04020705040A02060702" pitchFamily="82" charset="0"/>
-            </a:endParaRPr>
-          </a:p>
-        </p:txBody>
-      </p:sp>
-      <p:sp>
-        <p:nvSpPr>
-          <p:cNvPr id="8" name="Title 1">
-            <a:extLst>
-              <a:ext uri="{FF2B5EF4-FFF2-40B4-BE49-F238E27FC236}">
-                <a16:creationId xmlns:a16="http://schemas.microsoft.com/office/drawing/2014/main" xmlns="" id="{55876495-34BA-187A-BDD5-9494FE16F6C7}"/>
-              </a:ext>
-            </a:extLst>
-          </p:cNvPr>
-          <p:cNvSpPr txBox="1">
-            <a:spLocks/>
-          </p:cNvSpPr>
-          <p:nvPr/>
-        </p:nvSpPr>
-        <p:spPr>
-          <a:xfrm>
-            <a:off x="0" y="165321"/>
-            <a:ext cx="9008198" cy="493414"/>
-          </a:xfrm>
-          <a:prstGeom prst="rect">
-            <a:avLst/>
-          </a:prstGeom>
-        </p:spPr>
-        <p:txBody>
-          <a:bodyPr>
-            <a:noAutofit/>
-          </a:bodyPr>
-          <a:lstStyle>
-            <a:defPPr marR="0" lvl="0" algn="l" rtl="0">
-              <a:lnSpc>
-                <a:spcPct val="100000"/>
-              </a:lnSpc>
-              <a:spcBef>
-                <a:spcPts val="0"/>
-              </a:spcBef>
-              <a:spcAft>
-                <a:spcPts val="0"/>
-              </a:spcAft>
-            </a:defPPr>
-            <a:lvl1pPr marR="0" lvl="0" algn="l" rtl="0">
-              <a:lnSpc>
-                <a:spcPct val="100000"/>
-              </a:lnSpc>
-              <a:spcBef>
-                <a:spcPts val="0"/>
-              </a:spcBef>
-              <a:spcAft>
-                <a:spcPts val="0"/>
-              </a:spcAft>
-              <a:buClr>
-                <a:srgbClr val="000000"/>
-              </a:buClr>
-              <a:buFont typeface="Arial"/>
-              <a:defRPr sz="1400" b="0" i="0" u="none" strike="noStrike" cap="none">
-                <a:solidFill>
-                  <a:srgbClr val="000000"/>
-                </a:solidFill>
-                <a:latin typeface="Arial"/>
-                <a:ea typeface="Arial"/>
-                <a:cs typeface="Arial"/>
-                <a:sym typeface="Arial"/>
-              </a:defRPr>
-            </a:lvl1pPr>
-            <a:lvl2pPr marR="0" lvl="1" algn="l" rtl="0">
-              <a:lnSpc>
-                <a:spcPct val="100000"/>
-              </a:lnSpc>
-              <a:spcBef>
-                <a:spcPts val="0"/>
-              </a:spcBef>
-              <a:spcAft>
-                <a:spcPts val="0"/>
-              </a:spcAft>
-              <a:buClr>
-                <a:srgbClr val="000000"/>
-              </a:buClr>
-              <a:buFont typeface="Arial"/>
-              <a:defRPr sz="1400" b="0" i="0" u="none" strike="noStrike" cap="none">
-                <a:solidFill>
-                  <a:srgbClr val="000000"/>
-                </a:solidFill>
-                <a:latin typeface="Arial"/>
-                <a:ea typeface="Arial"/>
-                <a:cs typeface="Arial"/>
-                <a:sym typeface="Arial"/>
-              </a:defRPr>
-            </a:lvl2pPr>
-            <a:lvl3pPr marR="0" lvl="2" algn="l" rtl="0">
-              <a:lnSpc>
-                <a:spcPct val="100000"/>
-              </a:lnSpc>
-              <a:spcBef>
-                <a:spcPts val="0"/>
-              </a:spcBef>
-              <a:spcAft>
-                <a:spcPts val="0"/>
-              </a:spcAft>
-              <a:buClr>
-                <a:srgbClr val="000000"/>
-              </a:buClr>
-              <a:buFont typeface="Arial"/>
-              <a:defRPr sz="1400" b="0" i="0" u="none" strike="noStrike" cap="none">
-                <a:solidFill>
-                  <a:srgbClr val="000000"/>
-                </a:solidFill>
-                <a:latin typeface="Arial"/>
-                <a:ea typeface="Arial"/>
-                <a:cs typeface="Arial"/>
-                <a:sym typeface="Arial"/>
-              </a:defRPr>
-            </a:lvl3pPr>
-            <a:lvl4pPr marR="0" lvl="3" algn="l" rtl="0">
-              <a:lnSpc>
-                <a:spcPct val="100000"/>
-              </a:lnSpc>
-              <a:spcBef>
-                <a:spcPts val="0"/>
-              </a:spcBef>
-              <a:spcAft>
-                <a:spcPts val="0"/>
-              </a:spcAft>
-              <a:buClr>
-                <a:srgbClr val="000000"/>
-              </a:buClr>
-              <a:buFont typeface="Arial"/>
-              <a:defRPr sz="1400" b="0" i="0" u="none" strike="noStrike" cap="none">
-                <a:solidFill>
-                  <a:srgbClr val="000000"/>
-                </a:solidFill>
-                <a:latin typeface="Arial"/>
-                <a:ea typeface="Arial"/>
-                <a:cs typeface="Arial"/>
-                <a:sym typeface="Arial"/>
-              </a:defRPr>
-            </a:lvl4pPr>
-            <a:lvl5pPr marR="0" lvl="4" algn="l" rtl="0">
-              <a:lnSpc>
-                <a:spcPct val="100000"/>
-              </a:lnSpc>
-              <a:spcBef>
-                <a:spcPts val="0"/>
-              </a:spcBef>
-              <a:spcAft>
-                <a:spcPts val="0"/>
-              </a:spcAft>
-              <a:buClr>
-                <a:srgbClr val="000000"/>
-              </a:buClr>
-              <a:buFont typeface="Arial"/>
-              <a:defRPr sz="1400" b="0" i="0" u="none" strike="noStrike" cap="none">
-                <a:solidFill>
-                  <a:srgbClr val="000000"/>
-                </a:solidFill>
-                <a:latin typeface="Arial"/>
-                <a:ea typeface="Arial"/>
-                <a:cs typeface="Arial"/>
-                <a:sym typeface="Arial"/>
-              </a:defRPr>
-            </a:lvl5pPr>
-            <a:lvl6pPr marR="0" lvl="5" algn="l" rtl="0">
-              <a:lnSpc>
-                <a:spcPct val="100000"/>
-              </a:lnSpc>
-              <a:spcBef>
-                <a:spcPts val="0"/>
-              </a:spcBef>
-              <a:spcAft>
-                <a:spcPts val="0"/>
-              </a:spcAft>
-              <a:buClr>
-                <a:srgbClr val="000000"/>
-              </a:buClr>
-              <a:buFont typeface="Arial"/>
-              <a:defRPr sz="1400" b="0" i="0" u="none" strike="noStrike" cap="none">
-                <a:solidFill>
-                  <a:srgbClr val="000000"/>
-                </a:solidFill>
-                <a:latin typeface="Arial"/>
-                <a:ea typeface="Arial"/>
-                <a:cs typeface="Arial"/>
-                <a:sym typeface="Arial"/>
-              </a:defRPr>
-            </a:lvl6pPr>
-            <a:lvl7pPr marR="0" lvl="6" algn="l" rtl="0">
-              <a:lnSpc>
-                <a:spcPct val="100000"/>
-              </a:lnSpc>
-              <a:spcBef>
-                <a:spcPts val="0"/>
-              </a:spcBef>
-              <a:spcAft>
-                <a:spcPts val="0"/>
-              </a:spcAft>
-              <a:buClr>
-                <a:srgbClr val="000000"/>
-              </a:buClr>
-              <a:buFont typeface="Arial"/>
-              <a:defRPr sz="1400" b="0" i="0" u="none" strike="noStrike" cap="none">
-                <a:solidFill>
-                  <a:srgbClr val="000000"/>
-                </a:solidFill>
-                <a:latin typeface="Arial"/>
-                <a:ea typeface="Arial"/>
-                <a:cs typeface="Arial"/>
-                <a:sym typeface="Arial"/>
-              </a:defRPr>
-            </a:lvl7pPr>
-            <a:lvl8pPr marR="0" lvl="7" algn="l" rtl="0">
-              <a:lnSpc>
-                <a:spcPct val="100000"/>
-              </a:lnSpc>
-              <a:spcBef>
-                <a:spcPts val="0"/>
-              </a:spcBef>
-              <a:spcAft>
-                <a:spcPts val="0"/>
-              </a:spcAft>
-              <a:buClr>
-                <a:srgbClr val="000000"/>
-              </a:buClr>
-              <a:buFont typeface="Arial"/>
-              <a:defRPr sz="1400" b="0" i="0" u="none" strike="noStrike" cap="none">
-                <a:solidFill>
-                  <a:srgbClr val="000000"/>
-                </a:solidFill>
-                <a:latin typeface="Arial"/>
-                <a:ea typeface="Arial"/>
-                <a:cs typeface="Arial"/>
-                <a:sym typeface="Arial"/>
-              </a:defRPr>
-            </a:lvl8pPr>
-            <a:lvl9pPr marR="0" lvl="8" algn="l" rtl="0">
-              <a:lnSpc>
-                <a:spcPct val="100000"/>
-              </a:lnSpc>
-              <a:spcBef>
-                <a:spcPts val="0"/>
-              </a:spcBef>
-              <a:spcAft>
-                <a:spcPts val="0"/>
-              </a:spcAft>
-              <a:buClr>
-                <a:srgbClr val="000000"/>
-              </a:buClr>
-              <a:buFont typeface="Arial"/>
-              <a:defRPr sz="1400" b="0" i="0" u="none" strike="noStrike" cap="none">
-                <a:solidFill>
-                  <a:srgbClr val="000000"/>
-                </a:solidFill>
-                <a:latin typeface="Arial"/>
-                <a:ea typeface="Arial"/>
-                <a:cs typeface="Arial"/>
-                <a:sym typeface="Arial"/>
-              </a:defRPr>
-            </a:lvl9pPr>
-          </a:lstStyle>
-          <a:p>
-            <a:pPr algn="ctr"/>
-            <a:endParaRPr lang="en-IN" sz="2400" b="1" dirty="0">
-              <a:solidFill>
-                <a:srgbClr val="C00000"/>
-              </a:solidFill>
-              <a:latin typeface="Algerian" panose="04020705040A02060702" pitchFamily="82" charset="0"/>
-              <a:cs typeface="Times New Roman" panose="02020603050405020304" pitchFamily="18" charset="0"/>
-            </a:endParaRPr>
-          </a:p>
-        </p:txBody>
-      </p:sp>
-      <p:sp>
-        <p:nvSpPr>
-          <p:cNvPr id="9" name="Text Placeholder 3">
-            <a:extLst>
-              <a:ext uri="{FF2B5EF4-FFF2-40B4-BE49-F238E27FC236}">
-                <a16:creationId xmlns:a16="http://schemas.microsoft.com/office/drawing/2014/main" xmlns="" id="{B5A861FC-1F52-084C-9741-45FD90F1208B}"/>
-              </a:ext>
-            </a:extLst>
-          </p:cNvPr>
-          <p:cNvSpPr txBox="1">
-            <a:spLocks/>
-          </p:cNvSpPr>
-          <p:nvPr/>
-        </p:nvSpPr>
-        <p:spPr>
-          <a:xfrm>
-            <a:off x="5251010" y="726401"/>
-            <a:ext cx="6744345" cy="2233111"/>
-          </a:xfrm>
-          <a:prstGeom prst="rect">
-            <a:avLst/>
-          </a:prstGeom>
-        </p:spPr>
-        <p:txBody>
-          <a:bodyPr>
-            <a:normAutofit/>
-          </a:bodyPr>
-          <a:lstStyle>
-            <a:defPPr marR="0" lvl="0" algn="l" rtl="0">
-              <a:lnSpc>
-                <a:spcPct val="100000"/>
-              </a:lnSpc>
-              <a:spcBef>
-                <a:spcPts val="0"/>
-              </a:spcBef>
-              <a:spcAft>
-                <a:spcPts val="0"/>
-              </a:spcAft>
-            </a:defPPr>
-            <a:lvl1pPr marR="0" lvl="0" algn="l" rtl="0">
-              <a:lnSpc>
-                <a:spcPct val="100000"/>
-              </a:lnSpc>
-              <a:spcBef>
-                <a:spcPts val="0"/>
-              </a:spcBef>
-              <a:spcAft>
-                <a:spcPts val="0"/>
-              </a:spcAft>
-              <a:buClr>
-                <a:srgbClr val="000000"/>
-              </a:buClr>
-              <a:buFont typeface="Arial"/>
-              <a:defRPr sz="1400" b="0" i="0" u="none" strike="noStrike" cap="none">
-                <a:solidFill>
-                  <a:srgbClr val="000000"/>
-                </a:solidFill>
-                <a:latin typeface="Arial"/>
-                <a:ea typeface="Arial"/>
-                <a:cs typeface="Arial"/>
-                <a:sym typeface="Arial"/>
-              </a:defRPr>
-            </a:lvl1pPr>
-            <a:lvl2pPr marR="0" lvl="1" algn="l" rtl="0">
-              <a:lnSpc>
-                <a:spcPct val="100000"/>
-              </a:lnSpc>
-              <a:spcBef>
-                <a:spcPts val="0"/>
-              </a:spcBef>
-              <a:spcAft>
-                <a:spcPts val="0"/>
-              </a:spcAft>
-              <a:buClr>
-                <a:srgbClr val="000000"/>
-              </a:buClr>
-              <a:buFont typeface="Arial"/>
-              <a:defRPr sz="1400" b="0" i="0" u="none" strike="noStrike" cap="none">
-                <a:solidFill>
-                  <a:srgbClr val="000000"/>
-                </a:solidFill>
-                <a:latin typeface="Arial"/>
-                <a:ea typeface="Arial"/>
-                <a:cs typeface="Arial"/>
-                <a:sym typeface="Arial"/>
-              </a:defRPr>
-            </a:lvl2pPr>
-            <a:lvl3pPr marR="0" lvl="2" algn="l" rtl="0">
-              <a:lnSpc>
-                <a:spcPct val="100000"/>
-              </a:lnSpc>
-              <a:spcBef>
-                <a:spcPts val="0"/>
-              </a:spcBef>
-              <a:spcAft>
-                <a:spcPts val="0"/>
-              </a:spcAft>
-              <a:buClr>
-                <a:srgbClr val="000000"/>
-              </a:buClr>
-              <a:buFont typeface="Arial"/>
-              <a:defRPr sz="1400" b="0" i="0" u="none" strike="noStrike" cap="none">
-                <a:solidFill>
-                  <a:srgbClr val="000000"/>
-                </a:solidFill>
-                <a:latin typeface="Arial"/>
-                <a:ea typeface="Arial"/>
-                <a:cs typeface="Arial"/>
-                <a:sym typeface="Arial"/>
-              </a:defRPr>
-            </a:lvl3pPr>
-            <a:lvl4pPr marR="0" lvl="3" algn="l" rtl="0">
-              <a:lnSpc>
-                <a:spcPct val="100000"/>
-              </a:lnSpc>
-              <a:spcBef>
-                <a:spcPts val="0"/>
-              </a:spcBef>
-              <a:spcAft>
-                <a:spcPts val="0"/>
-              </a:spcAft>
-              <a:buClr>
-                <a:srgbClr val="000000"/>
-              </a:buClr>
-              <a:buFont typeface="Arial"/>
-              <a:defRPr sz="1400" b="0" i="0" u="none" strike="noStrike" cap="none">
-                <a:solidFill>
-                  <a:srgbClr val="000000"/>
-                </a:solidFill>
-                <a:latin typeface="Arial"/>
-                <a:ea typeface="Arial"/>
-                <a:cs typeface="Arial"/>
-                <a:sym typeface="Arial"/>
-              </a:defRPr>
-            </a:lvl4pPr>
-            <a:lvl5pPr marR="0" lvl="4" algn="l" rtl="0">
-              <a:lnSpc>
-                <a:spcPct val="100000"/>
-              </a:lnSpc>
-              <a:spcBef>
-                <a:spcPts val="0"/>
-              </a:spcBef>
-              <a:spcAft>
-                <a:spcPts val="0"/>
-              </a:spcAft>
-              <a:buClr>
-                <a:srgbClr val="000000"/>
-              </a:buClr>
-              <a:buFont typeface="Arial"/>
-              <a:defRPr sz="1400" b="0" i="0" u="none" strike="noStrike" cap="none">
-                <a:solidFill>
-                  <a:srgbClr val="000000"/>
-                </a:solidFill>
-                <a:latin typeface="Arial"/>
-                <a:ea typeface="Arial"/>
-                <a:cs typeface="Arial"/>
-                <a:sym typeface="Arial"/>
-              </a:defRPr>
-            </a:lvl5pPr>
-            <a:lvl6pPr marR="0" lvl="5" algn="l" rtl="0">
-              <a:lnSpc>
-                <a:spcPct val="100000"/>
-              </a:lnSpc>
-              <a:spcBef>
-                <a:spcPts val="0"/>
-              </a:spcBef>
-              <a:spcAft>
-                <a:spcPts val="0"/>
-              </a:spcAft>
-              <a:buClr>
-                <a:srgbClr val="000000"/>
-              </a:buClr>
-              <a:buFont typeface="Arial"/>
-              <a:defRPr sz="1400" b="0" i="0" u="none" strike="noStrike" cap="none">
-                <a:solidFill>
-                  <a:srgbClr val="000000"/>
-                </a:solidFill>
-                <a:latin typeface="Arial"/>
-                <a:ea typeface="Arial"/>
-                <a:cs typeface="Arial"/>
-                <a:sym typeface="Arial"/>
-              </a:defRPr>
-            </a:lvl6pPr>
-            <a:lvl7pPr marR="0" lvl="6" algn="l" rtl="0">
-              <a:lnSpc>
-                <a:spcPct val="100000"/>
-              </a:lnSpc>
-              <a:spcBef>
-                <a:spcPts val="0"/>
-              </a:spcBef>
-              <a:spcAft>
-                <a:spcPts val="0"/>
-              </a:spcAft>
-              <a:buClr>
-                <a:srgbClr val="000000"/>
-              </a:buClr>
-              <a:buFont typeface="Arial"/>
-              <a:defRPr sz="1400" b="0" i="0" u="none" strike="noStrike" cap="none">
-                <a:solidFill>
-                  <a:srgbClr val="000000"/>
-                </a:solidFill>
-                <a:latin typeface="Arial"/>
-                <a:ea typeface="Arial"/>
-                <a:cs typeface="Arial"/>
-                <a:sym typeface="Arial"/>
-              </a:defRPr>
-            </a:lvl7pPr>
-            <a:lvl8pPr marR="0" lvl="7" algn="l" rtl="0">
-              <a:lnSpc>
-                <a:spcPct val="100000"/>
-              </a:lnSpc>
-              <a:spcBef>
-                <a:spcPts val="0"/>
-              </a:spcBef>
-              <a:spcAft>
-                <a:spcPts val="0"/>
-              </a:spcAft>
-              <a:buClr>
-                <a:srgbClr val="000000"/>
-              </a:buClr>
-              <a:buFont typeface="Arial"/>
-              <a:defRPr sz="1400" b="0" i="0" u="none" strike="noStrike" cap="none">
-                <a:solidFill>
-                  <a:srgbClr val="000000"/>
-                </a:solidFill>
-                <a:latin typeface="Arial"/>
-                <a:ea typeface="Arial"/>
-                <a:cs typeface="Arial"/>
-                <a:sym typeface="Arial"/>
-              </a:defRPr>
-            </a:lvl8pPr>
-            <a:lvl9pPr marR="0" lvl="8" algn="l" rtl="0">
-              <a:lnSpc>
-                <a:spcPct val="100000"/>
-              </a:lnSpc>
-              <a:spcBef>
-                <a:spcPts val="0"/>
-              </a:spcBef>
-              <a:spcAft>
-                <a:spcPts val="0"/>
-              </a:spcAft>
-              <a:buClr>
-                <a:srgbClr val="000000"/>
-              </a:buClr>
-              <a:buFont typeface="Arial"/>
-              <a:defRPr sz="1400" b="0" i="0" u="none" strike="noStrike" cap="none">
-                <a:solidFill>
-                  <a:srgbClr val="000000"/>
-                </a:solidFill>
-                <a:latin typeface="Arial"/>
-                <a:ea typeface="Arial"/>
-                <a:cs typeface="Arial"/>
-                <a:sym typeface="Arial"/>
-              </a:defRPr>
-            </a:lvl9pPr>
-          </a:lstStyle>
-          <a:p>
-            <a:pPr algn="just"/>
-            <a:r>
-              <a:rPr lang="en-GB" sz="2000" b="1" dirty="0">
-                <a:latin typeface="Times New Roman" panose="02020603050405020304" pitchFamily="18" charset="0"/>
-                <a:cs typeface="Times New Roman" panose="02020603050405020304" pitchFamily="18" charset="0"/>
-              </a:rPr>
-              <a:t>Key Insights:</a:t>
-            </a:r>
-          </a:p>
-        </p:txBody>
-      </p:sp>
-      <p:sp>
-        <p:nvSpPr>
-          <p:cNvPr id="11" name="Title 1">
-            <a:extLst>
-              <a:ext uri="{FF2B5EF4-FFF2-40B4-BE49-F238E27FC236}">
-                <a16:creationId xmlns:a16="http://schemas.microsoft.com/office/drawing/2014/main" xmlns="" id="{FAEFD67D-71CE-1ACA-C9EF-5859ACDAA694}"/>
-              </a:ext>
-            </a:extLst>
-          </p:cNvPr>
-          <p:cNvSpPr txBox="1">
-            <a:spLocks/>
-          </p:cNvSpPr>
-          <p:nvPr/>
-        </p:nvSpPr>
-        <p:spPr>
-          <a:xfrm>
-            <a:off x="117695" y="3246517"/>
-            <a:ext cx="11690847" cy="466818"/>
-          </a:xfrm>
-          <a:prstGeom prst="rect">
-            <a:avLst/>
-          </a:prstGeom>
-          <a:noFill/>
-          <a:ln>
-            <a:noFill/>
-          </a:ln>
-        </p:spPr>
-        <p:txBody>
-          <a:bodyPr spcFirstLastPara="1" wrap="square" lIns="91425" tIns="45700" rIns="91425" bIns="45700" anchor="b" anchorCtr="0">
-            <a:noAutofit/>
-          </a:bodyPr>
-          <a:lstStyle>
-            <a:defPPr marR="0" lvl="0" algn="l" rtl="0">
-              <a:lnSpc>
-                <a:spcPct val="100000"/>
-              </a:lnSpc>
-              <a:spcBef>
-                <a:spcPts val="0"/>
-              </a:spcBef>
-              <a:spcAft>
-                <a:spcPts val="0"/>
-              </a:spcAft>
-            </a:defPPr>
-            <a:lvl1pPr marR="0" lvl="0" algn="l" rtl="0">
-              <a:lnSpc>
-                <a:spcPct val="90000"/>
-              </a:lnSpc>
-              <a:spcBef>
-                <a:spcPts val="0"/>
-              </a:spcBef>
-              <a:spcAft>
-                <a:spcPts val="0"/>
-              </a:spcAft>
-              <a:buClr>
-                <a:schemeClr val="dk1"/>
-              </a:buClr>
-              <a:buSzPts val="3200"/>
-              <a:buFont typeface="Calibri"/>
-              <a:buNone/>
-              <a:defRPr sz="3200" b="0" i="0" u="none" strike="noStrike" cap="none">
-                <a:solidFill>
-                  <a:schemeClr val="dk1"/>
-                </a:solidFill>
-                <a:latin typeface="Calibri"/>
-                <a:ea typeface="Calibri"/>
-                <a:cs typeface="Calibri"/>
-                <a:sym typeface="Calibri"/>
-              </a:defRPr>
-            </a:lvl1pPr>
-            <a:lvl2pPr marR="0" lvl="1" algn="l" rtl="0">
-              <a:lnSpc>
-                <a:spcPct val="100000"/>
-              </a:lnSpc>
-              <a:spcBef>
-                <a:spcPts val="0"/>
-              </a:spcBef>
-              <a:spcAft>
-                <a:spcPts val="0"/>
-              </a:spcAft>
-              <a:buClr>
-                <a:srgbClr val="000000"/>
-              </a:buClr>
-              <a:buSzPts val="1400"/>
-              <a:buFont typeface="Arial"/>
-              <a:buNone/>
-              <a:defRPr sz="1800" b="0" i="0" u="none" strike="noStrike" cap="none">
-                <a:solidFill>
-                  <a:srgbClr val="000000"/>
-                </a:solidFill>
-                <a:latin typeface="Arial"/>
-                <a:ea typeface="Arial"/>
-                <a:cs typeface="Arial"/>
-                <a:sym typeface="Arial"/>
-              </a:defRPr>
-            </a:lvl2pPr>
-            <a:lvl3pPr marR="0" lvl="2" algn="l" rtl="0">
-              <a:lnSpc>
-                <a:spcPct val="100000"/>
-              </a:lnSpc>
-              <a:spcBef>
-                <a:spcPts val="0"/>
-              </a:spcBef>
-              <a:spcAft>
-                <a:spcPts val="0"/>
-              </a:spcAft>
-              <a:buClr>
-                <a:srgbClr val="000000"/>
-              </a:buClr>
-              <a:buSzPts val="1400"/>
-              <a:buFont typeface="Arial"/>
-              <a:buNone/>
-              <a:defRPr sz="1800" b="0" i="0" u="none" strike="noStrike" cap="none">
-                <a:solidFill>
-                  <a:srgbClr val="000000"/>
-                </a:solidFill>
-                <a:latin typeface="Arial"/>
-                <a:ea typeface="Arial"/>
-                <a:cs typeface="Arial"/>
-                <a:sym typeface="Arial"/>
-              </a:defRPr>
-            </a:lvl3pPr>
-            <a:lvl4pPr marR="0" lvl="3" algn="l" rtl="0">
-              <a:lnSpc>
-                <a:spcPct val="100000"/>
-              </a:lnSpc>
-              <a:spcBef>
-                <a:spcPts val="0"/>
-              </a:spcBef>
-              <a:spcAft>
-                <a:spcPts val="0"/>
-              </a:spcAft>
-              <a:buClr>
-                <a:srgbClr val="000000"/>
-              </a:buClr>
-              <a:buSzPts val="1400"/>
-              <a:buFont typeface="Arial"/>
-              <a:buNone/>
-              <a:defRPr sz="1800" b="0" i="0" u="none" strike="noStrike" cap="none">
-                <a:solidFill>
-                  <a:srgbClr val="000000"/>
-                </a:solidFill>
-                <a:latin typeface="Arial"/>
-                <a:ea typeface="Arial"/>
-                <a:cs typeface="Arial"/>
-                <a:sym typeface="Arial"/>
-              </a:defRPr>
-            </a:lvl4pPr>
-            <a:lvl5pPr marR="0" lvl="4" algn="l" rtl="0">
-              <a:lnSpc>
-                <a:spcPct val="100000"/>
-              </a:lnSpc>
-              <a:spcBef>
-                <a:spcPts val="0"/>
-              </a:spcBef>
-              <a:spcAft>
-                <a:spcPts val="0"/>
-              </a:spcAft>
-              <a:buClr>
-                <a:srgbClr val="000000"/>
-              </a:buClr>
-              <a:buSzPts val="1400"/>
-              <a:buFont typeface="Arial"/>
-              <a:buNone/>
-              <a:defRPr sz="1800" b="0" i="0" u="none" strike="noStrike" cap="none">
-                <a:solidFill>
-                  <a:srgbClr val="000000"/>
-                </a:solidFill>
-                <a:latin typeface="Arial"/>
-                <a:ea typeface="Arial"/>
-                <a:cs typeface="Arial"/>
-                <a:sym typeface="Arial"/>
-              </a:defRPr>
-            </a:lvl5pPr>
-            <a:lvl6pPr marR="0" lvl="5" algn="l" rtl="0">
-              <a:lnSpc>
-                <a:spcPct val="100000"/>
-              </a:lnSpc>
-              <a:spcBef>
-                <a:spcPts val="0"/>
-              </a:spcBef>
-              <a:spcAft>
-                <a:spcPts val="0"/>
-              </a:spcAft>
-              <a:buClr>
-                <a:srgbClr val="000000"/>
-              </a:buClr>
-              <a:buSzPts val="1400"/>
-              <a:buFont typeface="Arial"/>
-              <a:buNone/>
-              <a:defRPr sz="1800" b="0" i="0" u="none" strike="noStrike" cap="none">
-                <a:solidFill>
-                  <a:srgbClr val="000000"/>
-                </a:solidFill>
-                <a:latin typeface="Arial"/>
-                <a:ea typeface="Arial"/>
-                <a:cs typeface="Arial"/>
-                <a:sym typeface="Arial"/>
-              </a:defRPr>
-            </a:lvl6pPr>
-            <a:lvl7pPr marR="0" lvl="6" algn="l" rtl="0">
-              <a:lnSpc>
-                <a:spcPct val="100000"/>
-              </a:lnSpc>
-              <a:spcBef>
-                <a:spcPts val="0"/>
-              </a:spcBef>
-              <a:spcAft>
-                <a:spcPts val="0"/>
-              </a:spcAft>
-              <a:buClr>
-                <a:srgbClr val="000000"/>
-              </a:buClr>
-              <a:buSzPts val="1400"/>
-              <a:buFont typeface="Arial"/>
-              <a:buNone/>
-              <a:defRPr sz="1800" b="0" i="0" u="none" strike="noStrike" cap="none">
-                <a:solidFill>
-                  <a:srgbClr val="000000"/>
-                </a:solidFill>
-                <a:latin typeface="Arial"/>
-                <a:ea typeface="Arial"/>
-                <a:cs typeface="Arial"/>
-                <a:sym typeface="Arial"/>
-              </a:defRPr>
-            </a:lvl7pPr>
-            <a:lvl8pPr marR="0" lvl="7" algn="l" rtl="0">
-              <a:lnSpc>
-                <a:spcPct val="100000"/>
-              </a:lnSpc>
-              <a:spcBef>
-                <a:spcPts val="0"/>
-              </a:spcBef>
-              <a:spcAft>
-                <a:spcPts val="0"/>
-              </a:spcAft>
-              <a:buClr>
-                <a:srgbClr val="000000"/>
-              </a:buClr>
-              <a:buSzPts val="1400"/>
-              <a:buFont typeface="Arial"/>
-              <a:buNone/>
-              <a:defRPr sz="1800" b="0" i="0" u="none" strike="noStrike" cap="none">
-                <a:solidFill>
-                  <a:srgbClr val="000000"/>
-                </a:solidFill>
-                <a:latin typeface="Arial"/>
-                <a:ea typeface="Arial"/>
-                <a:cs typeface="Arial"/>
-                <a:sym typeface="Arial"/>
-              </a:defRPr>
-            </a:lvl8pPr>
-            <a:lvl9pPr marR="0" lvl="8" algn="l" rtl="0">
-              <a:lnSpc>
-                <a:spcPct val="100000"/>
-              </a:lnSpc>
-              <a:spcBef>
-                <a:spcPts val="0"/>
-              </a:spcBef>
-              <a:spcAft>
-                <a:spcPts val="0"/>
-              </a:spcAft>
-              <a:buClr>
-                <a:srgbClr val="000000"/>
-              </a:buClr>
-              <a:buSzPts val="1400"/>
-              <a:buFont typeface="Arial"/>
-              <a:buNone/>
-              <a:defRPr sz="1800" b="0" i="0" u="none" strike="noStrike" cap="none">
-                <a:solidFill>
-                  <a:srgbClr val="000000"/>
-                </a:solidFill>
-                <a:latin typeface="Arial"/>
-                <a:ea typeface="Arial"/>
-                <a:cs typeface="Arial"/>
-                <a:sym typeface="Arial"/>
-              </a:defRPr>
-            </a:lvl9pPr>
-          </a:lstStyle>
-          <a:p>
-            <a:pPr algn="ctr"/>
-            <a:r>
-              <a:rPr lang="en-US" sz="2000" b="1" dirty="0">
-                <a:solidFill>
-                  <a:srgbClr val="C00000"/>
-                </a:solidFill>
-                <a:latin typeface="Algerian" panose="04020705040A02060702" pitchFamily="82" charset="0"/>
-                <a:cs typeface="Times New Roman" panose="02020603050405020304" pitchFamily="18" charset="0"/>
-              </a:rPr>
-              <a:t>What sound output levels are most commonly offered do most TVs cluster around 20W or higher</a:t>
-            </a:r>
-            <a:endParaRPr lang="en-IN" sz="2000" b="1" dirty="0">
-              <a:solidFill>
-                <a:srgbClr val="C00000"/>
-              </a:solidFill>
-              <a:latin typeface="Algerian" panose="04020705040A02060702" pitchFamily="82" charset="0"/>
-              <a:cs typeface="Times New Roman" panose="02020603050405020304" pitchFamily="18" charset="0"/>
-            </a:endParaRPr>
-          </a:p>
-        </p:txBody>
-      </p:sp>
-      <p:sp>
-        <p:nvSpPr>
-          <p:cNvPr id="13" name="Text Placeholder 3">
-            <a:extLst>
-              <a:ext uri="{FF2B5EF4-FFF2-40B4-BE49-F238E27FC236}">
-                <a16:creationId xmlns:a16="http://schemas.microsoft.com/office/drawing/2014/main" xmlns="" id="{57EBD230-973E-3B65-4937-C12DFEE31614}"/>
-              </a:ext>
-            </a:extLst>
-          </p:cNvPr>
-          <p:cNvSpPr txBox="1">
-            <a:spLocks/>
-          </p:cNvSpPr>
-          <p:nvPr/>
-        </p:nvSpPr>
-        <p:spPr>
-          <a:xfrm>
-            <a:off x="5221585" y="3850363"/>
-            <a:ext cx="6366851" cy="2564488"/>
-          </a:xfrm>
-          <a:prstGeom prst="rect">
-            <a:avLst/>
-          </a:prstGeom>
-          <a:noFill/>
-          <a:ln>
-            <a:noFill/>
-          </a:ln>
-        </p:spPr>
-        <p:txBody>
-          <a:bodyPr spcFirstLastPara="1" wrap="square" lIns="91425" tIns="45700" rIns="91425" bIns="45700" anchor="t" anchorCtr="0">
-            <a:normAutofit/>
-          </a:bodyPr>
-          <a:lstStyle>
-            <a:defPPr marR="0" lvl="0" algn="l" rtl="0">
-              <a:lnSpc>
-                <a:spcPct val="100000"/>
-              </a:lnSpc>
-              <a:spcBef>
-                <a:spcPts val="0"/>
-              </a:spcBef>
-              <a:spcAft>
-                <a:spcPts val="0"/>
-              </a:spcAft>
-            </a:defPPr>
-            <a:lvl1pPr marL="457200" marR="0" lvl="0" indent="-228600" algn="l" rtl="0">
-              <a:lnSpc>
-                <a:spcPct val="90000"/>
-              </a:lnSpc>
-              <a:spcBef>
-                <a:spcPts val="1000"/>
-              </a:spcBef>
-              <a:spcAft>
-                <a:spcPts val="0"/>
-              </a:spcAft>
-              <a:buClr>
-                <a:schemeClr val="dk1"/>
-              </a:buClr>
-              <a:buSzPts val="1600"/>
-              <a:buFont typeface="Arial"/>
-              <a:buNone/>
-              <a:defRPr sz="1600" b="0" i="0" u="none" strike="noStrike" cap="none">
-                <a:solidFill>
-                  <a:schemeClr val="dk1"/>
-                </a:solidFill>
-                <a:latin typeface="Calibri"/>
-                <a:ea typeface="Calibri"/>
-                <a:cs typeface="Calibri"/>
-                <a:sym typeface="Calibri"/>
-              </a:defRPr>
-            </a:lvl1pPr>
-            <a:lvl2pPr marL="914400" marR="0" lvl="1" indent="-228600" algn="l" rtl="0">
-              <a:lnSpc>
-                <a:spcPct val="90000"/>
-              </a:lnSpc>
-              <a:spcBef>
-                <a:spcPts val="500"/>
-              </a:spcBef>
-              <a:spcAft>
-                <a:spcPts val="0"/>
-              </a:spcAft>
-              <a:buClr>
-                <a:schemeClr val="dk1"/>
-              </a:buClr>
-              <a:buSzPts val="1400"/>
-              <a:buFont typeface="Arial"/>
-              <a:buNone/>
-              <a:defRPr sz="1400" b="0" i="0" u="none" strike="noStrike" cap="none">
-                <a:solidFill>
-                  <a:schemeClr val="dk1"/>
-                </a:solidFill>
-                <a:latin typeface="Calibri"/>
-                <a:ea typeface="Calibri"/>
-                <a:cs typeface="Calibri"/>
-                <a:sym typeface="Calibri"/>
-              </a:defRPr>
-            </a:lvl2pPr>
-            <a:lvl3pPr marL="1371600" marR="0" lvl="2" indent="-228600" algn="l" rtl="0">
-              <a:lnSpc>
-                <a:spcPct val="90000"/>
-              </a:lnSpc>
-              <a:spcBef>
-                <a:spcPts val="500"/>
-              </a:spcBef>
-              <a:spcAft>
-                <a:spcPts val="0"/>
-              </a:spcAft>
-              <a:buClr>
-                <a:schemeClr val="dk1"/>
-              </a:buClr>
-              <a:buSzPts val="1200"/>
-              <a:buFont typeface="Arial"/>
-              <a:buNone/>
-              <a:defRPr sz="1200" b="0" i="0" u="none" strike="noStrike" cap="none">
-                <a:solidFill>
-                  <a:schemeClr val="dk1"/>
-                </a:solidFill>
-                <a:latin typeface="Calibri"/>
-                <a:ea typeface="Calibri"/>
-                <a:cs typeface="Calibri"/>
-                <a:sym typeface="Calibri"/>
-              </a:defRPr>
-            </a:lvl3pPr>
-            <a:lvl4pPr marL="1828800" marR="0" lvl="3" indent="-228600" algn="l" rtl="0">
-              <a:lnSpc>
-                <a:spcPct val="90000"/>
-              </a:lnSpc>
-              <a:spcBef>
-                <a:spcPts val="500"/>
-              </a:spcBef>
-              <a:spcAft>
-                <a:spcPts val="0"/>
-              </a:spcAft>
-              <a:buClr>
-                <a:schemeClr val="dk1"/>
-              </a:buClr>
-              <a:buSzPts val="1000"/>
-              <a:buFont typeface="Arial"/>
-              <a:buNone/>
-              <a:defRPr sz="1000" b="0" i="0" u="none" strike="noStrike" cap="none">
-                <a:solidFill>
-                  <a:schemeClr val="dk1"/>
-                </a:solidFill>
-                <a:latin typeface="Calibri"/>
-                <a:ea typeface="Calibri"/>
-                <a:cs typeface="Calibri"/>
-                <a:sym typeface="Calibri"/>
-              </a:defRPr>
-            </a:lvl4pPr>
-            <a:lvl5pPr marL="2286000" marR="0" lvl="4" indent="-228600" algn="l" rtl="0">
-              <a:lnSpc>
-                <a:spcPct val="90000"/>
-              </a:lnSpc>
-              <a:spcBef>
-                <a:spcPts val="500"/>
-              </a:spcBef>
-              <a:spcAft>
-                <a:spcPts val="0"/>
-              </a:spcAft>
-              <a:buClr>
-                <a:schemeClr val="dk1"/>
-              </a:buClr>
-              <a:buSzPts val="1000"/>
-              <a:buFont typeface="Arial"/>
-              <a:buNone/>
-              <a:defRPr sz="1000" b="0" i="0" u="none" strike="noStrike" cap="none">
-                <a:solidFill>
-                  <a:schemeClr val="dk1"/>
-                </a:solidFill>
-                <a:latin typeface="Calibri"/>
-                <a:ea typeface="Calibri"/>
-                <a:cs typeface="Calibri"/>
-                <a:sym typeface="Calibri"/>
-              </a:defRPr>
-            </a:lvl5pPr>
-            <a:lvl6pPr marL="2743200" marR="0" lvl="5" indent="-228600" algn="l" rtl="0">
-              <a:lnSpc>
-                <a:spcPct val="90000"/>
-              </a:lnSpc>
-              <a:spcBef>
-                <a:spcPts val="500"/>
-              </a:spcBef>
-              <a:spcAft>
-                <a:spcPts val="0"/>
-              </a:spcAft>
-              <a:buClr>
-                <a:schemeClr val="dk1"/>
-              </a:buClr>
-              <a:buSzPts val="1000"/>
-              <a:buFont typeface="Arial"/>
-              <a:buNone/>
-              <a:defRPr sz="1000" b="0" i="0" u="none" strike="noStrike" cap="none">
-                <a:solidFill>
-                  <a:schemeClr val="dk1"/>
-                </a:solidFill>
-                <a:latin typeface="Calibri"/>
-                <a:ea typeface="Calibri"/>
-                <a:cs typeface="Calibri"/>
-                <a:sym typeface="Calibri"/>
-              </a:defRPr>
-            </a:lvl6pPr>
-            <a:lvl7pPr marL="3200400" marR="0" lvl="6" indent="-228600" algn="l" rtl="0">
-              <a:lnSpc>
-                <a:spcPct val="90000"/>
-              </a:lnSpc>
-              <a:spcBef>
-                <a:spcPts val="500"/>
-              </a:spcBef>
-              <a:spcAft>
-                <a:spcPts val="0"/>
-              </a:spcAft>
-              <a:buClr>
-                <a:schemeClr val="dk1"/>
-              </a:buClr>
-              <a:buSzPts val="1000"/>
-              <a:buFont typeface="Arial"/>
-              <a:buNone/>
-              <a:defRPr sz="1000" b="0" i="0" u="none" strike="noStrike" cap="none">
-                <a:solidFill>
-                  <a:schemeClr val="dk1"/>
-                </a:solidFill>
-                <a:latin typeface="Calibri"/>
-                <a:ea typeface="Calibri"/>
-                <a:cs typeface="Calibri"/>
-                <a:sym typeface="Calibri"/>
-              </a:defRPr>
-            </a:lvl7pPr>
-            <a:lvl8pPr marL="3657600" marR="0" lvl="7" indent="-228600" algn="l" rtl="0">
-              <a:lnSpc>
-                <a:spcPct val="90000"/>
-              </a:lnSpc>
-              <a:spcBef>
-                <a:spcPts val="500"/>
-              </a:spcBef>
-              <a:spcAft>
-                <a:spcPts val="0"/>
-              </a:spcAft>
-              <a:buClr>
-                <a:schemeClr val="dk1"/>
-              </a:buClr>
-              <a:buSzPts val="1000"/>
-              <a:buFont typeface="Arial"/>
-              <a:buNone/>
-              <a:defRPr sz="1000" b="0" i="0" u="none" strike="noStrike" cap="none">
-                <a:solidFill>
-                  <a:schemeClr val="dk1"/>
-                </a:solidFill>
-                <a:latin typeface="Calibri"/>
-                <a:ea typeface="Calibri"/>
-                <a:cs typeface="Calibri"/>
-                <a:sym typeface="Calibri"/>
-              </a:defRPr>
-            </a:lvl8pPr>
-            <a:lvl9pPr marL="4114800" marR="0" lvl="8" indent="-228600" algn="l" rtl="0">
-              <a:lnSpc>
-                <a:spcPct val="90000"/>
-              </a:lnSpc>
-              <a:spcBef>
-                <a:spcPts val="500"/>
-              </a:spcBef>
-              <a:spcAft>
-                <a:spcPts val="0"/>
-              </a:spcAft>
-              <a:buClr>
-                <a:schemeClr val="dk1"/>
-              </a:buClr>
-              <a:buSzPts val="1000"/>
-              <a:buFont typeface="Arial"/>
-              <a:buNone/>
-              <a:defRPr sz="1000" b="0" i="0" u="none" strike="noStrike" cap="none">
-                <a:solidFill>
-                  <a:schemeClr val="dk1"/>
-                </a:solidFill>
-                <a:latin typeface="Calibri"/>
-                <a:ea typeface="Calibri"/>
-                <a:cs typeface="Calibri"/>
-                <a:sym typeface="Calibri"/>
-              </a:defRPr>
-            </a:lvl9pPr>
-          </a:lstStyle>
-          <a:p>
-            <a:r>
-              <a:rPr lang="en-GB" sz="2000" b="1" dirty="0">
-                <a:latin typeface="Times New Roman" panose="02020603050405020304" pitchFamily="18" charset="0"/>
-                <a:cs typeface="Times New Roman" panose="02020603050405020304" pitchFamily="18" charset="0"/>
-              </a:rPr>
-              <a:t>Key Insights:</a:t>
-            </a:r>
-          </a:p>
-          <a:p>
-            <a:pPr marL="514350" indent="-285750" algn="just">
-              <a:buFont typeface="Arial" panose="020B0604020202020204" pitchFamily="34" charset="0"/>
-              <a:buChar char="•"/>
-            </a:pPr>
-            <a:r>
-              <a:rPr lang="en-US" sz="1800" dirty="0">
-                <a:latin typeface="Times New Roman" panose="02020603050405020304" pitchFamily="18" charset="0"/>
-                <a:cs typeface="Times New Roman" panose="02020603050405020304" pitchFamily="18" charset="0"/>
-              </a:rPr>
-              <a:t>Most TVs have a sound output around 20W, making it the most common level.</a:t>
-            </a:r>
-          </a:p>
-          <a:p>
-            <a:pPr marL="514350" indent="-285750" algn="just">
-              <a:buFont typeface="Arial" panose="020B0604020202020204" pitchFamily="34" charset="0"/>
-              <a:buChar char="•"/>
-            </a:pPr>
-            <a:r>
-              <a:rPr lang="en-US" sz="1800" dirty="0">
-                <a:latin typeface="Times New Roman" panose="02020603050405020304" pitchFamily="18" charset="0"/>
-                <a:cs typeface="Times New Roman" panose="02020603050405020304" pitchFamily="18" charset="0"/>
-              </a:rPr>
-              <a:t> Only a few models go higher, so the majority are designed with standard 20W speakers.</a:t>
-            </a:r>
-            <a:endParaRPr lang="en-GB" sz="1800" dirty="0">
-              <a:latin typeface="Times New Roman" panose="02020603050405020304" pitchFamily="18" charset="0"/>
-              <a:cs typeface="Times New Roman" panose="02020603050405020304" pitchFamily="18" charset="0"/>
+              <a:latin typeface="Bahnschrift Light Condensed" panose="020B0502040204020203" pitchFamily="34" charset="0"/>
             </a:endParaRPr>
           </a:p>
         </p:txBody>
       </p:sp>
       <p:pic>
         <p:nvPicPr>
-          <p:cNvPr id="16" name="Picture 15">
+          <p:cNvPr id="7" name="Picture 6">
             <a:extLst>
               <a:ext uri="{FF2B5EF4-FFF2-40B4-BE49-F238E27FC236}">
-                <a16:creationId xmlns:a16="http://schemas.microsoft.com/office/drawing/2014/main" xmlns="" id="{1414E4EA-F651-48D4-7215-D18BDE22E562}"/>
+                <a16:creationId xmlns="" xmlns:a16="http://schemas.microsoft.com/office/drawing/2014/main" id="{DAE0E1D5-739A-4D2B-8783-9CE97AB0BE44}"/>
               </a:ext>
             </a:extLst>
           </p:cNvPr>
@@ -12876,8 +11750,8 @@
         </p:blipFill>
         <p:spPr>
           <a:xfrm>
-            <a:off x="629264" y="937415"/>
-            <a:ext cx="4458783" cy="2022096"/>
+            <a:off x="6814278" y="788602"/>
+            <a:ext cx="5377722" cy="2468564"/>
           </a:xfrm>
           <a:prstGeom prst="rect">
             <a:avLst/>
@@ -12886,337 +11760,10 @@
       </p:pic>
       <p:sp>
         <p:nvSpPr>
-          <p:cNvPr id="18" name="TextBox 17">
+          <p:cNvPr id="8" name="Rectangle 1">
             <a:extLst>
               <a:ext uri="{FF2B5EF4-FFF2-40B4-BE49-F238E27FC236}">
-                <a16:creationId xmlns:a16="http://schemas.microsoft.com/office/drawing/2014/main" xmlns="" id="{1F2F240A-83D3-882E-E8A7-7EFE5F4E50C3}"/>
-              </a:ext>
-            </a:extLst>
-          </p:cNvPr>
-          <p:cNvSpPr txBox="1"/>
-          <p:nvPr/>
-        </p:nvSpPr>
-        <p:spPr>
-          <a:xfrm>
-            <a:off x="5366842" y="1075463"/>
-            <a:ext cx="6076335" cy="1754326"/>
-          </a:xfrm>
-          <a:prstGeom prst="rect">
-            <a:avLst/>
-          </a:prstGeom>
-          <a:noFill/>
-        </p:spPr>
-        <p:txBody>
-          <a:bodyPr wrap="square">
-            <a:spAutoFit/>
-          </a:bodyPr>
-          <a:lstStyle/>
-          <a:p>
-            <a:pPr marL="285750" lvl="1" indent="-285750" algn="just">
-              <a:buFont typeface="Arial" panose="020B0604020202020204" pitchFamily="34" charset="0"/>
-              <a:buChar char="•"/>
-            </a:pPr>
-            <a:r>
-              <a:rPr lang="en-US" sz="1800" dirty="0">
-                <a:latin typeface="Times New Roman" panose="02020603050405020304" pitchFamily="18" charset="0"/>
-                <a:cs typeface="Times New Roman" panose="02020603050405020304" pitchFamily="18" charset="0"/>
-              </a:rPr>
-              <a:t>Manufacturers are increasingly releasing new smart TV models each year 2023 -2025</a:t>
-            </a:r>
-          </a:p>
-          <a:p>
-            <a:pPr marL="285750" lvl="1" indent="-285750" algn="just">
-              <a:buFont typeface="Arial" panose="020B0604020202020204" pitchFamily="34" charset="0"/>
-              <a:buChar char="•"/>
-            </a:pPr>
-            <a:r>
-              <a:rPr lang="en-US" sz="1800" dirty="0">
-                <a:latin typeface="Times New Roman" panose="02020603050405020304" pitchFamily="18" charset="0"/>
-                <a:cs typeface="Times New Roman" panose="02020603050405020304" pitchFamily="18" charset="0"/>
-              </a:rPr>
-              <a:t>The current latest technologies and models launched in the most recent years.2025</a:t>
-            </a:r>
-          </a:p>
-          <a:p>
-            <a:pPr marL="285750" lvl="1" indent="-285750" algn="just">
-              <a:buFont typeface="Arial" panose="020B0604020202020204" pitchFamily="34" charset="0"/>
-              <a:buChar char="•"/>
-            </a:pPr>
-            <a:r>
-              <a:rPr lang="en-US" sz="1800" dirty="0">
-                <a:latin typeface="Times New Roman" panose="02020603050405020304" pitchFamily="18" charset="0"/>
-                <a:cs typeface="Times New Roman" panose="02020603050405020304" pitchFamily="18" charset="0"/>
-              </a:rPr>
-              <a:t>The showing that the market is actively refreshed and focused on modern offerings.</a:t>
-            </a:r>
-            <a:endParaRPr lang="en-GB" sz="1800" dirty="0">
-              <a:latin typeface="Times New Roman" panose="02020603050405020304" pitchFamily="18" charset="0"/>
-              <a:cs typeface="Times New Roman" panose="02020603050405020304" pitchFamily="18" charset="0"/>
-            </a:endParaRPr>
-          </a:p>
-        </p:txBody>
-      </p:sp>
-      <p:pic>
-        <p:nvPicPr>
-          <p:cNvPr id="23" name="Picture 22">
-            <a:extLst>
-              <a:ext uri="{FF2B5EF4-FFF2-40B4-BE49-F238E27FC236}">
-                <a16:creationId xmlns:a16="http://schemas.microsoft.com/office/drawing/2014/main" xmlns="" id="{204A7666-41FF-F916-BEE0-2BDE5AAA2EAF}"/>
-              </a:ext>
-            </a:extLst>
-          </p:cNvPr>
-          <p:cNvPicPr>
-            <a:picLocks noChangeAspect="1"/>
-          </p:cNvPicPr>
-          <p:nvPr/>
-        </p:nvPicPr>
-        <p:blipFill>
-          <a:blip r:embed="rId3"/>
-          <a:stretch>
-            <a:fillRect/>
-          </a:stretch>
-        </p:blipFill>
-        <p:spPr>
-          <a:xfrm>
-            <a:off x="629264" y="3713334"/>
-            <a:ext cx="4458783" cy="2898859"/>
-          </a:xfrm>
-          <a:prstGeom prst="rect">
-            <a:avLst/>
-          </a:prstGeom>
-        </p:spPr>
-      </p:pic>
-    </p:spTree>
-    <p:extLst>
-      <p:ext uri="{BB962C8B-B14F-4D97-AF65-F5344CB8AC3E}">
-        <p14:creationId xmlns:p14="http://schemas.microsoft.com/office/powerpoint/2010/main" val="4206297906"/>
-      </p:ext>
-    </p:extLst>
-  </p:cSld>
-  <p:clrMapOvr>
-    <a:masterClrMapping/>
-  </p:clrMapOvr>
-</p:sld>
-</file>
-
-<file path=ppt/slides/slide14.xml><?xml version="1.0" encoding="utf-8"?>
-<p:sld xmlns:a="http://schemas.openxmlformats.org/drawingml/2006/main" xmlns:r="http://schemas.openxmlformats.org/officeDocument/2006/relationships" xmlns:p="http://schemas.openxmlformats.org/presentationml/2006/main">
-  <p:cSld>
-    <p:spTree>
-      <p:nvGrpSpPr>
-        <p:cNvPr id="1" name=""/>
-        <p:cNvGrpSpPr/>
-        <p:nvPr/>
-      </p:nvGrpSpPr>
-      <p:grpSpPr>
-        <a:xfrm>
-          <a:off x="0" y="0"/>
-          <a:ext cx="0" cy="0"/>
-          <a:chOff x="0" y="0"/>
-          <a:chExt cx="0" cy="0"/>
-        </a:xfrm>
-      </p:grpSpPr>
-      <p:pic>
-        <p:nvPicPr>
-          <p:cNvPr id="17" name="Picture 16">
-            <a:extLst>
-              <a:ext uri="{FF2B5EF4-FFF2-40B4-BE49-F238E27FC236}">
-                <a16:creationId xmlns:a16="http://schemas.microsoft.com/office/drawing/2014/main" xmlns="" id="{DAE0E1D5-739A-4D2B-8783-9CE97AB0BE44}"/>
-              </a:ext>
-            </a:extLst>
-          </p:cNvPr>
-          <p:cNvPicPr>
-            <a:picLocks noChangeAspect="1"/>
-          </p:cNvPicPr>
-          <p:nvPr/>
-        </p:nvPicPr>
-        <p:blipFill>
-          <a:blip r:embed="rId2"/>
-          <a:stretch>
-            <a:fillRect/>
-          </a:stretch>
-        </p:blipFill>
-        <p:spPr>
-          <a:xfrm>
-            <a:off x="389335" y="833869"/>
-            <a:ext cx="6172200" cy="2468564"/>
-          </a:xfrm>
-          <a:prstGeom prst="rect">
-            <a:avLst/>
-          </a:prstGeom>
-        </p:spPr>
-      </p:pic>
-      <p:pic>
-        <p:nvPicPr>
-          <p:cNvPr id="20" name="Picture 19">
-            <a:extLst>
-              <a:ext uri="{FF2B5EF4-FFF2-40B4-BE49-F238E27FC236}">
-                <a16:creationId xmlns:a16="http://schemas.microsoft.com/office/drawing/2014/main" xmlns="" id="{9CA783EF-DC65-4D09-B85A-82676C66BA7E}"/>
-              </a:ext>
-            </a:extLst>
-          </p:cNvPr>
-          <p:cNvPicPr>
-            <a:picLocks noChangeAspect="1"/>
-          </p:cNvPicPr>
-          <p:nvPr/>
-        </p:nvPicPr>
-        <p:blipFill>
-          <a:blip r:embed="rId3"/>
-          <a:stretch>
-            <a:fillRect/>
-          </a:stretch>
-        </p:blipFill>
-        <p:spPr>
-          <a:xfrm>
-            <a:off x="389335" y="3933155"/>
-            <a:ext cx="5688013" cy="2386013"/>
-          </a:xfrm>
-          <a:prstGeom prst="rect">
-            <a:avLst/>
-          </a:prstGeom>
-        </p:spPr>
-      </p:pic>
-      <p:sp>
-        <p:nvSpPr>
-          <p:cNvPr id="22" name="TextBox 21">
-            <a:extLst>
-              <a:ext uri="{FF2B5EF4-FFF2-40B4-BE49-F238E27FC236}">
-                <a16:creationId xmlns:a16="http://schemas.microsoft.com/office/drawing/2014/main" xmlns="" id="{3E6C24B9-DC0E-4AA7-9552-B8BB7123D521}"/>
-              </a:ext>
-            </a:extLst>
-          </p:cNvPr>
-          <p:cNvSpPr txBox="1"/>
-          <p:nvPr/>
-        </p:nvSpPr>
-        <p:spPr>
-          <a:xfrm>
-            <a:off x="389334" y="3059668"/>
-            <a:ext cx="11534179" cy="892552"/>
-          </a:xfrm>
-          <a:prstGeom prst="rect">
-            <a:avLst/>
-          </a:prstGeom>
-          <a:noFill/>
-        </p:spPr>
-        <p:txBody>
-          <a:bodyPr wrap="square">
-            <a:spAutoFit/>
-          </a:bodyPr>
-          <a:lstStyle/>
-          <a:p>
-            <a:pPr algn="l"/>
-            <a:r>
-              <a:rPr lang="en-US" b="0" i="0" dirty="0">
-                <a:solidFill>
-                  <a:srgbClr val="0C0C0C"/>
-                </a:solidFill>
-                <a:effectLst/>
-                <a:latin typeface="Inter" panose="020B0604020202020204" charset="0"/>
-              </a:rPr>
-              <a:t/>
-            </a:r>
-            <a:br>
-              <a:rPr lang="en-US" b="0" i="0" dirty="0">
-                <a:solidFill>
-                  <a:srgbClr val="0C0C0C"/>
-                </a:solidFill>
-                <a:effectLst/>
-                <a:latin typeface="Inter" panose="020B0604020202020204" charset="0"/>
-              </a:rPr>
-            </a:br>
-            <a:endParaRPr lang="en-US" b="0" i="0" dirty="0">
-              <a:solidFill>
-                <a:srgbClr val="0C0C0C"/>
-              </a:solidFill>
-              <a:effectLst/>
-              <a:latin typeface="Inter" panose="020B0604020202020204" charset="0"/>
-            </a:endParaRPr>
-          </a:p>
-          <a:p>
-            <a:pPr algn="l"/>
-            <a:r>
-              <a:rPr lang="en-US" sz="2400" b="0" i="0" dirty="0">
-                <a:solidFill>
-                  <a:srgbClr val="C00000"/>
-                </a:solidFill>
-                <a:effectLst/>
-                <a:latin typeface="Algerian" panose="04020705040A02060702" pitchFamily="82" charset="0"/>
-              </a:rPr>
-              <a:t>What is the overall customer satisfaction level based on ratings?</a:t>
-            </a:r>
-          </a:p>
-        </p:txBody>
-      </p:sp>
-      <p:sp>
-        <p:nvSpPr>
-          <p:cNvPr id="26" name="TextBox 25">
-            <a:extLst>
-              <a:ext uri="{FF2B5EF4-FFF2-40B4-BE49-F238E27FC236}">
-                <a16:creationId xmlns:a16="http://schemas.microsoft.com/office/drawing/2014/main" xmlns="" id="{7200BF7E-E49B-4C92-A3B7-7345D9279B67}"/>
-              </a:ext>
-            </a:extLst>
-          </p:cNvPr>
-          <p:cNvSpPr txBox="1"/>
-          <p:nvPr/>
-        </p:nvSpPr>
-        <p:spPr>
-          <a:xfrm>
-            <a:off x="268486" y="-262195"/>
-            <a:ext cx="11655028" cy="1200329"/>
-          </a:xfrm>
-          <a:prstGeom prst="rect">
-            <a:avLst/>
-          </a:prstGeom>
-          <a:noFill/>
-        </p:spPr>
-        <p:txBody>
-          <a:bodyPr wrap="square">
-            <a:spAutoFit/>
-          </a:bodyPr>
-          <a:lstStyle/>
-          <a:p>
-            <a:r>
-              <a:rPr lang="en-US" sz="2400" dirty="0">
-                <a:solidFill>
-                  <a:srgbClr val="FF0000"/>
-                </a:solidFill>
-                <a:latin typeface="Algerian" panose="04020705040A02060702" pitchFamily="82" charset="0"/>
-              </a:rPr>
-              <a:t/>
-            </a:r>
-            <a:br>
-              <a:rPr lang="en-US" sz="2400" dirty="0">
-                <a:solidFill>
-                  <a:srgbClr val="FF0000"/>
-                </a:solidFill>
-                <a:latin typeface="Algerian" panose="04020705040A02060702" pitchFamily="82" charset="0"/>
-              </a:rPr>
-            </a:br>
-            <a:r>
-              <a:rPr lang="en-US" sz="2400" b="0" i="0" dirty="0">
-                <a:solidFill>
-                  <a:srgbClr val="C00000"/>
-                </a:solidFill>
-                <a:effectLst/>
-                <a:latin typeface="Algerian" panose="04020705040A02060702" pitchFamily="82" charset="0"/>
-              </a:rPr>
-              <a:t>What is the distribution of Ratings across all smart TVs — and how many TVs are rated above 4.5?</a:t>
-            </a:r>
-            <a:endParaRPr lang="en-US" sz="2400" dirty="0">
-              <a:solidFill>
-                <a:srgbClr val="C00000"/>
-              </a:solidFill>
-              <a:latin typeface="Algerian" panose="04020705040A02060702" pitchFamily="82" charset="0"/>
-            </a:endParaRPr>
-          </a:p>
-        </p:txBody>
-      </p:sp>
-      <p:sp>
-        <p:nvSpPr>
-          <p:cNvPr id="27" name="Rectangle 1">
-            <a:extLst>
-              <a:ext uri="{FF2B5EF4-FFF2-40B4-BE49-F238E27FC236}">
-                <a16:creationId xmlns:a16="http://schemas.microsoft.com/office/drawing/2014/main" xmlns="" id="{6657CA95-6A88-4859-A249-821020D9C723}"/>
+                <a16:creationId xmlns="" xmlns:a16="http://schemas.microsoft.com/office/drawing/2014/main" id="{6657CA95-6A88-4859-A249-821020D9C723}"/>
               </a:ext>
             </a:extLst>
           </p:cNvPr>
@@ -13229,7 +11776,7 @@
         </p:nvSpPr>
         <p:spPr bwMode="auto">
           <a:xfrm>
-            <a:off x="6244538" y="948351"/>
+            <a:off x="476716" y="788602"/>
             <a:ext cx="5947462" cy="2554545"/>
           </a:xfrm>
           <a:prstGeom prst="rect">
@@ -13296,8 +11843,19 @@
                 <a:latin typeface="Times New Roman" panose="02020603050405020304" pitchFamily="18" charset="0"/>
                 <a:cs typeface="Times New Roman" panose="02020603050405020304" pitchFamily="18" charset="0"/>
               </a:rPr>
-              <a:t>Key Insights:</a:t>
-            </a:r>
+              <a:t>Key Insights</a:t>
+            </a:r>
+            <a:r>
+              <a:rPr lang="en-GB" sz="2000" b="1" dirty="0" smtClean="0">
+                <a:latin typeface="Times New Roman" panose="02020603050405020304" pitchFamily="18" charset="0"/>
+                <a:cs typeface="Times New Roman" panose="02020603050405020304" pitchFamily="18" charset="0"/>
+              </a:rPr>
+              <a:t>:</a:t>
+            </a:r>
+            <a:endParaRPr lang="en-GB" sz="2000" b="1" dirty="0">
+              <a:latin typeface="Times New Roman" panose="02020603050405020304" pitchFamily="18" charset="0"/>
+              <a:cs typeface="Times New Roman" panose="02020603050405020304" pitchFamily="18" charset="0"/>
+            </a:endParaRPr>
           </a:p>
           <a:p>
             <a:pPr marL="0" marR="0" lvl="0" indent="0" algn="just" defTabSz="914400" rtl="0" eaLnBrk="0" fontAlgn="base" latinLnBrk="0" hangingPunct="0">
@@ -13627,10 +12185,10 @@
       </p:sp>
       <p:sp>
         <p:nvSpPr>
-          <p:cNvPr id="29" name="TextBox 28">
+          <p:cNvPr id="9" name="TextBox 8">
             <a:extLst>
               <a:ext uri="{FF2B5EF4-FFF2-40B4-BE49-F238E27FC236}">
-                <a16:creationId xmlns:a16="http://schemas.microsoft.com/office/drawing/2014/main" xmlns="" id="{350CDDE2-382A-4A33-B4D6-124A9AA30972}"/>
+                <a16:creationId xmlns="" xmlns:a16="http://schemas.microsoft.com/office/drawing/2014/main" id="{3E6C24B9-DC0E-4AA7-9552-B8BB7123D521}"/>
               </a:ext>
             </a:extLst>
           </p:cNvPr>
@@ -13639,8 +12197,8 @@
         </p:nvSpPr>
         <p:spPr>
           <a:xfrm>
-            <a:off x="5958590" y="4131943"/>
-            <a:ext cx="6100996" cy="2554545"/>
+            <a:off x="325960" y="3515820"/>
+            <a:ext cx="11534179" cy="461665"/>
           </a:xfrm>
           <a:prstGeom prst="rect">
             <a:avLst/>
@@ -13653,13 +12211,106 @@
           </a:bodyPr>
           <a:lstStyle/>
           <a:p>
+            <a:pPr algn="l"/>
+            <a:r>
+              <a:rPr lang="en-US" sz="2400" b="1" i="0" dirty="0" smtClean="0">
+                <a:solidFill>
+                  <a:srgbClr val="C00000"/>
+                </a:solidFill>
+                <a:effectLst/>
+                <a:latin typeface="Bahnschrift Light Condensed" panose="020B0502040204020203" pitchFamily="34" charset="0"/>
+              </a:rPr>
+              <a:t>What </a:t>
+            </a:r>
+            <a:r>
+              <a:rPr lang="en-US" sz="2400" b="1" i="0" dirty="0">
+                <a:solidFill>
+                  <a:srgbClr val="C00000"/>
+                </a:solidFill>
+                <a:effectLst/>
+                <a:latin typeface="Bahnschrift Light Condensed" panose="020B0502040204020203" pitchFamily="34" charset="0"/>
+              </a:rPr>
+              <a:t>is the overall customer satisfaction level based on ratings?</a:t>
+            </a:r>
+          </a:p>
+        </p:txBody>
+      </p:sp>
+      <p:pic>
+        <p:nvPicPr>
+          <p:cNvPr id="10" name="Picture 9">
+            <a:extLst>
+              <a:ext uri="{FF2B5EF4-FFF2-40B4-BE49-F238E27FC236}">
+                <a16:creationId xmlns="" xmlns:a16="http://schemas.microsoft.com/office/drawing/2014/main" id="{9CA783EF-DC65-4D09-B85A-82676C66BA7E}"/>
+              </a:ext>
+            </a:extLst>
+          </p:cNvPr>
+          <p:cNvPicPr>
+            <a:picLocks noChangeAspect="1"/>
+          </p:cNvPicPr>
+          <p:nvPr/>
+        </p:nvPicPr>
+        <p:blipFill>
+          <a:blip r:embed="rId3"/>
+          <a:stretch>
+            <a:fillRect/>
+          </a:stretch>
+        </p:blipFill>
+        <p:spPr>
+          <a:xfrm>
+            <a:off x="7395009" y="3771044"/>
+            <a:ext cx="4796991" cy="2386013"/>
+          </a:xfrm>
+          <a:prstGeom prst="rect">
+            <a:avLst/>
+          </a:prstGeom>
+        </p:spPr>
+      </p:pic>
+      <p:sp>
+        <p:nvSpPr>
+          <p:cNvPr id="11" name="TextBox 10">
+            <a:extLst>
+              <a:ext uri="{FF2B5EF4-FFF2-40B4-BE49-F238E27FC236}">
+                <a16:creationId xmlns="" xmlns:a16="http://schemas.microsoft.com/office/drawing/2014/main" id="{350CDDE2-382A-4A33-B4D6-124A9AA30972}"/>
+              </a:ext>
+            </a:extLst>
+          </p:cNvPr>
+          <p:cNvSpPr txBox="1"/>
+          <p:nvPr/>
+        </p:nvSpPr>
+        <p:spPr>
+          <a:xfrm>
+            <a:off x="476716" y="4236139"/>
+            <a:ext cx="6100996" cy="1938992"/>
+          </a:xfrm>
+          <a:prstGeom prst="rect">
+            <a:avLst/>
+          </a:prstGeom>
+          <a:noFill/>
+        </p:spPr>
+        <p:txBody>
+          <a:bodyPr wrap="square">
+            <a:spAutoFit/>
+          </a:bodyPr>
+          <a:lstStyle/>
+          <a:p>
             <a:r>
               <a:rPr lang="en-GB" sz="2000" b="1" dirty="0">
                 <a:latin typeface="Times New Roman" panose="02020603050405020304" pitchFamily="18" charset="0"/>
                 <a:cs typeface="Times New Roman" panose="02020603050405020304" pitchFamily="18" charset="0"/>
               </a:rPr>
-              <a:t>Key Insights:</a:t>
-            </a:r>
+              <a:t>Key Insights</a:t>
+            </a:r>
+            <a:r>
+              <a:rPr lang="en-GB" sz="2000" b="1" dirty="0" smtClean="0">
+                <a:latin typeface="Times New Roman" panose="02020603050405020304" pitchFamily="18" charset="0"/>
+                <a:cs typeface="Times New Roman" panose="02020603050405020304" pitchFamily="18" charset="0"/>
+              </a:rPr>
+              <a:t>:</a:t>
+            </a:r>
+            <a:endParaRPr lang="en-GB" sz="2000" b="1" dirty="0">
+              <a:latin typeface="Times New Roman" panose="02020603050405020304" pitchFamily="18" charset="0"/>
+              <a:cs typeface="Times New Roman" panose="02020603050405020304" pitchFamily="18" charset="0"/>
+            </a:endParaRPr>
           </a:p>
           <a:p>
             <a:pPr marL="457200" indent="-457200">
@@ -13712,24 +12363,15 @@
                 <a:latin typeface="Times New Roman" panose="02020603050405020304" pitchFamily="18" charset="0"/>
                 <a:cs typeface="Times New Roman" panose="02020603050405020304" pitchFamily="18" charset="0"/>
               </a:rPr>
-              <a:t> in the dataset fall into the top-performing category with a rating above 4.5.</a:t>
-            </a:r>
-          </a:p>
-          <a:p>
-            <a:pPr marL="457200" indent="-457200">
-              <a:buFont typeface="+mj-lt"/>
-              <a:buAutoNum type="arabicPeriod"/>
-            </a:pPr>
-            <a:endParaRPr lang="en-GB" sz="2000" b="1" dirty="0">
-              <a:latin typeface="Times New Roman" panose="02020603050405020304" pitchFamily="18" charset="0"/>
-              <a:cs typeface="Times New Roman" panose="02020603050405020304" pitchFamily="18" charset="0"/>
-            </a:endParaRPr>
-          </a:p>
-          <a:p>
-            <a:pPr marL="457200" indent="-457200">
-              <a:buFont typeface="+mj-lt"/>
-              <a:buAutoNum type="arabicPeriod"/>
-            </a:pPr>
+              <a:t> in the dataset fall into the top-performing category with a rating above 4.5</a:t>
+            </a:r>
+            <a:r>
+              <a:rPr lang="en-US" sz="2000" dirty="0" smtClean="0">
+                <a:latin typeface="Times New Roman" panose="02020603050405020304" pitchFamily="18" charset="0"/>
+                <a:cs typeface="Times New Roman" panose="02020603050405020304" pitchFamily="18" charset="0"/>
+              </a:rPr>
+              <a:t>.</a:t>
+            </a:r>
             <a:endParaRPr lang="en-GB" sz="2000" b="1" dirty="0">
               <a:latin typeface="Times New Roman" panose="02020603050405020304" pitchFamily="18" charset="0"/>
               <a:cs typeface="Times New Roman" panose="02020603050405020304" pitchFamily="18" charset="0"/>
@@ -13740,17 +12382,24 @@
     </p:spTree>
     <p:extLst>
       <p:ext uri="{BB962C8B-B14F-4D97-AF65-F5344CB8AC3E}">
-        <p14:creationId xmlns:p14="http://schemas.microsoft.com/office/powerpoint/2010/main" val="2085088170"/>
+        <p14:creationId xmlns:p14="http://schemas.microsoft.com/office/powerpoint/2010/main" val="739038562"/>
       </p:ext>
     </p:extLst>
   </p:cSld>
   <p:clrMapOvr>
     <a:masterClrMapping/>
   </p:clrMapOvr>
+  <p:timing>
+    <p:tnLst>
+      <p:par>
+        <p:cTn id="1" dur="indefinite" restart="never" nodeType="tmRoot"/>
+      </p:par>
+    </p:tnLst>
+  </p:timing>
 </p:sld>
 </file>
 
-<file path=ppt/slides/slide15.xml><?xml version="1.0" encoding="utf-8"?>
+<file path=ppt/slides/slide14.xml><?xml version="1.0" encoding="utf-8"?>
 <p:sld xmlns:a="http://schemas.openxmlformats.org/drawingml/2006/main" xmlns:r="http://schemas.openxmlformats.org/officeDocument/2006/relationships" xmlns:p="http://schemas.openxmlformats.org/presentationml/2006/main">
   <p:cSld>
     <p:spTree>
@@ -13772,7 +12421,7 @@
           <p:cNvPr id="7" name="Title 4">
             <a:extLst>
               <a:ext uri="{FF2B5EF4-FFF2-40B4-BE49-F238E27FC236}">
-                <a16:creationId xmlns:a16="http://schemas.microsoft.com/office/drawing/2014/main" xmlns="" id="{56670AA4-D69D-41DB-B5C8-BD99A21F9F68}"/>
+                <a16:creationId xmlns="" xmlns:a16="http://schemas.microsoft.com/office/drawing/2014/main" id="{56670AA4-D69D-41DB-B5C8-BD99A21F9F68}"/>
               </a:ext>
             </a:extLst>
           </p:cNvPr>
@@ -14046,12 +12695,13 @@
             </a:lvl9pPr>
           </a:lstStyle>
           <a:p>
+            <a:pPr algn="l"/>
             <a:r>
               <a:rPr lang="en-US" sz="5400" dirty="0">
                 <a:solidFill>
                   <a:srgbClr val="C00000"/>
                 </a:solidFill>
-                <a:latin typeface="Algerian" panose="04020705040A02060702" pitchFamily="82" charset="0"/>
+                <a:latin typeface="Castellar" panose="020A0402060406010301" pitchFamily="18" charset="0"/>
               </a:rPr>
               <a:t>BiVARIATE</a:t>
             </a:r>
@@ -14060,7 +12710,7 @@
                 <a:solidFill>
                   <a:srgbClr val="C00000"/>
                 </a:solidFill>
-                <a:latin typeface="Algerian" panose="04020705040A02060702" pitchFamily="82" charset="0"/>
+                <a:latin typeface="Castellar" panose="020A0402060406010301" pitchFamily="18" charset="0"/>
               </a:rPr>
             </a:br>
             <a:r>
@@ -14068,7 +12718,7 @@
                 <a:solidFill>
                   <a:srgbClr val="C00000"/>
                 </a:solidFill>
-                <a:latin typeface="Algerian" panose="04020705040A02060702" pitchFamily="82" charset="0"/>
+                <a:latin typeface="Castellar" panose="020A0402060406010301" pitchFamily="18" charset="0"/>
               </a:rPr>
               <a:t>ANALYSIS</a:t>
             </a:r>
@@ -14174,7 +12824,7 @@
 </p:sld>
 </file>
 
-<file path=ppt/slides/slide16.xml><?xml version="1.0" encoding="utf-8"?>
+<file path=ppt/slides/slide15.xml><?xml version="1.0" encoding="utf-8"?>
 <p:sld xmlns:a="http://schemas.openxmlformats.org/drawingml/2006/main" xmlns:r="http://schemas.openxmlformats.org/officeDocument/2006/relationships" xmlns:p="http://schemas.openxmlformats.org/presentationml/2006/main">
   <p:cSld>
     <p:spTree>
@@ -14203,7 +12853,7 @@
         </p:nvSpPr>
         <p:spPr>
           <a:xfrm>
-            <a:off x="450489" y="1966999"/>
+            <a:off x="450489" y="1586754"/>
             <a:ext cx="4882002" cy="3811588"/>
           </a:xfrm>
         </p:spPr>
@@ -14294,7 +12944,7 @@
         </p:blipFill>
         <p:spPr>
           <a:xfrm>
-            <a:off x="6074876" y="1586754"/>
+            <a:off x="6102037" y="1360417"/>
             <a:ext cx="5341544" cy="3908699"/>
           </a:xfrm>
           <a:prstGeom prst="rect">
@@ -14312,8 +12962,8 @@
         </p:nvSpPr>
         <p:spPr>
           <a:xfrm>
-            <a:off x="153911" y="534154"/>
-            <a:ext cx="5703682" cy="853423"/>
+            <a:off x="153910" y="534154"/>
+            <a:ext cx="6790097" cy="497941"/>
           </a:xfrm>
           <a:prstGeom prst="rect">
             <a:avLst/>
@@ -14575,20 +13225,21 @@
             </a:lvl9pPr>
           </a:lstStyle>
           <a:p>
-            <a:r>
-              <a:rPr lang="en-GB" sz="2400" b="1" dirty="0">
+            <a:pPr algn="l"/>
+            <a:r>
+              <a:rPr lang="en-GB" sz="3200" b="1" dirty="0">
                 <a:solidFill>
                   <a:srgbClr val="C00000"/>
                 </a:solidFill>
-                <a:latin typeface="Algerian" panose="04020705040A02060702" pitchFamily="82" charset="0"/>
+                <a:latin typeface="Bahnschrift Light Condensed" panose="020B0502040204020203" pitchFamily="34" charset="0"/>
               </a:rPr>
               <a:t>Price Trends Across Different Launch Years</a:t>
             </a:r>
-            <a:endParaRPr lang="en-IN" sz="2400" b="1" dirty="0">
+            <a:endParaRPr lang="en-IN" sz="3200" b="1" dirty="0">
               <a:solidFill>
                 <a:srgbClr val="C00000"/>
               </a:solidFill>
-              <a:latin typeface="Algerian" panose="04020705040A02060702" pitchFamily="82" charset="0"/>
+              <a:latin typeface="Bahnschrift Light Condensed" panose="020B0502040204020203" pitchFamily="34" charset="0"/>
               <a:cs typeface="Times New Roman" panose="02020603050405020304" pitchFamily="18" charset="0"/>
             </a:endParaRPr>
           </a:p>
@@ -14604,10 +13255,17 @@
   <p:clrMapOvr>
     <a:masterClrMapping/>
   </p:clrMapOvr>
+  <p:timing>
+    <p:tnLst>
+      <p:par>
+        <p:cTn id="1" dur="indefinite" restart="never" nodeType="tmRoot"/>
+      </p:par>
+    </p:tnLst>
+  </p:timing>
 </p:sld>
 </file>
 
-<file path=ppt/slides/slide17.xml><?xml version="1.0" encoding="utf-8"?>
+<file path=ppt/slides/slide16.xml><?xml version="1.0" encoding="utf-8"?>
 <p:sld xmlns:a="http://schemas.openxmlformats.org/drawingml/2006/main" xmlns:r="http://schemas.openxmlformats.org/officeDocument/2006/relationships" xmlns:p="http://schemas.openxmlformats.org/presentationml/2006/main">
   <p:cSld>
     <p:spTree>
@@ -14634,8 +13292,8 @@
         </p:nvSpPr>
         <p:spPr>
           <a:xfrm>
-            <a:off x="153911" y="534154"/>
-            <a:ext cx="5703682" cy="853423"/>
+            <a:off x="153909" y="534155"/>
+            <a:ext cx="8030423" cy="543208"/>
           </a:xfrm>
           <a:prstGeom prst="rect">
             <a:avLst/>
@@ -14897,20 +13555,30 @@
             </a:lvl9pPr>
           </a:lstStyle>
           <a:p>
-            <a:r>
-              <a:rPr lang="en-GB" sz="2400" b="1" dirty="0">
+            <a:pPr algn="l"/>
+            <a:r>
+              <a:rPr lang="en-GB" sz="3200" b="1" dirty="0">
                 <a:solidFill>
                   <a:srgbClr val="C00000"/>
                 </a:solidFill>
-                <a:latin typeface="Algerian" panose="04020705040A02060702" pitchFamily="82" charset="0"/>
-              </a:rPr>
-              <a:t>Evolution of Display Quality in Smart TVs Over the Years</a:t>
-            </a:r>
-            <a:endParaRPr lang="en-IN" sz="2400" b="1" dirty="0">
+                <a:latin typeface="Bahnschrift Light Condensed" panose="020B0502040204020203" pitchFamily="34" charset="0"/>
+              </a:rPr>
+              <a:t>Evolution of Display Quality in Smart TVs Over </a:t>
+            </a:r>
+            <a:r>
+              <a:rPr lang="en-GB" sz="3200" b="1" dirty="0" smtClean="0">
+                <a:solidFill>
+                  <a:srgbClr val="C00000"/>
+                </a:solidFill>
+                <a:latin typeface="Bahnschrift Light Condensed" panose="020B0502040204020203" pitchFamily="34" charset="0"/>
+              </a:rPr>
+              <a:t>the Years</a:t>
+            </a:r>
+            <a:endParaRPr lang="en-IN" sz="3200" b="1" dirty="0">
               <a:solidFill>
                 <a:srgbClr val="C00000"/>
               </a:solidFill>
-              <a:latin typeface="Algerian" panose="04020705040A02060702" pitchFamily="82" charset="0"/>
+              <a:latin typeface="Bahnschrift Light Condensed" panose="020B0502040204020203" pitchFamily="34" charset="0"/>
               <a:cs typeface="Times New Roman" panose="02020603050405020304" pitchFamily="18" charset="0"/>
             </a:endParaRPr>
           </a:p>
@@ -14926,7 +13594,7 @@
         </p:nvSpPr>
         <p:spPr>
           <a:xfrm>
-            <a:off x="450488" y="1966999"/>
+            <a:off x="289711" y="1505374"/>
             <a:ext cx="5407105" cy="2514466"/>
           </a:xfrm>
           <a:prstGeom prst="rect">
@@ -15268,7 +13936,7 @@
         </p:blipFill>
         <p:spPr>
           <a:xfrm>
-            <a:off x="6341152" y="1487267"/>
+            <a:off x="6341152" y="1668336"/>
             <a:ext cx="4652904" cy="3999133"/>
           </a:xfrm>
           <a:prstGeom prst="rect">
@@ -15286,10 +13954,17 @@
   <p:clrMapOvr>
     <a:masterClrMapping/>
   </p:clrMapOvr>
+  <p:timing>
+    <p:tnLst>
+      <p:par>
+        <p:cTn id="1" dur="indefinite" restart="never" nodeType="tmRoot"/>
+      </p:par>
+    </p:tnLst>
+  </p:timing>
 </p:sld>
 </file>
 
-<file path=ppt/slides/slide18.xml><?xml version="1.0" encoding="utf-8"?>
+<file path=ppt/slides/slide17.xml><?xml version="1.0" encoding="utf-8"?>
 <p:sld xmlns:a="http://schemas.openxmlformats.org/drawingml/2006/main" xmlns:r="http://schemas.openxmlformats.org/officeDocument/2006/relationships" xmlns:p="http://schemas.openxmlformats.org/presentationml/2006/main">
   <p:cSld>
     <p:spTree>
@@ -15308,1282 +13983,50 @@
       </p:grpSpPr>
       <p:sp>
         <p:nvSpPr>
-          <p:cNvPr id="2" name="Title 1">
+          <p:cNvPr id="2" name="TextBox 1">
             <a:extLst>
               <a:ext uri="{FF2B5EF4-FFF2-40B4-BE49-F238E27FC236}">
-                <a16:creationId xmlns:a16="http://schemas.microsoft.com/office/drawing/2014/main" xmlns="" id="{28A0E091-5B0B-44C4-EA89-0A464D541030}"/>
+                <a16:creationId xmlns="" xmlns:a16="http://schemas.microsoft.com/office/drawing/2014/main" id="{E72195C9-5731-499A-A341-13529404AA05}"/>
               </a:ext>
             </a:extLst>
           </p:cNvPr>
-          <p:cNvSpPr txBox="1">
-            <a:spLocks/>
-          </p:cNvSpPr>
+          <p:cNvSpPr txBox="1"/>
           <p:nvPr/>
         </p:nvSpPr>
         <p:spPr>
           <a:xfrm>
-            <a:off x="0" y="165321"/>
-            <a:ext cx="9008198" cy="493414"/>
-          </a:xfrm>
-          <a:prstGeom prst="rect">
-            <a:avLst/>
-          </a:prstGeom>
-        </p:spPr>
-        <p:txBody>
-          <a:bodyPr>
-            <a:noAutofit/>
-          </a:bodyPr>
-          <a:lstStyle>
-            <a:defPPr marR="0" lvl="0" algn="l" rtl="0">
-              <a:lnSpc>
-                <a:spcPct val="100000"/>
-              </a:lnSpc>
-              <a:spcBef>
-                <a:spcPts val="0"/>
-              </a:spcBef>
-              <a:spcAft>
-                <a:spcPts val="0"/>
-              </a:spcAft>
-            </a:defPPr>
-            <a:lvl1pPr marR="0" lvl="0" algn="l" rtl="0">
-              <a:lnSpc>
-                <a:spcPct val="100000"/>
-              </a:lnSpc>
-              <a:spcBef>
-                <a:spcPts val="0"/>
-              </a:spcBef>
-              <a:spcAft>
-                <a:spcPts val="0"/>
-              </a:spcAft>
-              <a:buClr>
-                <a:srgbClr val="000000"/>
-              </a:buClr>
-              <a:buFont typeface="Arial"/>
-              <a:defRPr sz="1400" b="0" i="0" u="none" strike="noStrike" cap="none">
-                <a:solidFill>
-                  <a:srgbClr val="000000"/>
-                </a:solidFill>
-                <a:latin typeface="Arial"/>
-                <a:ea typeface="Arial"/>
-                <a:cs typeface="Arial"/>
-                <a:sym typeface="Arial"/>
-              </a:defRPr>
-            </a:lvl1pPr>
-            <a:lvl2pPr marR="0" lvl="1" algn="l" rtl="0">
-              <a:lnSpc>
-                <a:spcPct val="100000"/>
-              </a:lnSpc>
-              <a:spcBef>
-                <a:spcPts val="0"/>
-              </a:spcBef>
-              <a:spcAft>
-                <a:spcPts val="0"/>
-              </a:spcAft>
-              <a:buClr>
-                <a:srgbClr val="000000"/>
-              </a:buClr>
-              <a:buFont typeface="Arial"/>
-              <a:defRPr sz="1400" b="0" i="0" u="none" strike="noStrike" cap="none">
-                <a:solidFill>
-                  <a:srgbClr val="000000"/>
-                </a:solidFill>
-                <a:latin typeface="Arial"/>
-                <a:ea typeface="Arial"/>
-                <a:cs typeface="Arial"/>
-                <a:sym typeface="Arial"/>
-              </a:defRPr>
-            </a:lvl2pPr>
-            <a:lvl3pPr marR="0" lvl="2" algn="l" rtl="0">
-              <a:lnSpc>
-                <a:spcPct val="100000"/>
-              </a:lnSpc>
-              <a:spcBef>
-                <a:spcPts val="0"/>
-              </a:spcBef>
-              <a:spcAft>
-                <a:spcPts val="0"/>
-              </a:spcAft>
-              <a:buClr>
-                <a:srgbClr val="000000"/>
-              </a:buClr>
-              <a:buFont typeface="Arial"/>
-              <a:defRPr sz="1400" b="0" i="0" u="none" strike="noStrike" cap="none">
-                <a:solidFill>
-                  <a:srgbClr val="000000"/>
-                </a:solidFill>
-                <a:latin typeface="Arial"/>
-                <a:ea typeface="Arial"/>
-                <a:cs typeface="Arial"/>
-                <a:sym typeface="Arial"/>
-              </a:defRPr>
-            </a:lvl3pPr>
-            <a:lvl4pPr marR="0" lvl="3" algn="l" rtl="0">
-              <a:lnSpc>
-                <a:spcPct val="100000"/>
-              </a:lnSpc>
-              <a:spcBef>
-                <a:spcPts val="0"/>
-              </a:spcBef>
-              <a:spcAft>
-                <a:spcPts val="0"/>
-              </a:spcAft>
-              <a:buClr>
-                <a:srgbClr val="000000"/>
-              </a:buClr>
-              <a:buFont typeface="Arial"/>
-              <a:defRPr sz="1400" b="0" i="0" u="none" strike="noStrike" cap="none">
-                <a:solidFill>
-                  <a:srgbClr val="000000"/>
-                </a:solidFill>
-                <a:latin typeface="Arial"/>
-                <a:ea typeface="Arial"/>
-                <a:cs typeface="Arial"/>
-                <a:sym typeface="Arial"/>
-              </a:defRPr>
-            </a:lvl4pPr>
-            <a:lvl5pPr marR="0" lvl="4" algn="l" rtl="0">
-              <a:lnSpc>
-                <a:spcPct val="100000"/>
-              </a:lnSpc>
-              <a:spcBef>
-                <a:spcPts val="0"/>
-              </a:spcBef>
-              <a:spcAft>
-                <a:spcPts val="0"/>
-              </a:spcAft>
-              <a:buClr>
-                <a:srgbClr val="000000"/>
-              </a:buClr>
-              <a:buFont typeface="Arial"/>
-              <a:defRPr sz="1400" b="0" i="0" u="none" strike="noStrike" cap="none">
-                <a:solidFill>
-                  <a:srgbClr val="000000"/>
-                </a:solidFill>
-                <a:latin typeface="Arial"/>
-                <a:ea typeface="Arial"/>
-                <a:cs typeface="Arial"/>
-                <a:sym typeface="Arial"/>
-              </a:defRPr>
-            </a:lvl5pPr>
-            <a:lvl6pPr marR="0" lvl="5" algn="l" rtl="0">
-              <a:lnSpc>
-                <a:spcPct val="100000"/>
-              </a:lnSpc>
-              <a:spcBef>
-                <a:spcPts val="0"/>
-              </a:spcBef>
-              <a:spcAft>
-                <a:spcPts val="0"/>
-              </a:spcAft>
-              <a:buClr>
-                <a:srgbClr val="000000"/>
-              </a:buClr>
-              <a:buFont typeface="Arial"/>
-              <a:defRPr sz="1400" b="0" i="0" u="none" strike="noStrike" cap="none">
-                <a:solidFill>
-                  <a:srgbClr val="000000"/>
-                </a:solidFill>
-                <a:latin typeface="Arial"/>
-                <a:ea typeface="Arial"/>
-                <a:cs typeface="Arial"/>
-                <a:sym typeface="Arial"/>
-              </a:defRPr>
-            </a:lvl6pPr>
-            <a:lvl7pPr marR="0" lvl="6" algn="l" rtl="0">
-              <a:lnSpc>
-                <a:spcPct val="100000"/>
-              </a:lnSpc>
-              <a:spcBef>
-                <a:spcPts val="0"/>
-              </a:spcBef>
-              <a:spcAft>
-                <a:spcPts val="0"/>
-              </a:spcAft>
-              <a:buClr>
-                <a:srgbClr val="000000"/>
-              </a:buClr>
-              <a:buFont typeface="Arial"/>
-              <a:defRPr sz="1400" b="0" i="0" u="none" strike="noStrike" cap="none">
-                <a:solidFill>
-                  <a:srgbClr val="000000"/>
-                </a:solidFill>
-                <a:latin typeface="Arial"/>
-                <a:ea typeface="Arial"/>
-                <a:cs typeface="Arial"/>
-                <a:sym typeface="Arial"/>
-              </a:defRPr>
-            </a:lvl7pPr>
-            <a:lvl8pPr marR="0" lvl="7" algn="l" rtl="0">
-              <a:lnSpc>
-                <a:spcPct val="100000"/>
-              </a:lnSpc>
-              <a:spcBef>
-                <a:spcPts val="0"/>
-              </a:spcBef>
-              <a:spcAft>
-                <a:spcPts val="0"/>
-              </a:spcAft>
-              <a:buClr>
-                <a:srgbClr val="000000"/>
-              </a:buClr>
-              <a:buFont typeface="Arial"/>
-              <a:defRPr sz="1400" b="0" i="0" u="none" strike="noStrike" cap="none">
-                <a:solidFill>
-                  <a:srgbClr val="000000"/>
-                </a:solidFill>
-                <a:latin typeface="Arial"/>
-                <a:ea typeface="Arial"/>
-                <a:cs typeface="Arial"/>
-                <a:sym typeface="Arial"/>
-              </a:defRPr>
-            </a:lvl8pPr>
-            <a:lvl9pPr marR="0" lvl="8" algn="l" rtl="0">
-              <a:lnSpc>
-                <a:spcPct val="100000"/>
-              </a:lnSpc>
-              <a:spcBef>
-                <a:spcPts val="0"/>
-              </a:spcBef>
-              <a:spcAft>
-                <a:spcPts val="0"/>
-              </a:spcAft>
-              <a:buClr>
-                <a:srgbClr val="000000"/>
-              </a:buClr>
-              <a:buFont typeface="Arial"/>
-              <a:defRPr sz="1400" b="0" i="0" u="none" strike="noStrike" cap="none">
-                <a:solidFill>
-                  <a:srgbClr val="000000"/>
-                </a:solidFill>
-                <a:latin typeface="Arial"/>
-                <a:ea typeface="Arial"/>
-                <a:cs typeface="Arial"/>
-                <a:sym typeface="Arial"/>
-              </a:defRPr>
-            </a:lvl9pPr>
-          </a:lstStyle>
-          <a:p>
-            <a:pPr algn="ctr"/>
-            <a:r>
-              <a:rPr lang="en-US" sz="2000" b="1" dirty="0">
-                <a:solidFill>
-                  <a:srgbClr val="C00000"/>
-                </a:solidFill>
-                <a:latin typeface="Algerian" panose="04020705040A02060702" pitchFamily="82" charset="0"/>
-                <a:cs typeface="Times New Roman" panose="02020603050405020304" pitchFamily="18" charset="0"/>
-              </a:rPr>
-              <a:t> Do deeper discounts correlate with higher or lower customer satisfaction</a:t>
-            </a:r>
-            <a:endParaRPr lang="en-IN" sz="2000" b="1" dirty="0">
-              <a:solidFill>
-                <a:srgbClr val="C00000"/>
-              </a:solidFill>
-              <a:latin typeface="Algerian" panose="04020705040A02060702" pitchFamily="82" charset="0"/>
-              <a:cs typeface="Times New Roman" panose="02020603050405020304" pitchFamily="18" charset="0"/>
-            </a:endParaRPr>
-          </a:p>
-        </p:txBody>
-      </p:sp>
-      <p:sp>
-        <p:nvSpPr>
-          <p:cNvPr id="3" name="Text Placeholder 3">
-            <a:extLst>
-              <a:ext uri="{FF2B5EF4-FFF2-40B4-BE49-F238E27FC236}">
-                <a16:creationId xmlns:a16="http://schemas.microsoft.com/office/drawing/2014/main" xmlns="" id="{119857A8-3C1F-7E51-97C6-57B715E38D0B}"/>
-              </a:ext>
-            </a:extLst>
-          </p:cNvPr>
-          <p:cNvSpPr txBox="1">
-            <a:spLocks/>
-          </p:cNvSpPr>
-          <p:nvPr/>
-        </p:nvSpPr>
-        <p:spPr>
-          <a:xfrm>
-            <a:off x="5251010" y="950233"/>
-            <a:ext cx="6835365" cy="2159257"/>
-          </a:xfrm>
-          <a:prstGeom prst="rect">
-            <a:avLst/>
-          </a:prstGeom>
-        </p:spPr>
-        <p:txBody>
-          <a:bodyPr>
-            <a:normAutofit/>
-          </a:bodyPr>
-          <a:lstStyle>
-            <a:defPPr marR="0" lvl="0" algn="l" rtl="0">
-              <a:lnSpc>
-                <a:spcPct val="100000"/>
-              </a:lnSpc>
-              <a:spcBef>
-                <a:spcPts val="0"/>
-              </a:spcBef>
-              <a:spcAft>
-                <a:spcPts val="0"/>
-              </a:spcAft>
-            </a:defPPr>
-            <a:lvl1pPr marR="0" lvl="0" algn="l" rtl="0">
-              <a:lnSpc>
-                <a:spcPct val="100000"/>
-              </a:lnSpc>
-              <a:spcBef>
-                <a:spcPts val="0"/>
-              </a:spcBef>
-              <a:spcAft>
-                <a:spcPts val="0"/>
-              </a:spcAft>
-              <a:buClr>
-                <a:srgbClr val="000000"/>
-              </a:buClr>
-              <a:buFont typeface="Arial"/>
-              <a:defRPr sz="1400" b="0" i="0" u="none" strike="noStrike" cap="none">
-                <a:solidFill>
-                  <a:srgbClr val="000000"/>
-                </a:solidFill>
-                <a:latin typeface="Arial"/>
-                <a:ea typeface="Arial"/>
-                <a:cs typeface="Arial"/>
-                <a:sym typeface="Arial"/>
-              </a:defRPr>
-            </a:lvl1pPr>
-            <a:lvl2pPr marR="0" lvl="1" algn="l" rtl="0">
-              <a:lnSpc>
-                <a:spcPct val="100000"/>
-              </a:lnSpc>
-              <a:spcBef>
-                <a:spcPts val="0"/>
-              </a:spcBef>
-              <a:spcAft>
-                <a:spcPts val="0"/>
-              </a:spcAft>
-              <a:buClr>
-                <a:srgbClr val="000000"/>
-              </a:buClr>
-              <a:buFont typeface="Arial"/>
-              <a:defRPr sz="1400" b="0" i="0" u="none" strike="noStrike" cap="none">
-                <a:solidFill>
-                  <a:srgbClr val="000000"/>
-                </a:solidFill>
-                <a:latin typeface="Arial"/>
-                <a:ea typeface="Arial"/>
-                <a:cs typeface="Arial"/>
-                <a:sym typeface="Arial"/>
-              </a:defRPr>
-            </a:lvl2pPr>
-            <a:lvl3pPr marR="0" lvl="2" algn="l" rtl="0">
-              <a:lnSpc>
-                <a:spcPct val="100000"/>
-              </a:lnSpc>
-              <a:spcBef>
-                <a:spcPts val="0"/>
-              </a:spcBef>
-              <a:spcAft>
-                <a:spcPts val="0"/>
-              </a:spcAft>
-              <a:buClr>
-                <a:srgbClr val="000000"/>
-              </a:buClr>
-              <a:buFont typeface="Arial"/>
-              <a:defRPr sz="1400" b="0" i="0" u="none" strike="noStrike" cap="none">
-                <a:solidFill>
-                  <a:srgbClr val="000000"/>
-                </a:solidFill>
-                <a:latin typeface="Arial"/>
-                <a:ea typeface="Arial"/>
-                <a:cs typeface="Arial"/>
-                <a:sym typeface="Arial"/>
-              </a:defRPr>
-            </a:lvl3pPr>
-            <a:lvl4pPr marR="0" lvl="3" algn="l" rtl="0">
-              <a:lnSpc>
-                <a:spcPct val="100000"/>
-              </a:lnSpc>
-              <a:spcBef>
-                <a:spcPts val="0"/>
-              </a:spcBef>
-              <a:spcAft>
-                <a:spcPts val="0"/>
-              </a:spcAft>
-              <a:buClr>
-                <a:srgbClr val="000000"/>
-              </a:buClr>
-              <a:buFont typeface="Arial"/>
-              <a:defRPr sz="1400" b="0" i="0" u="none" strike="noStrike" cap="none">
-                <a:solidFill>
-                  <a:srgbClr val="000000"/>
-                </a:solidFill>
-                <a:latin typeface="Arial"/>
-                <a:ea typeface="Arial"/>
-                <a:cs typeface="Arial"/>
-                <a:sym typeface="Arial"/>
-              </a:defRPr>
-            </a:lvl4pPr>
-            <a:lvl5pPr marR="0" lvl="4" algn="l" rtl="0">
-              <a:lnSpc>
-                <a:spcPct val="100000"/>
-              </a:lnSpc>
-              <a:spcBef>
-                <a:spcPts val="0"/>
-              </a:spcBef>
-              <a:spcAft>
-                <a:spcPts val="0"/>
-              </a:spcAft>
-              <a:buClr>
-                <a:srgbClr val="000000"/>
-              </a:buClr>
-              <a:buFont typeface="Arial"/>
-              <a:defRPr sz="1400" b="0" i="0" u="none" strike="noStrike" cap="none">
-                <a:solidFill>
-                  <a:srgbClr val="000000"/>
-                </a:solidFill>
-                <a:latin typeface="Arial"/>
-                <a:ea typeface="Arial"/>
-                <a:cs typeface="Arial"/>
-                <a:sym typeface="Arial"/>
-              </a:defRPr>
-            </a:lvl5pPr>
-            <a:lvl6pPr marR="0" lvl="5" algn="l" rtl="0">
-              <a:lnSpc>
-                <a:spcPct val="100000"/>
-              </a:lnSpc>
-              <a:spcBef>
-                <a:spcPts val="0"/>
-              </a:spcBef>
-              <a:spcAft>
-                <a:spcPts val="0"/>
-              </a:spcAft>
-              <a:buClr>
-                <a:srgbClr val="000000"/>
-              </a:buClr>
-              <a:buFont typeface="Arial"/>
-              <a:defRPr sz="1400" b="0" i="0" u="none" strike="noStrike" cap="none">
-                <a:solidFill>
-                  <a:srgbClr val="000000"/>
-                </a:solidFill>
-                <a:latin typeface="Arial"/>
-                <a:ea typeface="Arial"/>
-                <a:cs typeface="Arial"/>
-                <a:sym typeface="Arial"/>
-              </a:defRPr>
-            </a:lvl6pPr>
-            <a:lvl7pPr marR="0" lvl="6" algn="l" rtl="0">
-              <a:lnSpc>
-                <a:spcPct val="100000"/>
-              </a:lnSpc>
-              <a:spcBef>
-                <a:spcPts val="0"/>
-              </a:spcBef>
-              <a:spcAft>
-                <a:spcPts val="0"/>
-              </a:spcAft>
-              <a:buClr>
-                <a:srgbClr val="000000"/>
-              </a:buClr>
-              <a:buFont typeface="Arial"/>
-              <a:defRPr sz="1400" b="0" i="0" u="none" strike="noStrike" cap="none">
-                <a:solidFill>
-                  <a:srgbClr val="000000"/>
-                </a:solidFill>
-                <a:latin typeface="Arial"/>
-                <a:ea typeface="Arial"/>
-                <a:cs typeface="Arial"/>
-                <a:sym typeface="Arial"/>
-              </a:defRPr>
-            </a:lvl7pPr>
-            <a:lvl8pPr marR="0" lvl="7" algn="l" rtl="0">
-              <a:lnSpc>
-                <a:spcPct val="100000"/>
-              </a:lnSpc>
-              <a:spcBef>
-                <a:spcPts val="0"/>
-              </a:spcBef>
-              <a:spcAft>
-                <a:spcPts val="0"/>
-              </a:spcAft>
-              <a:buClr>
-                <a:srgbClr val="000000"/>
-              </a:buClr>
-              <a:buFont typeface="Arial"/>
-              <a:defRPr sz="1400" b="0" i="0" u="none" strike="noStrike" cap="none">
-                <a:solidFill>
-                  <a:srgbClr val="000000"/>
-                </a:solidFill>
-                <a:latin typeface="Arial"/>
-                <a:ea typeface="Arial"/>
-                <a:cs typeface="Arial"/>
-                <a:sym typeface="Arial"/>
-              </a:defRPr>
-            </a:lvl8pPr>
-            <a:lvl9pPr marR="0" lvl="8" algn="l" rtl="0">
-              <a:lnSpc>
-                <a:spcPct val="100000"/>
-              </a:lnSpc>
-              <a:spcBef>
-                <a:spcPts val="0"/>
-              </a:spcBef>
-              <a:spcAft>
-                <a:spcPts val="0"/>
-              </a:spcAft>
-              <a:buClr>
-                <a:srgbClr val="000000"/>
-              </a:buClr>
-              <a:buFont typeface="Arial"/>
-              <a:defRPr sz="1400" b="0" i="0" u="none" strike="noStrike" cap="none">
-                <a:solidFill>
-                  <a:srgbClr val="000000"/>
-                </a:solidFill>
-                <a:latin typeface="Arial"/>
-                <a:ea typeface="Arial"/>
-                <a:cs typeface="Arial"/>
-                <a:sym typeface="Arial"/>
-              </a:defRPr>
-            </a:lvl9pPr>
-          </a:lstStyle>
-          <a:p>
-            <a:pPr algn="just"/>
-            <a:r>
-              <a:rPr lang="en-GB" sz="2000" b="1" dirty="0">
-                <a:latin typeface="Times New Roman" panose="02020603050405020304" pitchFamily="18" charset="0"/>
-                <a:cs typeface="Times New Roman" panose="02020603050405020304" pitchFamily="18" charset="0"/>
-              </a:rPr>
-              <a:t>Key Insights:</a:t>
-            </a:r>
-          </a:p>
-          <a:p>
-            <a:pPr marL="342900" indent="-342900" algn="just">
-              <a:buFont typeface="Arial" panose="020B0604020202020204" pitchFamily="34" charset="0"/>
-              <a:buChar char="•"/>
-            </a:pPr>
-            <a:r>
-              <a:rPr lang="en-US" sz="2000" dirty="0">
-                <a:latin typeface="Times New Roman" panose="02020603050405020304" pitchFamily="18" charset="0"/>
-                <a:cs typeface="Times New Roman" panose="02020603050405020304" pitchFamily="18" charset="0"/>
-              </a:rPr>
-              <a:t>The heatmap shows a negative correlation (-0.26) between discount percentage and ratings.</a:t>
-            </a:r>
-          </a:p>
-          <a:p>
-            <a:pPr marL="342900" indent="-342900" algn="just">
-              <a:buFont typeface="Arial" panose="020B0604020202020204" pitchFamily="34" charset="0"/>
-              <a:buChar char="•"/>
-            </a:pPr>
-            <a:r>
-              <a:rPr lang="en-US" sz="2000" dirty="0">
-                <a:latin typeface="Times New Roman" panose="02020603050405020304" pitchFamily="18" charset="0"/>
-                <a:cs typeface="Times New Roman" panose="02020603050405020304" pitchFamily="18" charset="0"/>
-              </a:rPr>
-              <a:t>customer ratings tend to drop a little products with higher discounts may not satisfy customers</a:t>
-            </a:r>
-            <a:endParaRPr lang="en-GB" sz="2000" dirty="0">
-              <a:latin typeface="Times New Roman" panose="02020603050405020304" pitchFamily="18" charset="0"/>
-              <a:cs typeface="Times New Roman" panose="02020603050405020304" pitchFamily="18" charset="0"/>
-            </a:endParaRPr>
-          </a:p>
-        </p:txBody>
-      </p:sp>
-      <p:sp>
-        <p:nvSpPr>
-          <p:cNvPr id="5" name="Title 1">
-            <a:extLst>
-              <a:ext uri="{FF2B5EF4-FFF2-40B4-BE49-F238E27FC236}">
-                <a16:creationId xmlns:a16="http://schemas.microsoft.com/office/drawing/2014/main" xmlns="" id="{99950FA5-ABE8-1BA6-D125-A285401C09E4}"/>
-              </a:ext>
-            </a:extLst>
-          </p:cNvPr>
-          <p:cNvSpPr txBox="1">
-            <a:spLocks/>
-          </p:cNvSpPr>
-          <p:nvPr/>
-        </p:nvSpPr>
-        <p:spPr>
-          <a:xfrm>
-            <a:off x="117695" y="3246517"/>
-            <a:ext cx="8054755" cy="466818"/>
+            <a:off x="262296" y="150122"/>
+            <a:ext cx="11830115" cy="461665"/>
           </a:xfrm>
           <a:prstGeom prst="rect">
             <a:avLst/>
           </a:prstGeom>
           <a:noFill/>
-          <a:ln>
-            <a:noFill/>
-          </a:ln>
         </p:spPr>
         <p:txBody>
-          <a:bodyPr spcFirstLastPara="1" wrap="square" lIns="91425" tIns="45700" rIns="91425" bIns="45700" anchor="b" anchorCtr="0">
-            <a:noAutofit/>
+          <a:bodyPr wrap="square">
+            <a:spAutoFit/>
           </a:bodyPr>
-          <a:lstStyle>
-            <a:defPPr marR="0" lvl="0" algn="l" rtl="0">
-              <a:lnSpc>
-                <a:spcPct val="100000"/>
-              </a:lnSpc>
-              <a:spcBef>
-                <a:spcPts val="0"/>
-              </a:spcBef>
-              <a:spcAft>
-                <a:spcPts val="0"/>
-              </a:spcAft>
-            </a:defPPr>
-            <a:lvl1pPr marR="0" lvl="0" algn="l" rtl="0">
-              <a:lnSpc>
-                <a:spcPct val="90000"/>
-              </a:lnSpc>
-              <a:spcBef>
-                <a:spcPts val="0"/>
-              </a:spcBef>
-              <a:spcAft>
-                <a:spcPts val="0"/>
-              </a:spcAft>
-              <a:buClr>
-                <a:schemeClr val="dk1"/>
-              </a:buClr>
-              <a:buSzPts val="3200"/>
-              <a:buFont typeface="Calibri"/>
-              <a:buNone/>
-              <a:defRPr sz="3200" b="0" i="0" u="none" strike="noStrike" cap="none">
-                <a:solidFill>
-                  <a:schemeClr val="dk1"/>
-                </a:solidFill>
-                <a:latin typeface="Calibri"/>
-                <a:ea typeface="Calibri"/>
-                <a:cs typeface="Calibri"/>
-                <a:sym typeface="Calibri"/>
-              </a:defRPr>
-            </a:lvl1pPr>
-            <a:lvl2pPr marR="0" lvl="1" algn="l" rtl="0">
-              <a:lnSpc>
-                <a:spcPct val="100000"/>
-              </a:lnSpc>
-              <a:spcBef>
-                <a:spcPts val="0"/>
-              </a:spcBef>
-              <a:spcAft>
-                <a:spcPts val="0"/>
-              </a:spcAft>
-              <a:buClr>
-                <a:srgbClr val="000000"/>
-              </a:buClr>
-              <a:buSzPts val="1400"/>
-              <a:buFont typeface="Arial"/>
-              <a:buNone/>
-              <a:defRPr sz="1800" b="0" i="0" u="none" strike="noStrike" cap="none">
-                <a:solidFill>
-                  <a:srgbClr val="000000"/>
-                </a:solidFill>
-                <a:latin typeface="Arial"/>
-                <a:ea typeface="Arial"/>
-                <a:cs typeface="Arial"/>
-                <a:sym typeface="Arial"/>
-              </a:defRPr>
-            </a:lvl2pPr>
-            <a:lvl3pPr marR="0" lvl="2" algn="l" rtl="0">
-              <a:lnSpc>
-                <a:spcPct val="100000"/>
-              </a:lnSpc>
-              <a:spcBef>
-                <a:spcPts val="0"/>
-              </a:spcBef>
-              <a:spcAft>
-                <a:spcPts val="0"/>
-              </a:spcAft>
-              <a:buClr>
-                <a:srgbClr val="000000"/>
-              </a:buClr>
-              <a:buSzPts val="1400"/>
-              <a:buFont typeface="Arial"/>
-              <a:buNone/>
-              <a:defRPr sz="1800" b="0" i="0" u="none" strike="noStrike" cap="none">
-                <a:solidFill>
-                  <a:srgbClr val="000000"/>
-                </a:solidFill>
-                <a:latin typeface="Arial"/>
-                <a:ea typeface="Arial"/>
-                <a:cs typeface="Arial"/>
-                <a:sym typeface="Arial"/>
-              </a:defRPr>
-            </a:lvl3pPr>
-            <a:lvl4pPr marR="0" lvl="3" algn="l" rtl="0">
-              <a:lnSpc>
-                <a:spcPct val="100000"/>
-              </a:lnSpc>
-              <a:spcBef>
-                <a:spcPts val="0"/>
-              </a:spcBef>
-              <a:spcAft>
-                <a:spcPts val="0"/>
-              </a:spcAft>
-              <a:buClr>
-                <a:srgbClr val="000000"/>
-              </a:buClr>
-              <a:buSzPts val="1400"/>
-              <a:buFont typeface="Arial"/>
-              <a:buNone/>
-              <a:defRPr sz="1800" b="0" i="0" u="none" strike="noStrike" cap="none">
-                <a:solidFill>
-                  <a:srgbClr val="000000"/>
-                </a:solidFill>
-                <a:latin typeface="Arial"/>
-                <a:ea typeface="Arial"/>
-                <a:cs typeface="Arial"/>
-                <a:sym typeface="Arial"/>
-              </a:defRPr>
-            </a:lvl4pPr>
-            <a:lvl5pPr marR="0" lvl="4" algn="l" rtl="0">
-              <a:lnSpc>
-                <a:spcPct val="100000"/>
-              </a:lnSpc>
-              <a:spcBef>
-                <a:spcPts val="0"/>
-              </a:spcBef>
-              <a:spcAft>
-                <a:spcPts val="0"/>
-              </a:spcAft>
-              <a:buClr>
-                <a:srgbClr val="000000"/>
-              </a:buClr>
-              <a:buSzPts val="1400"/>
-              <a:buFont typeface="Arial"/>
-              <a:buNone/>
-              <a:defRPr sz="1800" b="0" i="0" u="none" strike="noStrike" cap="none">
-                <a:solidFill>
-                  <a:srgbClr val="000000"/>
-                </a:solidFill>
-                <a:latin typeface="Arial"/>
-                <a:ea typeface="Arial"/>
-                <a:cs typeface="Arial"/>
-                <a:sym typeface="Arial"/>
-              </a:defRPr>
-            </a:lvl5pPr>
-            <a:lvl6pPr marR="0" lvl="5" algn="l" rtl="0">
-              <a:lnSpc>
-                <a:spcPct val="100000"/>
-              </a:lnSpc>
-              <a:spcBef>
-                <a:spcPts val="0"/>
-              </a:spcBef>
-              <a:spcAft>
-                <a:spcPts val="0"/>
-              </a:spcAft>
-              <a:buClr>
-                <a:srgbClr val="000000"/>
-              </a:buClr>
-              <a:buSzPts val="1400"/>
-              <a:buFont typeface="Arial"/>
-              <a:buNone/>
-              <a:defRPr sz="1800" b="0" i="0" u="none" strike="noStrike" cap="none">
-                <a:solidFill>
-                  <a:srgbClr val="000000"/>
-                </a:solidFill>
-                <a:latin typeface="Arial"/>
-                <a:ea typeface="Arial"/>
-                <a:cs typeface="Arial"/>
-                <a:sym typeface="Arial"/>
-              </a:defRPr>
-            </a:lvl6pPr>
-            <a:lvl7pPr marR="0" lvl="6" algn="l" rtl="0">
-              <a:lnSpc>
-                <a:spcPct val="100000"/>
-              </a:lnSpc>
-              <a:spcBef>
-                <a:spcPts val="0"/>
-              </a:spcBef>
-              <a:spcAft>
-                <a:spcPts val="0"/>
-              </a:spcAft>
-              <a:buClr>
-                <a:srgbClr val="000000"/>
-              </a:buClr>
-              <a:buSzPts val="1400"/>
-              <a:buFont typeface="Arial"/>
-              <a:buNone/>
-              <a:defRPr sz="1800" b="0" i="0" u="none" strike="noStrike" cap="none">
-                <a:solidFill>
-                  <a:srgbClr val="000000"/>
-                </a:solidFill>
-                <a:latin typeface="Arial"/>
-                <a:ea typeface="Arial"/>
-                <a:cs typeface="Arial"/>
-                <a:sym typeface="Arial"/>
-              </a:defRPr>
-            </a:lvl7pPr>
-            <a:lvl8pPr marR="0" lvl="7" algn="l" rtl="0">
-              <a:lnSpc>
-                <a:spcPct val="100000"/>
-              </a:lnSpc>
-              <a:spcBef>
-                <a:spcPts val="0"/>
-              </a:spcBef>
-              <a:spcAft>
-                <a:spcPts val="0"/>
-              </a:spcAft>
-              <a:buClr>
-                <a:srgbClr val="000000"/>
-              </a:buClr>
-              <a:buSzPts val="1400"/>
-              <a:buFont typeface="Arial"/>
-              <a:buNone/>
-              <a:defRPr sz="1800" b="0" i="0" u="none" strike="noStrike" cap="none">
-                <a:solidFill>
-                  <a:srgbClr val="000000"/>
-                </a:solidFill>
-                <a:latin typeface="Arial"/>
-                <a:ea typeface="Arial"/>
-                <a:cs typeface="Arial"/>
-                <a:sym typeface="Arial"/>
-              </a:defRPr>
-            </a:lvl8pPr>
-            <a:lvl9pPr marR="0" lvl="8" algn="l" rtl="0">
-              <a:lnSpc>
-                <a:spcPct val="100000"/>
-              </a:lnSpc>
-              <a:spcBef>
-                <a:spcPts val="0"/>
-              </a:spcBef>
-              <a:spcAft>
-                <a:spcPts val="0"/>
-              </a:spcAft>
-              <a:buClr>
-                <a:srgbClr val="000000"/>
-              </a:buClr>
-              <a:buSzPts val="1400"/>
-              <a:buFont typeface="Arial"/>
-              <a:buNone/>
-              <a:defRPr sz="1800" b="0" i="0" u="none" strike="noStrike" cap="none">
-                <a:solidFill>
-                  <a:srgbClr val="000000"/>
-                </a:solidFill>
-                <a:latin typeface="Arial"/>
-                <a:ea typeface="Arial"/>
-                <a:cs typeface="Arial"/>
-                <a:sym typeface="Arial"/>
-              </a:defRPr>
-            </a:lvl9pPr>
-          </a:lstStyle>
-          <a:p>
-            <a:pPr algn="ctr"/>
-            <a:r>
-              <a:rPr lang="en-US" sz="2000" b="1" dirty="0">
+          <a:lstStyle/>
+          <a:p>
+            <a:r>
+              <a:rPr lang="en-US" sz="2400" b="1" dirty="0">
                 <a:solidFill>
                   <a:srgbClr val="C00000"/>
                 </a:solidFill>
-                <a:latin typeface="Algerian" panose="04020705040A02060702" pitchFamily="82" charset="0"/>
-                <a:cs typeface="Times New Roman" panose="02020603050405020304" pitchFamily="18" charset="0"/>
-              </a:rPr>
-              <a:t>Do larger TVs consistently offer higher sound output</a:t>
-            </a:r>
-            <a:endParaRPr lang="en-IN" sz="2000" b="1" dirty="0">
-              <a:solidFill>
-                <a:srgbClr val="C00000"/>
-              </a:solidFill>
-              <a:latin typeface="Algerian" panose="04020705040A02060702" pitchFamily="82" charset="0"/>
-              <a:cs typeface="Times New Roman" panose="02020603050405020304" pitchFamily="18" charset="0"/>
-            </a:endParaRPr>
+                <a:latin typeface="Bahnschrift Light Condensed" panose="020B0502040204020203" pitchFamily="34" charset="0"/>
+              </a:rPr>
+              <a:t>How does price vary across screen sizes within each brand?</a:t>
+            </a:r>
           </a:p>
         </p:txBody>
       </p:sp>
-      <p:sp>
-        <p:nvSpPr>
-          <p:cNvPr id="7" name="Text Placeholder 3">
-            <a:extLst>
-              <a:ext uri="{FF2B5EF4-FFF2-40B4-BE49-F238E27FC236}">
-                <a16:creationId xmlns:a16="http://schemas.microsoft.com/office/drawing/2014/main" xmlns="" id="{C2515A7A-50AF-6FA9-0A94-64A214E0965F}"/>
-              </a:ext>
-            </a:extLst>
-          </p:cNvPr>
-          <p:cNvSpPr txBox="1">
-            <a:spLocks/>
-          </p:cNvSpPr>
-          <p:nvPr/>
-        </p:nvSpPr>
-        <p:spPr>
-          <a:xfrm>
-            <a:off x="5221585" y="3850363"/>
-            <a:ext cx="6366851" cy="2564488"/>
-          </a:xfrm>
-          <a:prstGeom prst="rect">
-            <a:avLst/>
-          </a:prstGeom>
-          <a:noFill/>
-          <a:ln>
-            <a:noFill/>
-          </a:ln>
-        </p:spPr>
-        <p:txBody>
-          <a:bodyPr spcFirstLastPara="1" wrap="square" lIns="91425" tIns="45700" rIns="91425" bIns="45700" anchor="t" anchorCtr="0">
-            <a:normAutofit/>
-          </a:bodyPr>
-          <a:lstStyle>
-            <a:defPPr marR="0" lvl="0" algn="l" rtl="0">
-              <a:lnSpc>
-                <a:spcPct val="100000"/>
-              </a:lnSpc>
-              <a:spcBef>
-                <a:spcPts val="0"/>
-              </a:spcBef>
-              <a:spcAft>
-                <a:spcPts val="0"/>
-              </a:spcAft>
-            </a:defPPr>
-            <a:lvl1pPr marL="457200" marR="0" lvl="0" indent="-228600" algn="l" rtl="0">
-              <a:lnSpc>
-                <a:spcPct val="90000"/>
-              </a:lnSpc>
-              <a:spcBef>
-                <a:spcPts val="1000"/>
-              </a:spcBef>
-              <a:spcAft>
-                <a:spcPts val="0"/>
-              </a:spcAft>
-              <a:buClr>
-                <a:schemeClr val="dk1"/>
-              </a:buClr>
-              <a:buSzPts val="1600"/>
-              <a:buFont typeface="Arial"/>
-              <a:buNone/>
-              <a:defRPr sz="1600" b="0" i="0" u="none" strike="noStrike" cap="none">
-                <a:solidFill>
-                  <a:schemeClr val="dk1"/>
-                </a:solidFill>
-                <a:latin typeface="Calibri"/>
-                <a:ea typeface="Calibri"/>
-                <a:cs typeface="Calibri"/>
-                <a:sym typeface="Calibri"/>
-              </a:defRPr>
-            </a:lvl1pPr>
-            <a:lvl2pPr marL="914400" marR="0" lvl="1" indent="-228600" algn="l" rtl="0">
-              <a:lnSpc>
-                <a:spcPct val="90000"/>
-              </a:lnSpc>
-              <a:spcBef>
-                <a:spcPts val="500"/>
-              </a:spcBef>
-              <a:spcAft>
-                <a:spcPts val="0"/>
-              </a:spcAft>
-              <a:buClr>
-                <a:schemeClr val="dk1"/>
-              </a:buClr>
-              <a:buSzPts val="1400"/>
-              <a:buFont typeface="Arial"/>
-              <a:buNone/>
-              <a:defRPr sz="1400" b="0" i="0" u="none" strike="noStrike" cap="none">
-                <a:solidFill>
-                  <a:schemeClr val="dk1"/>
-                </a:solidFill>
-                <a:latin typeface="Calibri"/>
-                <a:ea typeface="Calibri"/>
-                <a:cs typeface="Calibri"/>
-                <a:sym typeface="Calibri"/>
-              </a:defRPr>
-            </a:lvl2pPr>
-            <a:lvl3pPr marL="1371600" marR="0" lvl="2" indent="-228600" algn="l" rtl="0">
-              <a:lnSpc>
-                <a:spcPct val="90000"/>
-              </a:lnSpc>
-              <a:spcBef>
-                <a:spcPts val="500"/>
-              </a:spcBef>
-              <a:spcAft>
-                <a:spcPts val="0"/>
-              </a:spcAft>
-              <a:buClr>
-                <a:schemeClr val="dk1"/>
-              </a:buClr>
-              <a:buSzPts val="1200"/>
-              <a:buFont typeface="Arial"/>
-              <a:buNone/>
-              <a:defRPr sz="1200" b="0" i="0" u="none" strike="noStrike" cap="none">
-                <a:solidFill>
-                  <a:schemeClr val="dk1"/>
-                </a:solidFill>
-                <a:latin typeface="Calibri"/>
-                <a:ea typeface="Calibri"/>
-                <a:cs typeface="Calibri"/>
-                <a:sym typeface="Calibri"/>
-              </a:defRPr>
-            </a:lvl3pPr>
-            <a:lvl4pPr marL="1828800" marR="0" lvl="3" indent="-228600" algn="l" rtl="0">
-              <a:lnSpc>
-                <a:spcPct val="90000"/>
-              </a:lnSpc>
-              <a:spcBef>
-                <a:spcPts val="500"/>
-              </a:spcBef>
-              <a:spcAft>
-                <a:spcPts val="0"/>
-              </a:spcAft>
-              <a:buClr>
-                <a:schemeClr val="dk1"/>
-              </a:buClr>
-              <a:buSzPts val="1000"/>
-              <a:buFont typeface="Arial"/>
-              <a:buNone/>
-              <a:defRPr sz="1000" b="0" i="0" u="none" strike="noStrike" cap="none">
-                <a:solidFill>
-                  <a:schemeClr val="dk1"/>
-                </a:solidFill>
-                <a:latin typeface="Calibri"/>
-                <a:ea typeface="Calibri"/>
-                <a:cs typeface="Calibri"/>
-                <a:sym typeface="Calibri"/>
-              </a:defRPr>
-            </a:lvl4pPr>
-            <a:lvl5pPr marL="2286000" marR="0" lvl="4" indent="-228600" algn="l" rtl="0">
-              <a:lnSpc>
-                <a:spcPct val="90000"/>
-              </a:lnSpc>
-              <a:spcBef>
-                <a:spcPts val="500"/>
-              </a:spcBef>
-              <a:spcAft>
-                <a:spcPts val="0"/>
-              </a:spcAft>
-              <a:buClr>
-                <a:schemeClr val="dk1"/>
-              </a:buClr>
-              <a:buSzPts val="1000"/>
-              <a:buFont typeface="Arial"/>
-              <a:buNone/>
-              <a:defRPr sz="1000" b="0" i="0" u="none" strike="noStrike" cap="none">
-                <a:solidFill>
-                  <a:schemeClr val="dk1"/>
-                </a:solidFill>
-                <a:latin typeface="Calibri"/>
-                <a:ea typeface="Calibri"/>
-                <a:cs typeface="Calibri"/>
-                <a:sym typeface="Calibri"/>
-              </a:defRPr>
-            </a:lvl5pPr>
-            <a:lvl6pPr marL="2743200" marR="0" lvl="5" indent="-228600" algn="l" rtl="0">
-              <a:lnSpc>
-                <a:spcPct val="90000"/>
-              </a:lnSpc>
-              <a:spcBef>
-                <a:spcPts val="500"/>
-              </a:spcBef>
-              <a:spcAft>
-                <a:spcPts val="0"/>
-              </a:spcAft>
-              <a:buClr>
-                <a:schemeClr val="dk1"/>
-              </a:buClr>
-              <a:buSzPts val="1000"/>
-              <a:buFont typeface="Arial"/>
-              <a:buNone/>
-              <a:defRPr sz="1000" b="0" i="0" u="none" strike="noStrike" cap="none">
-                <a:solidFill>
-                  <a:schemeClr val="dk1"/>
-                </a:solidFill>
-                <a:latin typeface="Calibri"/>
-                <a:ea typeface="Calibri"/>
-                <a:cs typeface="Calibri"/>
-                <a:sym typeface="Calibri"/>
-              </a:defRPr>
-            </a:lvl6pPr>
-            <a:lvl7pPr marL="3200400" marR="0" lvl="6" indent="-228600" algn="l" rtl="0">
-              <a:lnSpc>
-                <a:spcPct val="90000"/>
-              </a:lnSpc>
-              <a:spcBef>
-                <a:spcPts val="500"/>
-              </a:spcBef>
-              <a:spcAft>
-                <a:spcPts val="0"/>
-              </a:spcAft>
-              <a:buClr>
-                <a:schemeClr val="dk1"/>
-              </a:buClr>
-              <a:buSzPts val="1000"/>
-              <a:buFont typeface="Arial"/>
-              <a:buNone/>
-              <a:defRPr sz="1000" b="0" i="0" u="none" strike="noStrike" cap="none">
-                <a:solidFill>
-                  <a:schemeClr val="dk1"/>
-                </a:solidFill>
-                <a:latin typeface="Calibri"/>
-                <a:ea typeface="Calibri"/>
-                <a:cs typeface="Calibri"/>
-                <a:sym typeface="Calibri"/>
-              </a:defRPr>
-            </a:lvl7pPr>
-            <a:lvl8pPr marL="3657600" marR="0" lvl="7" indent="-228600" algn="l" rtl="0">
-              <a:lnSpc>
-                <a:spcPct val="90000"/>
-              </a:lnSpc>
-              <a:spcBef>
-                <a:spcPts val="500"/>
-              </a:spcBef>
-              <a:spcAft>
-                <a:spcPts val="0"/>
-              </a:spcAft>
-              <a:buClr>
-                <a:schemeClr val="dk1"/>
-              </a:buClr>
-              <a:buSzPts val="1000"/>
-              <a:buFont typeface="Arial"/>
-              <a:buNone/>
-              <a:defRPr sz="1000" b="0" i="0" u="none" strike="noStrike" cap="none">
-                <a:solidFill>
-                  <a:schemeClr val="dk1"/>
-                </a:solidFill>
-                <a:latin typeface="Calibri"/>
-                <a:ea typeface="Calibri"/>
-                <a:cs typeface="Calibri"/>
-                <a:sym typeface="Calibri"/>
-              </a:defRPr>
-            </a:lvl8pPr>
-            <a:lvl9pPr marL="4114800" marR="0" lvl="8" indent="-228600" algn="l" rtl="0">
-              <a:lnSpc>
-                <a:spcPct val="90000"/>
-              </a:lnSpc>
-              <a:spcBef>
-                <a:spcPts val="500"/>
-              </a:spcBef>
-              <a:spcAft>
-                <a:spcPts val="0"/>
-              </a:spcAft>
-              <a:buClr>
-                <a:schemeClr val="dk1"/>
-              </a:buClr>
-              <a:buSzPts val="1000"/>
-              <a:buFont typeface="Arial"/>
-              <a:buNone/>
-              <a:defRPr sz="1000" b="0" i="0" u="none" strike="noStrike" cap="none">
-                <a:solidFill>
-                  <a:schemeClr val="dk1"/>
-                </a:solidFill>
-                <a:latin typeface="Calibri"/>
-                <a:ea typeface="Calibri"/>
-                <a:cs typeface="Calibri"/>
-                <a:sym typeface="Calibri"/>
-              </a:defRPr>
-            </a:lvl9pPr>
-          </a:lstStyle>
-          <a:p>
-            <a:r>
-              <a:rPr lang="en-GB" sz="2000" b="1" dirty="0">
-                <a:latin typeface="Times New Roman" panose="02020603050405020304" pitchFamily="18" charset="0"/>
-                <a:cs typeface="Times New Roman" panose="02020603050405020304" pitchFamily="18" charset="0"/>
-              </a:rPr>
-              <a:t>Key Insights:</a:t>
-            </a:r>
-          </a:p>
-          <a:p>
-            <a:pPr marL="514350" indent="-285750" algn="just">
-              <a:buFont typeface="Arial" panose="020B0604020202020204" pitchFamily="34" charset="0"/>
-              <a:buChar char="•"/>
-            </a:pPr>
-            <a:r>
-              <a:rPr lang="en-US" sz="1800" dirty="0">
-                <a:latin typeface="Times New Roman" panose="02020603050405020304" pitchFamily="18" charset="0"/>
-                <a:cs typeface="Times New Roman" panose="02020603050405020304" pitchFamily="18" charset="0"/>
-              </a:rPr>
-              <a:t>A clear positive correlation shows that larger TVs (≥ 55 inches) consistently feature higher-than-average sound output.</a:t>
-            </a:r>
-            <a:endParaRPr lang="en-GB" sz="1800" dirty="0">
-              <a:latin typeface="Times New Roman" panose="02020603050405020304" pitchFamily="18" charset="0"/>
-              <a:cs typeface="Times New Roman" panose="02020603050405020304" pitchFamily="18" charset="0"/>
-            </a:endParaRPr>
-          </a:p>
-        </p:txBody>
-      </p:sp>
-      <p:pic>
-        <p:nvPicPr>
-          <p:cNvPr id="9" name="Picture 8">
-            <a:extLst>
-              <a:ext uri="{FF2B5EF4-FFF2-40B4-BE49-F238E27FC236}">
-                <a16:creationId xmlns:a16="http://schemas.microsoft.com/office/drawing/2014/main" xmlns="" id="{D0306D10-C26C-A93F-80C0-B730A2923F14}"/>
-              </a:ext>
-            </a:extLst>
-          </p:cNvPr>
-          <p:cNvPicPr>
-            <a:picLocks noChangeAspect="1"/>
-          </p:cNvPicPr>
-          <p:nvPr/>
-        </p:nvPicPr>
-        <p:blipFill>
-          <a:blip r:embed="rId2"/>
-          <a:stretch>
-            <a:fillRect/>
-          </a:stretch>
-        </p:blipFill>
-        <p:spPr>
-          <a:xfrm>
-            <a:off x="459944" y="658735"/>
-            <a:ext cx="4761641" cy="2450754"/>
-          </a:xfrm>
-          <a:prstGeom prst="rect">
-            <a:avLst/>
-          </a:prstGeom>
-        </p:spPr>
-      </p:pic>
-      <p:pic>
-        <p:nvPicPr>
-          <p:cNvPr id="11" name="Picture 10">
-            <a:extLst>
-              <a:ext uri="{FF2B5EF4-FFF2-40B4-BE49-F238E27FC236}">
-                <a16:creationId xmlns:a16="http://schemas.microsoft.com/office/drawing/2014/main" xmlns="" id="{2444520E-C720-250F-A710-7A9C420B229C}"/>
-              </a:ext>
-            </a:extLst>
-          </p:cNvPr>
-          <p:cNvPicPr>
-            <a:picLocks noChangeAspect="1"/>
-          </p:cNvPicPr>
-          <p:nvPr/>
-        </p:nvPicPr>
-        <p:blipFill>
-          <a:blip r:embed="rId3"/>
-          <a:stretch>
-            <a:fillRect/>
-          </a:stretch>
-        </p:blipFill>
-        <p:spPr>
-          <a:xfrm>
-            <a:off x="603564" y="3713335"/>
-            <a:ext cx="4469881" cy="2584843"/>
-          </a:xfrm>
-          <a:prstGeom prst="rect">
-            <a:avLst/>
-          </a:prstGeom>
-        </p:spPr>
-      </p:pic>
-    </p:spTree>
-    <p:extLst>
-      <p:ext uri="{BB962C8B-B14F-4D97-AF65-F5344CB8AC3E}">
-        <p14:creationId xmlns:p14="http://schemas.microsoft.com/office/powerpoint/2010/main" val="997584404"/>
-      </p:ext>
-    </p:extLst>
-  </p:cSld>
-  <p:clrMapOvr>
-    <a:masterClrMapping/>
-  </p:clrMapOvr>
-</p:sld>
-</file>
-
-<file path=ppt/slides/slide19.xml><?xml version="1.0" encoding="utf-8"?>
-<p:sld xmlns:a="http://schemas.openxmlformats.org/drawingml/2006/main" xmlns:r="http://schemas.openxmlformats.org/officeDocument/2006/relationships" xmlns:p="http://schemas.openxmlformats.org/presentationml/2006/main">
-  <p:cSld>
-    <p:spTree>
-      <p:nvGrpSpPr>
-        <p:cNvPr id="1" name=""/>
-        <p:cNvGrpSpPr/>
-        <p:nvPr/>
-      </p:nvGrpSpPr>
-      <p:grpSpPr>
-        <a:xfrm>
-          <a:off x="0" y="0"/>
-          <a:ext cx="0" cy="0"/>
-          <a:chOff x="0" y="0"/>
-          <a:chExt cx="0" cy="0"/>
-        </a:xfrm>
-      </p:grpSpPr>
       <p:pic>
         <p:nvPicPr>
           <p:cNvPr id="3" name="Picture 2">
             <a:extLst>
               <a:ext uri="{FF2B5EF4-FFF2-40B4-BE49-F238E27FC236}">
-                <a16:creationId xmlns:a16="http://schemas.microsoft.com/office/drawing/2014/main" xmlns="" id="{76E2663D-E082-4E5E-ABCB-1679E181B431}"/>
+                <a16:creationId xmlns="" xmlns:a16="http://schemas.microsoft.com/office/drawing/2014/main" id="{76E2663D-E082-4E5E-ABCB-1679E181B431}"/>
               </a:ext>
             </a:extLst>
           </p:cNvPr>
@@ -16608,12 +14051,129 @@
           </a:prstGeom>
         </p:spPr>
       </p:pic>
+      <p:sp>
+        <p:nvSpPr>
+          <p:cNvPr id="4" name="TextBox 3">
+            <a:extLst>
+              <a:ext uri="{FF2B5EF4-FFF2-40B4-BE49-F238E27FC236}">
+                <a16:creationId xmlns="" xmlns:a16="http://schemas.microsoft.com/office/drawing/2014/main" id="{A6403365-5001-40C0-86B9-7EDCDD8EFA14}"/>
+              </a:ext>
+            </a:extLst>
+          </p:cNvPr>
+          <p:cNvSpPr txBox="1"/>
+          <p:nvPr/>
+        </p:nvSpPr>
+        <p:spPr>
+          <a:xfrm>
+            <a:off x="5188710" y="808736"/>
+            <a:ext cx="6983080" cy="2246769"/>
+          </a:xfrm>
+          <a:prstGeom prst="rect">
+            <a:avLst/>
+          </a:prstGeom>
+          <a:noFill/>
+        </p:spPr>
+        <p:txBody>
+          <a:bodyPr wrap="square" rtlCol="0">
+            <a:spAutoFit/>
+          </a:bodyPr>
+          <a:lstStyle/>
+          <a:p>
+            <a:r>
+              <a:rPr lang="en-GB" sz="2000" b="1" dirty="0">
+                <a:latin typeface="Times New Roman" panose="02020603050405020304" pitchFamily="18" charset="0"/>
+                <a:cs typeface="Times New Roman" panose="02020603050405020304" pitchFamily="18" charset="0"/>
+              </a:rPr>
+              <a:t>Key Insights:</a:t>
+            </a:r>
+          </a:p>
+          <a:p>
+            <a:pPr marL="457200" indent="-457200">
+              <a:buFont typeface="+mj-lt"/>
+              <a:buAutoNum type="arabicPeriod"/>
+            </a:pPr>
+            <a:r>
+              <a:rPr lang="en-US" sz="2000" dirty="0">
+                <a:latin typeface="Times New Roman" panose="02020603050405020304" pitchFamily="18" charset="0"/>
+                <a:cs typeface="Times New Roman" panose="02020603050405020304" pitchFamily="18" charset="0"/>
+              </a:rPr>
+              <a:t>Generally, larger average screen sizes correlate with higher average prices (e.g., Acer).</a:t>
+            </a:r>
+          </a:p>
+          <a:p>
+            <a:pPr marL="457200" indent="-457200">
+              <a:buFont typeface="+mj-lt"/>
+              <a:buAutoNum type="arabicPeriod"/>
+            </a:pPr>
+            <a:r>
+              <a:rPr lang="en-US" sz="2000" dirty="0">
+                <a:latin typeface="Times New Roman" panose="02020603050405020304" pitchFamily="18" charset="0"/>
+                <a:cs typeface="Times New Roman" panose="02020603050405020304" pitchFamily="18" charset="0"/>
+              </a:rPr>
+              <a:t>This correlation isn't perfect, as Admiral offers a 43.0" size for the lowest price in the group.</a:t>
+            </a:r>
+          </a:p>
+          <a:p>
+            <a:pPr marL="457200" indent="-457200">
+              <a:buFont typeface="+mj-lt"/>
+              <a:buAutoNum type="arabicPeriod"/>
+            </a:pPr>
+            <a:r>
+              <a:rPr lang="en-US" sz="2000" dirty="0">
+                <a:latin typeface="Times New Roman" panose="02020603050405020304" pitchFamily="18" charset="0"/>
+                <a:cs typeface="Times New Roman" panose="02020603050405020304" pitchFamily="18" charset="0"/>
+              </a:rPr>
+              <a:t>Price isn't determined by size alone; BPL's small 39.25" TV costs more than Admiral's (43.0") and BESTON's (47.4").</a:t>
+            </a:r>
+          </a:p>
+        </p:txBody>
+      </p:sp>
+      <p:sp>
+        <p:nvSpPr>
+          <p:cNvPr id="5" name="TextBox 4">
+            <a:extLst>
+              <a:ext uri="{FF2B5EF4-FFF2-40B4-BE49-F238E27FC236}">
+                <a16:creationId xmlns="" xmlns:a16="http://schemas.microsoft.com/office/drawing/2014/main" id="{912ED382-D043-4E50-BFAE-FF0CBCFD5892}"/>
+              </a:ext>
+            </a:extLst>
+          </p:cNvPr>
+          <p:cNvSpPr txBox="1"/>
+          <p:nvPr/>
+        </p:nvSpPr>
+        <p:spPr>
+          <a:xfrm>
+            <a:off x="361885" y="3104397"/>
+            <a:ext cx="9653653" cy="461665"/>
+          </a:xfrm>
+          <a:prstGeom prst="rect">
+            <a:avLst/>
+          </a:prstGeom>
+          <a:noFill/>
+        </p:spPr>
+        <p:txBody>
+          <a:bodyPr wrap="square">
+            <a:spAutoFit/>
+          </a:bodyPr>
+          <a:lstStyle/>
+          <a:p>
+            <a:r>
+              <a:rPr lang="en-US" sz="2400" b="1" dirty="0">
+                <a:solidFill>
+                  <a:srgbClr val="C00000"/>
+                </a:solidFill>
+                <a:latin typeface="Bahnschrift Light Condensed" panose="020B0502040204020203" pitchFamily="34" charset="0"/>
+              </a:rPr>
+              <a:t>Do TVs with longer warranties receive better ratings?</a:t>
+            </a:r>
+          </a:p>
+        </p:txBody>
+      </p:sp>
       <p:pic>
         <p:nvPicPr>
-          <p:cNvPr id="5" name="Picture 4">
+          <p:cNvPr id="6" name="Picture 5">
             <a:extLst>
               <a:ext uri="{FF2B5EF4-FFF2-40B4-BE49-F238E27FC236}">
-                <a16:creationId xmlns:a16="http://schemas.microsoft.com/office/drawing/2014/main" xmlns="" id="{8CC507E3-9E51-474B-9EFD-9EF2759D4710}"/>
+                <a16:creationId xmlns="" xmlns:a16="http://schemas.microsoft.com/office/drawing/2014/main" id="{8CC507E3-9E51-474B-9EFD-9EF2759D4710}"/>
               </a:ext>
             </a:extLst>
           </p:cNvPr>
@@ -16643,7 +14203,7 @@
           <p:cNvPr id="7" name="TextBox 6">
             <a:extLst>
               <a:ext uri="{FF2B5EF4-FFF2-40B4-BE49-F238E27FC236}">
-                <a16:creationId xmlns:a16="http://schemas.microsoft.com/office/drawing/2014/main" xmlns="" id="{912ED382-D043-4E50-BFAE-FF0CBCFD5892}"/>
+                <a16:creationId xmlns="" xmlns:a16="http://schemas.microsoft.com/office/drawing/2014/main" id="{FAF7D233-8B73-4A53-9DDF-D63DECE3B562}"/>
               </a:ext>
             </a:extLst>
           </p:cNvPr>
@@ -16652,8 +14212,8 @@
         </p:nvSpPr>
         <p:spPr>
           <a:xfrm>
-            <a:off x="361884" y="3160811"/>
-            <a:ext cx="9653653" cy="461665"/>
+            <a:off x="5019962" y="3649762"/>
+            <a:ext cx="6983080" cy="2554545"/>
           </a:xfrm>
           <a:prstGeom prst="rect">
             <a:avLst/>
@@ -16666,163 +14226,6 @@
           </a:bodyPr>
           <a:lstStyle/>
           <a:p>
-            <a:r>
-              <a:rPr lang="en-US" sz="2400" dirty="0">
-                <a:solidFill>
-                  <a:srgbClr val="FF0000"/>
-                </a:solidFill>
-                <a:latin typeface="Algerian" panose="04020705040A02060702" pitchFamily="82" charset="0"/>
-              </a:rPr>
-              <a:t>Do TVs with longer warranties receive better ratings?</a:t>
-            </a:r>
-          </a:p>
-        </p:txBody>
-      </p:sp>
-      <p:sp>
-        <p:nvSpPr>
-          <p:cNvPr id="9" name="TextBox 8">
-            <a:extLst>
-              <a:ext uri="{FF2B5EF4-FFF2-40B4-BE49-F238E27FC236}">
-                <a16:creationId xmlns:a16="http://schemas.microsoft.com/office/drawing/2014/main" xmlns="" id="{E72195C9-5731-499A-A341-13529404AA05}"/>
-              </a:ext>
-            </a:extLst>
-          </p:cNvPr>
-          <p:cNvSpPr txBox="1"/>
-          <p:nvPr/>
-        </p:nvSpPr>
-        <p:spPr>
-          <a:xfrm>
-            <a:off x="361884" y="322138"/>
-            <a:ext cx="11830115" cy="461665"/>
-          </a:xfrm>
-          <a:prstGeom prst="rect">
-            <a:avLst/>
-          </a:prstGeom>
-          <a:noFill/>
-        </p:spPr>
-        <p:txBody>
-          <a:bodyPr wrap="square">
-            <a:spAutoFit/>
-          </a:bodyPr>
-          <a:lstStyle/>
-          <a:p>
-            <a:r>
-              <a:rPr lang="en-US" sz="2400" dirty="0">
-                <a:solidFill>
-                  <a:srgbClr val="FF0000"/>
-                </a:solidFill>
-                <a:latin typeface="Algerian" panose="04020705040A02060702" pitchFamily="82" charset="0"/>
-              </a:rPr>
-              <a:t>How does price vary across screen sizes within each brand?</a:t>
-            </a:r>
-          </a:p>
-        </p:txBody>
-      </p:sp>
-      <p:sp>
-        <p:nvSpPr>
-          <p:cNvPr id="11" name="TextBox 10">
-            <a:extLst>
-              <a:ext uri="{FF2B5EF4-FFF2-40B4-BE49-F238E27FC236}">
-                <a16:creationId xmlns:a16="http://schemas.microsoft.com/office/drawing/2014/main" xmlns="" id="{A6403365-5001-40C0-86B9-7EDCDD8EFA14}"/>
-              </a:ext>
-            </a:extLst>
-          </p:cNvPr>
-          <p:cNvSpPr txBox="1"/>
-          <p:nvPr/>
-        </p:nvSpPr>
-        <p:spPr>
-          <a:xfrm>
-            <a:off x="5188710" y="808736"/>
-            <a:ext cx="6983080" cy="2246769"/>
-          </a:xfrm>
-          <a:prstGeom prst="rect">
-            <a:avLst/>
-          </a:prstGeom>
-          <a:noFill/>
-        </p:spPr>
-        <p:txBody>
-          <a:bodyPr wrap="square" rtlCol="0">
-            <a:spAutoFit/>
-          </a:bodyPr>
-          <a:lstStyle/>
-          <a:p>
-            <a:r>
-              <a:rPr lang="en-GB" sz="2000" b="1" dirty="0">
-                <a:latin typeface="Times New Roman" panose="02020603050405020304" pitchFamily="18" charset="0"/>
-                <a:cs typeface="Times New Roman" panose="02020603050405020304" pitchFamily="18" charset="0"/>
-              </a:rPr>
-              <a:t>Key Insights:</a:t>
-            </a:r>
-          </a:p>
-          <a:p>
-            <a:pPr marL="457200" indent="-457200">
-              <a:buFont typeface="+mj-lt"/>
-              <a:buAutoNum type="arabicPeriod"/>
-            </a:pPr>
-            <a:r>
-              <a:rPr lang="en-US" sz="2000" dirty="0">
-                <a:latin typeface="Times New Roman" panose="02020603050405020304" pitchFamily="18" charset="0"/>
-                <a:cs typeface="Times New Roman" panose="02020603050405020304" pitchFamily="18" charset="0"/>
-              </a:rPr>
-              <a:t>Generally, larger average screen sizes correlate with higher average prices (e.g., Acer).</a:t>
-            </a:r>
-          </a:p>
-          <a:p>
-            <a:pPr marL="457200" indent="-457200">
-              <a:buFont typeface="+mj-lt"/>
-              <a:buAutoNum type="arabicPeriod"/>
-            </a:pPr>
-            <a:r>
-              <a:rPr lang="en-US" sz="2000" dirty="0">
-                <a:latin typeface="Times New Roman" panose="02020603050405020304" pitchFamily="18" charset="0"/>
-                <a:cs typeface="Times New Roman" panose="02020603050405020304" pitchFamily="18" charset="0"/>
-              </a:rPr>
-              <a:t>This correlation isn't perfect, as Admiral offers a 43.0" size for the lowest price in the group.</a:t>
-            </a:r>
-          </a:p>
-          <a:p>
-            <a:pPr marL="457200" indent="-457200">
-              <a:buFont typeface="+mj-lt"/>
-              <a:buAutoNum type="arabicPeriod"/>
-            </a:pPr>
-            <a:r>
-              <a:rPr lang="en-US" sz="2000" dirty="0">
-                <a:latin typeface="Times New Roman" panose="02020603050405020304" pitchFamily="18" charset="0"/>
-                <a:cs typeface="Times New Roman" panose="02020603050405020304" pitchFamily="18" charset="0"/>
-              </a:rPr>
-              <a:t>Price isn't determined by size alone; BPL's small 39.25" TV costs more than Admiral's (43.0") and BESTON's (47.4").</a:t>
-            </a:r>
-          </a:p>
-        </p:txBody>
-      </p:sp>
-      <p:sp>
-        <p:nvSpPr>
-          <p:cNvPr id="16" name="TextBox 15">
-            <a:extLst>
-              <a:ext uri="{FF2B5EF4-FFF2-40B4-BE49-F238E27FC236}">
-                <a16:creationId xmlns:a16="http://schemas.microsoft.com/office/drawing/2014/main" xmlns="" id="{FAF7D233-8B73-4A53-9DDF-D63DECE3B562}"/>
-              </a:ext>
-            </a:extLst>
-          </p:cNvPr>
-          <p:cNvSpPr txBox="1"/>
-          <p:nvPr/>
-        </p:nvSpPr>
-        <p:spPr>
-          <a:xfrm>
-            <a:off x="4847035" y="3881670"/>
-            <a:ext cx="6983080" cy="2246769"/>
-          </a:xfrm>
-          <a:prstGeom prst="rect">
-            <a:avLst/>
-          </a:prstGeom>
-          <a:noFill/>
-        </p:spPr>
-        <p:txBody>
-          <a:bodyPr wrap="square">
-            <a:spAutoFit/>
-          </a:bodyPr>
-          <a:lstStyle/>
-          <a:p>
             <a:pPr algn="just"/>
             <a:r>
               <a:rPr lang="en-GB" sz="2000" b="1" dirty="0">
@@ -16842,177 +14245,97 @@
                 <a:latin typeface="Times New Roman" panose="02020603050405020304" pitchFamily="18" charset="0"/>
                 <a:cs typeface="Times New Roman" panose="02020603050405020304" pitchFamily="18" charset="0"/>
               </a:rPr>
-              <a:t>The data strongly suggests a link between warranty length and customer </a:t>
-            </a:r>
-            <a:r>
-              <a:rPr lang="en-US" sz="2000" dirty="0" err="1">
-                <a:latin typeface="Times New Roman" panose="02020603050405020304" pitchFamily="18" charset="0"/>
-                <a:cs typeface="Times New Roman" panose="02020603050405020304" pitchFamily="18" charset="0"/>
-              </a:rPr>
-              <a:t>satisfaction.Short</a:t>
+              <a:t>The data strongly suggests a link between warranty length and </a:t>
+            </a:r>
+            <a:r>
+              <a:rPr lang="en-US" sz="2000" dirty="0" smtClean="0">
+                <a:latin typeface="Times New Roman" panose="02020603050405020304" pitchFamily="18" charset="0"/>
+                <a:cs typeface="Times New Roman" panose="02020603050405020304" pitchFamily="18" charset="0"/>
+              </a:rPr>
+              <a:t>customer satisfaction. </a:t>
+            </a:r>
+          </a:p>
+          <a:p>
+            <a:pPr marL="342900" indent="-342900" algn="just">
+              <a:buFont typeface="+mj-lt"/>
+              <a:buAutoNum type="arabicPeriod"/>
+            </a:pPr>
+            <a:r>
+              <a:rPr lang="en-US" sz="2000" dirty="0" smtClean="0">
+                <a:latin typeface="Times New Roman" panose="02020603050405020304" pitchFamily="18" charset="0"/>
+                <a:cs typeface="Times New Roman" panose="02020603050405020304" pitchFamily="18" charset="0"/>
+              </a:rPr>
+              <a:t>Short-warranty </a:t>
             </a:r>
             <a:r>
               <a:rPr lang="en-US" sz="2000" dirty="0">
                 <a:latin typeface="Times New Roman" panose="02020603050405020304" pitchFamily="18" charset="0"/>
                 <a:cs typeface="Times New Roman" panose="02020603050405020304" pitchFamily="18" charset="0"/>
               </a:rPr>
-              <a:t>-warranty TVs (&lt;3 years) have widely spread ratings (3.0-5.0) centered around 4.2.Long-warranty TVs (≥3 years) have a higher median rating (around 4.5) and a tighter, more consistent distribution, indicating they are more reliable high-performers..</a:t>
-            </a:r>
+              <a:t>TVs (&lt;3 years) have widely spread ratings (3.0-5.0) centered around 4.2</a:t>
+            </a:r>
+            <a:r>
+              <a:rPr lang="en-US" sz="2000" dirty="0" smtClean="0">
+                <a:latin typeface="Times New Roman" panose="02020603050405020304" pitchFamily="18" charset="0"/>
+                <a:cs typeface="Times New Roman" panose="02020603050405020304" pitchFamily="18" charset="0"/>
+              </a:rPr>
+              <a:t>.</a:t>
+            </a:r>
+          </a:p>
+          <a:p>
+            <a:pPr marL="342900" indent="-342900" algn="just">
+              <a:buFont typeface="+mj-lt"/>
+              <a:buAutoNum type="arabicPeriod"/>
+            </a:pPr>
+            <a:r>
+              <a:rPr lang="en-US" sz="2000" dirty="0" smtClean="0">
+                <a:latin typeface="Times New Roman" panose="02020603050405020304" pitchFamily="18" charset="0"/>
+                <a:cs typeface="Times New Roman" panose="02020603050405020304" pitchFamily="18" charset="0"/>
+              </a:rPr>
+              <a:t>Long-warranty </a:t>
+            </a:r>
+            <a:r>
+              <a:rPr lang="en-US" sz="2000" dirty="0">
+                <a:latin typeface="Times New Roman" panose="02020603050405020304" pitchFamily="18" charset="0"/>
+                <a:cs typeface="Times New Roman" panose="02020603050405020304" pitchFamily="18" charset="0"/>
+              </a:rPr>
+              <a:t>TVs (≥3 years) have a higher median rating (around 4.5) and a tighter, more consistent distribution, indicating they are more reliable high-performers</a:t>
+            </a:r>
+            <a:r>
+              <a:rPr lang="en-US" sz="2000" dirty="0" smtClean="0">
+                <a:latin typeface="Times New Roman" panose="02020603050405020304" pitchFamily="18" charset="0"/>
+                <a:cs typeface="Times New Roman" panose="02020603050405020304" pitchFamily="18" charset="0"/>
+              </a:rPr>
+              <a:t>.</a:t>
+            </a:r>
+            <a:endParaRPr lang="en-US" sz="2000" dirty="0">
+              <a:latin typeface="Times New Roman" panose="02020603050405020304" pitchFamily="18" charset="0"/>
+              <a:cs typeface="Times New Roman" panose="02020603050405020304" pitchFamily="18" charset="0"/>
+            </a:endParaRPr>
           </a:p>
         </p:txBody>
       </p:sp>
     </p:spTree>
     <p:extLst>
       <p:ext uri="{BB962C8B-B14F-4D97-AF65-F5344CB8AC3E}">
-        <p14:creationId xmlns:p14="http://schemas.microsoft.com/office/powerpoint/2010/main" val="1207434261"/>
+        <p14:creationId xmlns:p14="http://schemas.microsoft.com/office/powerpoint/2010/main" val="2373333878"/>
       </p:ext>
     </p:extLst>
   </p:cSld>
   <p:clrMapOvr>
     <a:masterClrMapping/>
   </p:clrMapOvr>
+  <p:timing>
+    <p:tnLst>
+      <p:par>
+        <p:cTn id="1" dur="indefinite" restart="never" nodeType="tmRoot"/>
+      </p:par>
+    </p:tnLst>
+  </p:timing>
 </p:sld>
 </file>
 
-<file path=ppt/slides/slide2.xml><?xml version="1.0" encoding="utf-8"?>
-<p:sld xmlns:a="http://schemas.openxmlformats.org/drawingml/2006/main" xmlns:r="http://schemas.openxmlformats.org/officeDocument/2006/relationships" xmlns:p="http://schemas.openxmlformats.org/presentationml/2006/main">
-  <p:cSld>
-    <p:spTree>
-      <p:nvGrpSpPr>
-        <p:cNvPr id="1" name="Shape 103"/>
-        <p:cNvGrpSpPr/>
-        <p:nvPr/>
-      </p:nvGrpSpPr>
-      <p:grpSpPr>
-        <a:xfrm>
-          <a:off x="0" y="0"/>
-          <a:ext cx="0" cy="0"/>
-          <a:chOff x="0" y="0"/>
-          <a:chExt cx="0" cy="0"/>
-        </a:xfrm>
-      </p:grpSpPr>
-      <p:sp>
-        <p:nvSpPr>
-          <p:cNvPr id="2" name="TextBox 1">
-            <a:extLst>
-              <a:ext uri="{FF2B5EF4-FFF2-40B4-BE49-F238E27FC236}">
-                <a16:creationId xmlns:a16="http://schemas.microsoft.com/office/drawing/2014/main" xmlns="" id="{4013C385-B5D0-4597-AD67-99530B1A77C6}"/>
-              </a:ext>
-            </a:extLst>
-          </p:cNvPr>
-          <p:cNvSpPr txBox="1"/>
-          <p:nvPr/>
-        </p:nvSpPr>
-        <p:spPr>
-          <a:xfrm>
-            <a:off x="557214" y="521314"/>
-            <a:ext cx="5472112" cy="646331"/>
-          </a:xfrm>
-          <a:prstGeom prst="rect">
-            <a:avLst/>
-          </a:prstGeom>
-          <a:noFill/>
-        </p:spPr>
-        <p:txBody>
-          <a:bodyPr wrap="square" rtlCol="0">
-            <a:spAutoFit/>
-          </a:bodyPr>
-          <a:lstStyle/>
-          <a:p>
-            <a:r>
-              <a:rPr lang="en-US" sz="3600" b="1" dirty="0">
-                <a:solidFill>
-                  <a:srgbClr val="C00000"/>
-                </a:solidFill>
-                <a:latin typeface="Algerian" panose="04020705040A02060702" pitchFamily="82" charset="0"/>
-                <a:cs typeface="Times New Roman" panose="02020603050405020304" pitchFamily="18" charset="0"/>
-              </a:rPr>
-              <a:t>INTRODUCTION</a:t>
-            </a:r>
-          </a:p>
-        </p:txBody>
-      </p:sp>
-      <p:sp>
-        <p:nvSpPr>
-          <p:cNvPr id="3" name="TextBox 2">
-            <a:extLst>
-              <a:ext uri="{FF2B5EF4-FFF2-40B4-BE49-F238E27FC236}">
-                <a16:creationId xmlns:a16="http://schemas.microsoft.com/office/drawing/2014/main" xmlns="" id="{3C72A81C-8F03-4C98-B7D0-CF08C17F6B32}"/>
-              </a:ext>
-            </a:extLst>
-          </p:cNvPr>
-          <p:cNvSpPr txBox="1"/>
-          <p:nvPr/>
-        </p:nvSpPr>
-        <p:spPr>
-          <a:xfrm>
-            <a:off x="557214" y="1443038"/>
-            <a:ext cx="5029199" cy="5016758"/>
-          </a:xfrm>
-          <a:prstGeom prst="rect">
-            <a:avLst/>
-          </a:prstGeom>
-          <a:noFill/>
-        </p:spPr>
-        <p:txBody>
-          <a:bodyPr wrap="square" rtlCol="0">
-            <a:spAutoFit/>
-          </a:bodyPr>
-          <a:lstStyle/>
-          <a:p>
-            <a:pPr algn="just"/>
-            <a:r>
-              <a:rPr lang="en-US" sz="2000" dirty="0">
-                <a:latin typeface="Times New Roman" panose="02020603050405020304" pitchFamily="18" charset="0"/>
-                <a:cs typeface="Times New Roman" panose="02020603050405020304" pitchFamily="18" charset="0"/>
-              </a:rPr>
-              <a:t>The Smart TV market in India has become increasingly competitive, with numerous brands offering a wide range of models differing in size, technology, and price. Despite this variety, customers often face challenges in identifying the best value for their budget due to the overwhelming number of options and inconsistent feature listings. From a business analytics standpoint, understanding how different product attributes such as display type, resolution, and sound output affect pricing and customer satisfaction is crucial. This project aims to bridge that gap by analyzing Smart TV data from Flipkart to derive meaningful insights into market trends, feature impact, and consumer preference</a:t>
-            </a:r>
-          </a:p>
-        </p:txBody>
-      </p:sp>
-      <p:pic>
-        <p:nvPicPr>
-          <p:cNvPr id="5" name="Picture Placeholder 4">
-            <a:extLst>
-              <a:ext uri="{FF2B5EF4-FFF2-40B4-BE49-F238E27FC236}">
-                <a16:creationId xmlns:a16="http://schemas.microsoft.com/office/drawing/2014/main" xmlns="" id="{F1C5D748-5A2F-471D-8315-626569D64DFE}"/>
-              </a:ext>
-            </a:extLst>
-          </p:cNvPr>
-          <p:cNvPicPr>
-            <a:picLocks noGrp="1" noChangeAspect="1"/>
-          </p:cNvPicPr>
-          <p:nvPr>
-            <p:ph type="pic" idx="2"/>
-          </p:nvPr>
-        </p:nvPicPr>
-        <p:blipFill>
-          <a:blip r:embed="rId3"/>
-          <a:srcRect t="3216" b="3216"/>
-          <a:stretch>
-            <a:fillRect/>
-          </a:stretch>
-        </p:blipFill>
-        <p:spPr>
-          <a:xfrm>
-            <a:off x="5868988" y="400050"/>
-            <a:ext cx="6046787" cy="5657850"/>
-          </a:xfrm>
-        </p:spPr>
-      </p:pic>
-    </p:spTree>
-  </p:cSld>
-  <p:clrMapOvr>
-    <a:masterClrMapping/>
-  </p:clrMapOvr>
-  <p:transition spd="slow">
-    <p:push dir="u"/>
-  </p:transition>
-</p:sld>
-</file>
-
-<file path=ppt/slides/slide20.xml><?xml version="1.0" encoding="utf-8"?>
+<file path=ppt/slides/slide18.xml><?xml version="1.0" encoding="utf-8"?>
 <p:sld xmlns:a="http://schemas.openxmlformats.org/drawingml/2006/main" xmlns:r="http://schemas.openxmlformats.org/officeDocument/2006/relationships" xmlns:p="http://schemas.openxmlformats.org/presentationml/2006/main">
   <p:cSld>
     <p:spTree>
@@ -17034,7 +14357,7 @@
           <p:cNvPr id="7" name="Title 4">
             <a:extLst>
               <a:ext uri="{FF2B5EF4-FFF2-40B4-BE49-F238E27FC236}">
-                <a16:creationId xmlns:a16="http://schemas.microsoft.com/office/drawing/2014/main" xmlns="" id="{56670AA4-D69D-41DB-B5C8-BD99A21F9F68}"/>
+                <a16:creationId xmlns="" xmlns:a16="http://schemas.microsoft.com/office/drawing/2014/main" id="{56670AA4-D69D-41DB-B5C8-BD99A21F9F68}"/>
               </a:ext>
             </a:extLst>
           </p:cNvPr>
@@ -17046,7 +14369,7 @@
         <p:spPr>
           <a:xfrm>
             <a:off x="757284" y="2679983"/>
-            <a:ext cx="4131587" cy="1325563"/>
+            <a:ext cx="6041868" cy="1325563"/>
           </a:xfrm>
           <a:prstGeom prst="rect">
             <a:avLst/>
@@ -17058,7 +14381,7 @@
         </p:spPr>
         <p:txBody>
           <a:bodyPr spcFirstLastPara="1" wrap="square" lIns="91425" tIns="45700" rIns="91425" bIns="45700" anchor="b" anchorCtr="0">
-            <a:normAutofit fontScale="75000" lnSpcReduction="20000"/>
+            <a:noAutofit/>
           </a:bodyPr>
           <a:lstStyle>
             <a:defPPr marR="0" lvl="0" algn="l" rtl="0">
@@ -17308,29 +14631,39 @@
             </a:lvl9pPr>
           </a:lstStyle>
           <a:p>
-            <a:r>
-              <a:rPr lang="en-US" sz="5400" dirty="0">
+            <a:pPr algn="l"/>
+            <a:r>
+              <a:rPr lang="en-US" sz="4900" dirty="0">
                 <a:solidFill>
                   <a:srgbClr val="C00000"/>
                 </a:solidFill>
-                <a:latin typeface="Algerian" panose="04020705040A02060702" pitchFamily="82" charset="0"/>
+                <a:latin typeface="Castellar" panose="020A0402060406010301" pitchFamily="18" charset="0"/>
               </a:rPr>
               <a:t>MuLtiVARIATE</a:t>
             </a:r>
+            <a:r>
+              <a:rPr lang="en-US" sz="4800" dirty="0">
+                <a:solidFill>
+                  <a:srgbClr val="C00000"/>
+                </a:solidFill>
+                <a:latin typeface="Castellar" panose="020A0402060406010301" pitchFamily="18" charset="0"/>
+              </a:rPr>
+              <a:t/>
+            </a:r>
             <a:br>
-              <a:rPr lang="en-US" sz="5400" dirty="0">
+              <a:rPr lang="en-US" sz="4800" dirty="0">
                 <a:solidFill>
                   <a:srgbClr val="C00000"/>
                 </a:solidFill>
-                <a:latin typeface="Algerian" panose="04020705040A02060702" pitchFamily="82" charset="0"/>
+                <a:latin typeface="Castellar" panose="020A0402060406010301" pitchFamily="18" charset="0"/>
               </a:rPr>
             </a:br>
             <a:r>
-              <a:rPr lang="en-US" sz="5400" dirty="0">
+              <a:rPr lang="en-US" sz="4800" dirty="0">
                 <a:solidFill>
                   <a:srgbClr val="C00000"/>
                 </a:solidFill>
-                <a:latin typeface="Algerian" panose="04020705040A02060702" pitchFamily="82" charset="0"/>
+                <a:latin typeface="Castellar" panose="020A0402060406010301" pitchFamily="18" charset="0"/>
               </a:rPr>
               <a:t>ANALYSIS</a:t>
             </a:r>
@@ -17490,7 +14823,7 @@
 </p:sld>
 </file>
 
-<file path=ppt/slides/slide21.xml><?xml version="1.0" encoding="utf-8"?>
+<file path=ppt/slides/slide19.xml><?xml version="1.0" encoding="utf-8"?>
 <p:sld xmlns:a="http://schemas.openxmlformats.org/drawingml/2006/main" xmlns:r="http://schemas.openxmlformats.org/officeDocument/2006/relationships" xmlns:p="http://schemas.openxmlformats.org/presentationml/2006/main">
   <p:cSld>
     <p:spTree>
@@ -17781,11 +15114,11 @@
           </a:lstStyle>
           <a:p>
             <a:r>
-              <a:rPr lang="en-GB" sz="2400" b="1" dirty="0">
+              <a:rPr lang="en-GB" sz="3200" b="1" dirty="0">
                 <a:solidFill>
                   <a:srgbClr val="C00000"/>
                 </a:solidFill>
-                <a:latin typeface="Algerian" panose="04020705040A02060702" pitchFamily="82" charset="0"/>
+                <a:latin typeface="Bahnschrift Light Condensed" panose="020B0502040204020203" pitchFamily="34" charset="0"/>
               </a:rPr>
               <a:t>Impact of Display Type and Resolution on Price Across Top Brands</a:t>
             </a:r>
@@ -18188,6 +15521,874 @@
   <p:clrMapOvr>
     <a:masterClrMapping/>
   </p:clrMapOvr>
+  <p:timing>
+    <p:tnLst>
+      <p:par>
+        <p:cTn id="1" dur="indefinite" restart="never" nodeType="tmRoot"/>
+      </p:par>
+    </p:tnLst>
+  </p:timing>
+</p:sld>
+</file>
+
+<file path=ppt/slides/slide2.xml><?xml version="1.0" encoding="utf-8"?>
+<p:sld xmlns:a="http://schemas.openxmlformats.org/drawingml/2006/main" xmlns:r="http://schemas.openxmlformats.org/officeDocument/2006/relationships" xmlns:p="http://schemas.openxmlformats.org/presentationml/2006/main">
+  <p:cSld>
+    <p:spTree>
+      <p:nvGrpSpPr>
+        <p:cNvPr id="1" name="Shape 103"/>
+        <p:cNvGrpSpPr/>
+        <p:nvPr/>
+      </p:nvGrpSpPr>
+      <p:grpSpPr>
+        <a:xfrm>
+          <a:off x="0" y="0"/>
+          <a:ext cx="0" cy="0"/>
+          <a:chOff x="0" y="0"/>
+          <a:chExt cx="0" cy="0"/>
+        </a:xfrm>
+      </p:grpSpPr>
+      <p:sp>
+        <p:nvSpPr>
+          <p:cNvPr id="2" name="TextBox 1">
+            <a:extLst>
+              <a:ext uri="{FF2B5EF4-FFF2-40B4-BE49-F238E27FC236}">
+                <a16:creationId xmlns="" xmlns:a16="http://schemas.microsoft.com/office/drawing/2014/main" id="{4013C385-B5D0-4597-AD67-99530B1A77C6}"/>
+              </a:ext>
+            </a:extLst>
+          </p:cNvPr>
+          <p:cNvSpPr txBox="1"/>
+          <p:nvPr/>
+        </p:nvSpPr>
+        <p:spPr>
+          <a:xfrm>
+            <a:off x="557214" y="521314"/>
+            <a:ext cx="5472112" cy="646331"/>
+          </a:xfrm>
+          <a:prstGeom prst="rect">
+            <a:avLst/>
+          </a:prstGeom>
+          <a:noFill/>
+        </p:spPr>
+        <p:txBody>
+          <a:bodyPr wrap="square" rtlCol="0">
+            <a:spAutoFit/>
+          </a:bodyPr>
+          <a:lstStyle/>
+          <a:p>
+            <a:r>
+              <a:rPr lang="en-US" sz="3600" b="1" dirty="0">
+                <a:solidFill>
+                  <a:srgbClr val="C00000"/>
+                </a:solidFill>
+                <a:latin typeface="Bahnschrift Light" panose="020B0502040204020203" pitchFamily="34" charset="0"/>
+                <a:cs typeface="Times New Roman" panose="02020603050405020304" pitchFamily="18" charset="0"/>
+              </a:rPr>
+              <a:t>INTRODUCTION</a:t>
+            </a:r>
+          </a:p>
+        </p:txBody>
+      </p:sp>
+      <p:sp>
+        <p:nvSpPr>
+          <p:cNvPr id="3" name="TextBox 2">
+            <a:extLst>
+              <a:ext uri="{FF2B5EF4-FFF2-40B4-BE49-F238E27FC236}">
+                <a16:creationId xmlns="" xmlns:a16="http://schemas.microsoft.com/office/drawing/2014/main" id="{3C72A81C-8F03-4C98-B7D0-CF08C17F6B32}"/>
+              </a:ext>
+            </a:extLst>
+          </p:cNvPr>
+          <p:cNvSpPr txBox="1"/>
+          <p:nvPr/>
+        </p:nvSpPr>
+        <p:spPr>
+          <a:xfrm>
+            <a:off x="412359" y="1457355"/>
+            <a:ext cx="5029199" cy="4801314"/>
+          </a:xfrm>
+          <a:prstGeom prst="rect">
+            <a:avLst/>
+          </a:prstGeom>
+          <a:noFill/>
+        </p:spPr>
+        <p:txBody>
+          <a:bodyPr wrap="square" rtlCol="0">
+            <a:spAutoFit/>
+          </a:bodyPr>
+          <a:lstStyle/>
+          <a:p>
+            <a:pPr marL="342900" indent="-342900" algn="just">
+              <a:buFont typeface="Arial" panose="020B0604020202020204" pitchFamily="34" charset="0"/>
+              <a:buChar char="•"/>
+            </a:pPr>
+            <a:r>
+              <a:rPr lang="en-GB" sz="1800" dirty="0">
+                <a:latin typeface="Times New Roman" panose="02020603050405020304" pitchFamily="18" charset="0"/>
+                <a:cs typeface="Times New Roman" panose="02020603050405020304" pitchFamily="18" charset="0"/>
+              </a:rPr>
+              <a:t>The Smart TV market in India is highly competitive, with many brands offering models across different sizes, technologies, and price </a:t>
+            </a:r>
+            <a:r>
+              <a:rPr lang="en-GB" sz="1800" dirty="0" smtClean="0">
+                <a:latin typeface="Times New Roman" panose="02020603050405020304" pitchFamily="18" charset="0"/>
+                <a:cs typeface="Times New Roman" panose="02020603050405020304" pitchFamily="18" charset="0"/>
+              </a:rPr>
+              <a:t>ranges.</a:t>
+            </a:r>
+          </a:p>
+          <a:p>
+            <a:pPr marL="342900" indent="-342900" algn="just">
+              <a:buFont typeface="Arial" panose="020B0604020202020204" pitchFamily="34" charset="0"/>
+              <a:buChar char="•"/>
+            </a:pPr>
+            <a:r>
+              <a:rPr lang="en-GB" sz="1800" dirty="0" smtClean="0">
+                <a:latin typeface="Times New Roman" panose="02020603050405020304" pitchFamily="18" charset="0"/>
+                <a:cs typeface="Times New Roman" panose="02020603050405020304" pitchFamily="18" charset="0"/>
+              </a:rPr>
+              <a:t>Customers </a:t>
+            </a:r>
+            <a:r>
+              <a:rPr lang="en-GB" sz="1800" dirty="0">
+                <a:latin typeface="Times New Roman" panose="02020603050405020304" pitchFamily="18" charset="0"/>
+                <a:cs typeface="Times New Roman" panose="02020603050405020304" pitchFamily="18" charset="0"/>
+              </a:rPr>
+              <a:t>often struggle to find the best value for their budget due to too many options and inconsistent feature </a:t>
+            </a:r>
+            <a:r>
+              <a:rPr lang="en-GB" sz="1800" dirty="0" smtClean="0">
+                <a:latin typeface="Times New Roman" panose="02020603050405020304" pitchFamily="18" charset="0"/>
+                <a:cs typeface="Times New Roman" panose="02020603050405020304" pitchFamily="18" charset="0"/>
+              </a:rPr>
+              <a:t>information.</a:t>
+            </a:r>
+          </a:p>
+          <a:p>
+            <a:pPr marL="342900" indent="-342900" algn="just">
+              <a:buFont typeface="Arial" panose="020B0604020202020204" pitchFamily="34" charset="0"/>
+              <a:buChar char="•"/>
+            </a:pPr>
+            <a:r>
+              <a:rPr lang="en-GB" sz="1800" dirty="0" smtClean="0">
+                <a:latin typeface="Times New Roman" panose="02020603050405020304" pitchFamily="18" charset="0"/>
+                <a:cs typeface="Times New Roman" panose="02020603050405020304" pitchFamily="18" charset="0"/>
+              </a:rPr>
+              <a:t>From </a:t>
+            </a:r>
+            <a:r>
+              <a:rPr lang="en-GB" sz="1800" dirty="0">
+                <a:latin typeface="Times New Roman" panose="02020603050405020304" pitchFamily="18" charset="0"/>
+                <a:cs typeface="Times New Roman" panose="02020603050405020304" pitchFamily="18" charset="0"/>
+              </a:rPr>
+              <a:t>a business analytics perspective, it’s important to understand how features like display type, resolution, and sound output influence pricing and customer </a:t>
+            </a:r>
+            <a:r>
+              <a:rPr lang="en-GB" sz="1800" dirty="0" smtClean="0">
+                <a:latin typeface="Times New Roman" panose="02020603050405020304" pitchFamily="18" charset="0"/>
+                <a:cs typeface="Times New Roman" panose="02020603050405020304" pitchFamily="18" charset="0"/>
+              </a:rPr>
+              <a:t>satisfaction.</a:t>
+            </a:r>
+          </a:p>
+          <a:p>
+            <a:pPr marL="342900" indent="-342900" algn="just">
+              <a:buFont typeface="Arial" panose="020B0604020202020204" pitchFamily="34" charset="0"/>
+              <a:buChar char="•"/>
+            </a:pPr>
+            <a:r>
+              <a:rPr lang="en-GB" sz="1800" dirty="0" smtClean="0">
+                <a:latin typeface="Times New Roman" panose="02020603050405020304" pitchFamily="18" charset="0"/>
+                <a:cs typeface="Times New Roman" panose="02020603050405020304" pitchFamily="18" charset="0"/>
+              </a:rPr>
+              <a:t>This </a:t>
+            </a:r>
+            <a:r>
+              <a:rPr lang="en-GB" sz="1800" dirty="0">
+                <a:latin typeface="Times New Roman" panose="02020603050405020304" pitchFamily="18" charset="0"/>
+                <a:cs typeface="Times New Roman" panose="02020603050405020304" pitchFamily="18" charset="0"/>
+              </a:rPr>
+              <a:t>project </a:t>
+            </a:r>
+            <a:r>
+              <a:rPr lang="en-GB" sz="1800" dirty="0" smtClean="0">
+                <a:latin typeface="Times New Roman" panose="02020603050405020304" pitchFamily="18" charset="0"/>
+                <a:cs typeface="Times New Roman" panose="02020603050405020304" pitchFamily="18" charset="0"/>
+              </a:rPr>
+              <a:t>analyses the Smart </a:t>
+            </a:r>
+            <a:r>
+              <a:rPr lang="en-GB" sz="1800" dirty="0">
+                <a:latin typeface="Times New Roman" panose="02020603050405020304" pitchFamily="18" charset="0"/>
+                <a:cs typeface="Times New Roman" panose="02020603050405020304" pitchFamily="18" charset="0"/>
+              </a:rPr>
+              <a:t>TV data from Flipkart to uncover market trends, feature impact, and consumer </a:t>
+            </a:r>
+            <a:r>
+              <a:rPr lang="en-GB" sz="1800" dirty="0" smtClean="0">
+                <a:latin typeface="Times New Roman" panose="02020603050405020304" pitchFamily="18" charset="0"/>
+                <a:cs typeface="Times New Roman" panose="02020603050405020304" pitchFamily="18" charset="0"/>
+              </a:rPr>
+              <a:t>preferences.</a:t>
+            </a:r>
+          </a:p>
+          <a:p>
+            <a:pPr marL="342900" indent="-342900" algn="just">
+              <a:buFont typeface="Arial" panose="020B0604020202020204" pitchFamily="34" charset="0"/>
+              <a:buChar char="•"/>
+            </a:pPr>
+            <a:r>
+              <a:rPr lang="en-GB" sz="1800" dirty="0" smtClean="0">
+                <a:latin typeface="Times New Roman" panose="02020603050405020304" pitchFamily="18" charset="0"/>
+                <a:cs typeface="Times New Roman" panose="02020603050405020304" pitchFamily="18" charset="0"/>
+              </a:rPr>
+              <a:t>The </a:t>
+            </a:r>
+            <a:r>
+              <a:rPr lang="en-GB" sz="1800" dirty="0">
+                <a:latin typeface="Times New Roman" panose="02020603050405020304" pitchFamily="18" charset="0"/>
+                <a:cs typeface="Times New Roman" panose="02020603050405020304" pitchFamily="18" charset="0"/>
+              </a:rPr>
+              <a:t>goal is to provide data-driven insights that can help both customers and businesses make informed decisions.</a:t>
+            </a:r>
+            <a:endParaRPr lang="en-US" sz="1800" dirty="0">
+              <a:latin typeface="Times New Roman" panose="02020603050405020304" pitchFamily="18" charset="0"/>
+              <a:cs typeface="Times New Roman" panose="02020603050405020304" pitchFamily="18" charset="0"/>
+            </a:endParaRPr>
+          </a:p>
+        </p:txBody>
+      </p:sp>
+      <p:pic>
+        <p:nvPicPr>
+          <p:cNvPr id="5" name="Picture Placeholder 4">
+            <a:extLst>
+              <a:ext uri="{FF2B5EF4-FFF2-40B4-BE49-F238E27FC236}">
+                <a16:creationId xmlns="" xmlns:a16="http://schemas.microsoft.com/office/drawing/2014/main" id="{F1C5D748-5A2F-471D-8315-626569D64DFE}"/>
+              </a:ext>
+            </a:extLst>
+          </p:cNvPr>
+          <p:cNvPicPr>
+            <a:picLocks noGrp="1" noChangeAspect="1"/>
+          </p:cNvPicPr>
+          <p:nvPr>
+            <p:ph type="pic" idx="2"/>
+          </p:nvPr>
+        </p:nvPicPr>
+        <p:blipFill>
+          <a:blip r:embed="rId3"/>
+          <a:srcRect t="3216" b="3216"/>
+          <a:stretch>
+            <a:fillRect/>
+          </a:stretch>
+        </p:blipFill>
+        <p:spPr>
+          <a:xfrm>
+            <a:off x="5878042" y="600819"/>
+            <a:ext cx="6046787" cy="5657850"/>
+          </a:xfrm>
+          <a:prstGeom prst="ellipse">
+            <a:avLst/>
+          </a:prstGeom>
+          <a:ln>
+            <a:noFill/>
+          </a:ln>
+          <a:effectLst>
+            <a:softEdge rad="112500"/>
+          </a:effectLst>
+        </p:spPr>
+      </p:pic>
+    </p:spTree>
+  </p:cSld>
+  <p:clrMapOvr>
+    <a:masterClrMapping/>
+  </p:clrMapOvr>
+  <p:transition spd="slow">
+    <p:push dir="u"/>
+  </p:transition>
+  <p:timing>
+    <p:tnLst>
+      <p:par>
+        <p:cTn id="1" dur="indefinite" restart="never" nodeType="tmRoot"/>
+      </p:par>
+    </p:tnLst>
+  </p:timing>
+</p:sld>
+</file>
+
+<file path=ppt/slides/slide20.xml><?xml version="1.0" encoding="utf-8"?>
+<p:sld xmlns:a="http://schemas.openxmlformats.org/drawingml/2006/main" xmlns:r="http://schemas.openxmlformats.org/officeDocument/2006/relationships" xmlns:p="http://schemas.openxmlformats.org/presentationml/2006/main">
+  <p:cSld>
+    <p:spTree>
+      <p:nvGrpSpPr>
+        <p:cNvPr id="1" name=""/>
+        <p:cNvGrpSpPr/>
+        <p:nvPr/>
+      </p:nvGrpSpPr>
+      <p:grpSpPr>
+        <a:xfrm>
+          <a:off x="0" y="0"/>
+          <a:ext cx="0" cy="0"/>
+          <a:chOff x="0" y="0"/>
+          <a:chExt cx="0" cy="0"/>
+        </a:xfrm>
+      </p:grpSpPr>
+      <p:sp>
+        <p:nvSpPr>
+          <p:cNvPr id="4" name="TextBox 3">
+            <a:extLst>
+              <a:ext uri="{FF2B5EF4-FFF2-40B4-BE49-F238E27FC236}">
+                <a16:creationId xmlns="" xmlns:a16="http://schemas.microsoft.com/office/drawing/2014/main" id="{3E9A1814-24CF-4E7D-832B-187F643C7D30}"/>
+              </a:ext>
+            </a:extLst>
+          </p:cNvPr>
+          <p:cNvSpPr txBox="1"/>
+          <p:nvPr/>
+        </p:nvSpPr>
+        <p:spPr>
+          <a:xfrm>
+            <a:off x="289322" y="201551"/>
+            <a:ext cx="11733680" cy="954107"/>
+          </a:xfrm>
+          <a:prstGeom prst="rect">
+            <a:avLst/>
+          </a:prstGeom>
+          <a:noFill/>
+        </p:spPr>
+        <p:txBody>
+          <a:bodyPr wrap="square">
+            <a:spAutoFit/>
+          </a:bodyPr>
+          <a:lstStyle/>
+          <a:p>
+            <a:r>
+              <a:rPr lang="en-US" sz="2800" b="1" dirty="0">
+                <a:solidFill>
+                  <a:srgbClr val="C00000"/>
+                </a:solidFill>
+                <a:latin typeface="Bahnschrift Light Condensed" panose="020B0502040204020203" pitchFamily="34" charset="0"/>
+              </a:rPr>
+              <a:t>Which combination of brand, launch year, and rating reveals consistent customer satisfaction over time?</a:t>
+            </a:r>
+          </a:p>
+        </p:txBody>
+      </p:sp>
+      <p:pic>
+        <p:nvPicPr>
+          <p:cNvPr id="5" name="Picture 4">
+            <a:extLst>
+              <a:ext uri="{FF2B5EF4-FFF2-40B4-BE49-F238E27FC236}">
+                <a16:creationId xmlns="" xmlns:a16="http://schemas.microsoft.com/office/drawing/2014/main" id="{F4F74CF1-C6C3-4847-9A13-23C3CFA1B1BA}"/>
+              </a:ext>
+            </a:extLst>
+          </p:cNvPr>
+          <p:cNvPicPr>
+            <a:picLocks noChangeAspect="1"/>
+          </p:cNvPicPr>
+          <p:nvPr/>
+        </p:nvPicPr>
+        <p:blipFill>
+          <a:blip r:embed="rId2"/>
+          <a:stretch>
+            <a:fillRect/>
+          </a:stretch>
+        </p:blipFill>
+        <p:spPr>
+          <a:xfrm>
+            <a:off x="6542316" y="855116"/>
+            <a:ext cx="5250436" cy="2867425"/>
+          </a:xfrm>
+          <a:prstGeom prst="rect">
+            <a:avLst/>
+          </a:prstGeom>
+        </p:spPr>
+      </p:pic>
+      <p:sp>
+        <p:nvSpPr>
+          <p:cNvPr id="6" name="TextBox 5">
+            <a:extLst>
+              <a:ext uri="{FF2B5EF4-FFF2-40B4-BE49-F238E27FC236}">
+                <a16:creationId xmlns="" xmlns:a16="http://schemas.microsoft.com/office/drawing/2014/main" id="{995B8216-8A75-4E11-943B-A4DCE08EE08A}"/>
+              </a:ext>
+            </a:extLst>
+          </p:cNvPr>
+          <p:cNvSpPr txBox="1"/>
+          <p:nvPr/>
+        </p:nvSpPr>
+        <p:spPr>
+          <a:xfrm>
+            <a:off x="289322" y="2065105"/>
+            <a:ext cx="6093618" cy="3785652"/>
+          </a:xfrm>
+          <a:prstGeom prst="rect">
+            <a:avLst/>
+          </a:prstGeom>
+          <a:noFill/>
+        </p:spPr>
+        <p:txBody>
+          <a:bodyPr wrap="square">
+            <a:spAutoFit/>
+          </a:bodyPr>
+          <a:lstStyle/>
+          <a:p>
+            <a:r>
+              <a:rPr lang="en-GB" sz="2000" b="1" dirty="0">
+                <a:latin typeface="Times New Roman" panose="02020603050405020304" pitchFamily="18" charset="0"/>
+                <a:cs typeface="Times New Roman" panose="02020603050405020304" pitchFamily="18" charset="0"/>
+              </a:rPr>
+              <a:t>Key </a:t>
+            </a:r>
+            <a:r>
+              <a:rPr lang="en-GB" sz="2000" b="1" dirty="0" smtClean="0">
+                <a:latin typeface="Times New Roman" panose="02020603050405020304" pitchFamily="18" charset="0"/>
+                <a:cs typeface="Times New Roman" panose="02020603050405020304" pitchFamily="18" charset="0"/>
+              </a:rPr>
+              <a:t>Insights:</a:t>
+            </a:r>
+          </a:p>
+          <a:p>
+            <a:pPr algn="l"/>
+            <a:r>
+              <a:rPr lang="en-US" sz="2000" b="0" i="0" dirty="0" smtClean="0">
+                <a:effectLst/>
+                <a:latin typeface="Times New Roman" panose="02020603050405020304" pitchFamily="18" charset="0"/>
+                <a:cs typeface="Times New Roman" panose="02020603050405020304" pitchFamily="18" charset="0"/>
+              </a:rPr>
+              <a:t>For this analysis we have </a:t>
+            </a:r>
+            <a:r>
+              <a:rPr lang="en-US" sz="2000" dirty="0" smtClean="0">
+                <a:latin typeface="Times New Roman" panose="02020603050405020304" pitchFamily="18" charset="0"/>
+                <a:cs typeface="Times New Roman" panose="02020603050405020304" pitchFamily="18" charset="0"/>
+              </a:rPr>
+              <a:t>taken </a:t>
+            </a:r>
+            <a:r>
+              <a:rPr lang="en-US" sz="2000" b="0" i="0" dirty="0" smtClean="0">
+                <a:effectLst/>
+                <a:latin typeface="Times New Roman" panose="02020603050405020304" pitchFamily="18" charset="0"/>
+                <a:cs typeface="Times New Roman" panose="02020603050405020304" pitchFamily="18" charset="0"/>
+              </a:rPr>
+              <a:t>the first top 10 brands and year combinations in the data (primarily </a:t>
+            </a:r>
+            <a:r>
+              <a:rPr lang="en-US" sz="2000" b="0" i="0" dirty="0" err="1" smtClean="0">
+                <a:effectLst/>
+                <a:latin typeface="Times New Roman" panose="02020603050405020304" pitchFamily="18" charset="0"/>
+                <a:cs typeface="Times New Roman" panose="02020603050405020304" pitchFamily="18" charset="0"/>
+              </a:rPr>
+              <a:t>Adsun</a:t>
+            </a:r>
+            <a:r>
+              <a:rPr lang="en-US" sz="2000" b="0" i="0" dirty="0" smtClean="0">
+                <a:effectLst/>
+                <a:latin typeface="Times New Roman" panose="02020603050405020304" pitchFamily="18" charset="0"/>
+                <a:cs typeface="Times New Roman" panose="02020603050405020304" pitchFamily="18" charset="0"/>
+              </a:rPr>
+              <a:t>, BPL, and </a:t>
+            </a:r>
+            <a:r>
+              <a:rPr lang="en-US" sz="2000" b="0" i="0" dirty="0" err="1" smtClean="0">
+                <a:effectLst/>
+                <a:latin typeface="Times New Roman" panose="02020603050405020304" pitchFamily="18" charset="0"/>
+                <a:cs typeface="Times New Roman" panose="02020603050405020304" pitchFamily="18" charset="0"/>
+              </a:rPr>
+              <a:t>Blaupunkt</a:t>
+            </a:r>
+            <a:r>
+              <a:rPr lang="en-US" sz="2000" b="0" i="0" dirty="0" smtClean="0">
+                <a:effectLst/>
+                <a:latin typeface="Times New Roman" panose="02020603050405020304" pitchFamily="18" charset="0"/>
+                <a:cs typeface="Times New Roman" panose="02020603050405020304" pitchFamily="18" charset="0"/>
+              </a:rPr>
+              <a:t>), shows:</a:t>
+            </a:r>
+          </a:p>
+          <a:p>
+            <a:pPr algn="l"/>
+            <a:endParaRPr lang="en-US" sz="2000" b="0" i="0" dirty="0">
+              <a:effectLst/>
+              <a:latin typeface="Times New Roman" panose="02020603050405020304" pitchFamily="18" charset="0"/>
+              <a:cs typeface="Times New Roman" panose="02020603050405020304" pitchFamily="18" charset="0"/>
+            </a:endParaRPr>
+          </a:p>
+          <a:p>
+            <a:pPr marL="342900" indent="-342900" algn="l">
+              <a:buFont typeface="+mj-lt"/>
+              <a:buAutoNum type="arabicPeriod"/>
+            </a:pPr>
+            <a:r>
+              <a:rPr lang="en-US" sz="2000" b="0" i="0" dirty="0">
+                <a:effectLst/>
+                <a:latin typeface="Times New Roman" panose="02020603050405020304" pitchFamily="18" charset="0"/>
+                <a:cs typeface="Times New Roman" panose="02020603050405020304" pitchFamily="18" charset="0"/>
+              </a:rPr>
+              <a:t>BPL demonstrated strong, consistent satisfaction, with its average rating holding steady around 4.2-4.3 between 2018 and 2021.</a:t>
+            </a:r>
+          </a:p>
+          <a:p>
+            <a:pPr marL="342900" indent="-342900" algn="l">
+              <a:buFont typeface="+mj-lt"/>
+              <a:buAutoNum type="arabicPeriod"/>
+            </a:pPr>
+            <a:r>
+              <a:rPr lang="en-US" sz="2000" b="0" i="0" dirty="0" err="1">
+                <a:effectLst/>
+                <a:latin typeface="Times New Roman" panose="02020603050405020304" pitchFamily="18" charset="0"/>
+                <a:cs typeface="Times New Roman" panose="02020603050405020304" pitchFamily="18" charset="0"/>
+              </a:rPr>
+              <a:t>Blaupunkt</a:t>
+            </a:r>
+            <a:r>
+              <a:rPr lang="en-US" sz="2000" b="0" i="0" dirty="0">
+                <a:effectLst/>
+                <a:latin typeface="Times New Roman" panose="02020603050405020304" pitchFamily="18" charset="0"/>
+                <a:cs typeface="Times New Roman" panose="02020603050405020304" pitchFamily="18" charset="0"/>
+              </a:rPr>
+              <a:t> also showed high consistency in its 2021 and 2022 models, with ratings around 4.3-4.4.</a:t>
+            </a:r>
+          </a:p>
+          <a:p>
+            <a:pPr marL="342900" indent="-342900" algn="l">
+              <a:buFont typeface="+mj-lt"/>
+              <a:buAutoNum type="arabicPeriod"/>
+            </a:pPr>
+            <a:r>
+              <a:rPr lang="en-US" sz="2000" b="0" i="0" dirty="0" err="1">
+                <a:effectLst/>
+                <a:latin typeface="Times New Roman" panose="02020603050405020304" pitchFamily="18" charset="0"/>
+                <a:cs typeface="Times New Roman" panose="02020603050405020304" pitchFamily="18" charset="0"/>
+              </a:rPr>
+              <a:t>Adsun</a:t>
+            </a:r>
+            <a:r>
+              <a:rPr lang="en-US" sz="2000" b="0" i="0" dirty="0">
+                <a:effectLst/>
+                <a:latin typeface="Times New Roman" panose="02020603050405020304" pitchFamily="18" charset="0"/>
+                <a:cs typeface="Times New Roman" panose="02020603050405020304" pitchFamily="18" charset="0"/>
+              </a:rPr>
+              <a:t> experienced a slight decline in average ratings from 2019 to 2021.</a:t>
+            </a:r>
+          </a:p>
+        </p:txBody>
+      </p:sp>
+    </p:spTree>
+    <p:extLst>
+      <p:ext uri="{BB962C8B-B14F-4D97-AF65-F5344CB8AC3E}">
+        <p14:creationId xmlns:p14="http://schemas.microsoft.com/office/powerpoint/2010/main" val="2073834763"/>
+      </p:ext>
+    </p:extLst>
+  </p:cSld>
+  <p:clrMapOvr>
+    <a:masterClrMapping/>
+  </p:clrMapOvr>
+  <p:timing>
+    <p:tnLst>
+      <p:par>
+        <p:cTn id="1" dur="indefinite" restart="never" nodeType="tmRoot"/>
+      </p:par>
+    </p:tnLst>
+  </p:timing>
+</p:sld>
+</file>
+
+<file path=ppt/slides/slide21.xml><?xml version="1.0" encoding="utf-8"?>
+<p:sld xmlns:a="http://schemas.openxmlformats.org/drawingml/2006/main" xmlns:r="http://schemas.openxmlformats.org/officeDocument/2006/relationships" xmlns:p="http://schemas.openxmlformats.org/presentationml/2006/main">
+  <p:cSld>
+    <p:spTree>
+      <p:nvGrpSpPr>
+        <p:cNvPr id="1" name=""/>
+        <p:cNvGrpSpPr/>
+        <p:nvPr/>
+      </p:nvGrpSpPr>
+      <p:grpSpPr>
+        <a:xfrm>
+          <a:off x="0" y="0"/>
+          <a:ext cx="0" cy="0"/>
+          <a:chOff x="0" y="0"/>
+          <a:chExt cx="0" cy="0"/>
+        </a:xfrm>
+      </p:grpSpPr>
+      <p:sp>
+        <p:nvSpPr>
+          <p:cNvPr id="2" name="Title 1">
+            <a:extLst>
+              <a:ext uri="{FF2B5EF4-FFF2-40B4-BE49-F238E27FC236}">
+                <a16:creationId xmlns="" xmlns:a16="http://schemas.microsoft.com/office/drawing/2014/main" id="{7AB83D65-9237-47A4-B27C-8D8068CB2BD5}"/>
+              </a:ext>
+            </a:extLst>
+          </p:cNvPr>
+          <p:cNvSpPr>
+            <a:spLocks noGrp="1"/>
+          </p:cNvSpPr>
+          <p:nvPr>
+            <p:ph type="title"/>
+          </p:nvPr>
+        </p:nvSpPr>
+        <p:spPr>
+          <a:xfrm>
+            <a:off x="403633" y="220271"/>
+            <a:ext cx="10515600" cy="603596"/>
+          </a:xfrm>
+        </p:spPr>
+        <p:txBody>
+          <a:bodyPr>
+            <a:normAutofit/>
+          </a:bodyPr>
+          <a:lstStyle/>
+          <a:p>
+            <a:r>
+              <a:rPr lang="en-US" sz="3600" b="1" dirty="0" smtClean="0">
+                <a:solidFill>
+                  <a:srgbClr val="C00000"/>
+                </a:solidFill>
+                <a:latin typeface="Bahnschrift Light Condensed" panose="020B0502040204020203" pitchFamily="34" charset="0"/>
+              </a:rPr>
+              <a:t>Conclusion</a:t>
+            </a:r>
+            <a:endParaRPr lang="en-US" sz="3600" b="1" dirty="0">
+              <a:solidFill>
+                <a:srgbClr val="C00000"/>
+              </a:solidFill>
+              <a:latin typeface="Bahnschrift Light Condensed" panose="020B0502040204020203" pitchFamily="34" charset="0"/>
+            </a:endParaRPr>
+          </a:p>
+        </p:txBody>
+      </p:sp>
+      <p:sp>
+        <p:nvSpPr>
+          <p:cNvPr id="3" name="Text Placeholder 2">
+            <a:extLst>
+              <a:ext uri="{FF2B5EF4-FFF2-40B4-BE49-F238E27FC236}">
+                <a16:creationId xmlns="" xmlns:a16="http://schemas.microsoft.com/office/drawing/2014/main" id="{217EFD1E-9D3E-481C-93DF-80D704581261}"/>
+              </a:ext>
+            </a:extLst>
+          </p:cNvPr>
+          <p:cNvSpPr>
+            <a:spLocks noGrp="1"/>
+          </p:cNvSpPr>
+          <p:nvPr>
+            <p:ph type="body" idx="1"/>
+          </p:nvPr>
+        </p:nvSpPr>
+        <p:spPr>
+          <a:xfrm>
+            <a:off x="403633" y="950615"/>
+            <a:ext cx="11429245" cy="5395864"/>
+          </a:xfrm>
+        </p:spPr>
+        <p:txBody>
+          <a:bodyPr>
+            <a:noAutofit/>
+          </a:bodyPr>
+          <a:lstStyle/>
+          <a:p>
+            <a:pPr marL="114300" indent="0" algn="just">
+              <a:buNone/>
+            </a:pPr>
+            <a:r>
+              <a:rPr lang="en-GB" sz="1800" b="1" dirty="0">
+                <a:latin typeface="Times New Roman" panose="02020603050405020304" pitchFamily="18" charset="0"/>
+                <a:cs typeface="Times New Roman" panose="02020603050405020304" pitchFamily="18" charset="0"/>
+              </a:rPr>
+              <a:t>Key Findings:</a:t>
+            </a:r>
+            <a:endParaRPr lang="en-GB" sz="1800" dirty="0">
+              <a:latin typeface="Times New Roman" panose="02020603050405020304" pitchFamily="18" charset="0"/>
+              <a:cs typeface="Times New Roman" panose="02020603050405020304" pitchFamily="18" charset="0"/>
+            </a:endParaRPr>
+          </a:p>
+          <a:p>
+            <a:pPr algn="just"/>
+            <a:r>
+              <a:rPr lang="en-GB" sz="1800" dirty="0">
+                <a:latin typeface="Times New Roman" panose="02020603050405020304" pitchFamily="18" charset="0"/>
+                <a:cs typeface="Times New Roman" panose="02020603050405020304" pitchFamily="18" charset="0"/>
+              </a:rPr>
+              <a:t>The Smart TV market is dominated by budget LED models (&lt;₹50K).</a:t>
+            </a:r>
+          </a:p>
+          <a:p>
+            <a:pPr algn="just"/>
+            <a:r>
+              <a:rPr lang="en-GB" sz="1800" dirty="0">
+                <a:latin typeface="Times New Roman" panose="02020603050405020304" pitchFamily="18" charset="0"/>
+                <a:cs typeface="Times New Roman" panose="02020603050405020304" pitchFamily="18" charset="0"/>
+              </a:rPr>
+              <a:t>Display technology is the main price driver — Mini LED and OLED are the most premium</a:t>
+            </a:r>
+            <a:r>
+              <a:rPr lang="en-GB" sz="1800" dirty="0" smtClean="0">
+                <a:latin typeface="Times New Roman" panose="02020603050405020304" pitchFamily="18" charset="0"/>
+                <a:cs typeface="Times New Roman" panose="02020603050405020304" pitchFamily="18" charset="0"/>
+              </a:rPr>
+              <a:t>.</a:t>
+            </a:r>
+          </a:p>
+          <a:p>
+            <a:pPr algn="just"/>
+            <a:r>
+              <a:rPr lang="en-GB" sz="1800" dirty="0">
+                <a:latin typeface="Times New Roman" panose="02020603050405020304" pitchFamily="18" charset="0"/>
+                <a:cs typeface="Times New Roman" panose="02020603050405020304" pitchFamily="18" charset="0"/>
+              </a:rPr>
+              <a:t>Most models launched in 2024–2025, showing rapid market refresh</a:t>
+            </a:r>
+            <a:r>
+              <a:rPr lang="en-GB" sz="1800" dirty="0" smtClean="0">
+                <a:latin typeface="Times New Roman" panose="02020603050405020304" pitchFamily="18" charset="0"/>
+                <a:cs typeface="Times New Roman" panose="02020603050405020304" pitchFamily="18" charset="0"/>
+              </a:rPr>
+              <a:t>.</a:t>
+            </a:r>
+            <a:endParaRPr lang="en-GB" sz="1800" dirty="0">
+              <a:latin typeface="Times New Roman" panose="02020603050405020304" pitchFamily="18" charset="0"/>
+              <a:cs typeface="Times New Roman" panose="02020603050405020304" pitchFamily="18" charset="0"/>
+            </a:endParaRPr>
+          </a:p>
+          <a:p>
+            <a:pPr algn="just"/>
+            <a:r>
+              <a:rPr lang="en-GB" sz="1800" dirty="0">
+                <a:latin typeface="Times New Roman" panose="02020603050405020304" pitchFamily="18" charset="0"/>
+                <a:cs typeface="Times New Roman" panose="02020603050405020304" pitchFamily="18" charset="0"/>
+              </a:rPr>
+              <a:t>High customer satisfaction (ratings between 3.8–5.0</a:t>
+            </a:r>
+            <a:r>
+              <a:rPr lang="en-GB" sz="1800" dirty="0" smtClean="0">
+                <a:latin typeface="Times New Roman" panose="02020603050405020304" pitchFamily="18" charset="0"/>
+                <a:cs typeface="Times New Roman" panose="02020603050405020304" pitchFamily="18" charset="0"/>
+              </a:rPr>
+              <a:t>).</a:t>
+            </a:r>
+            <a:endParaRPr lang="en-GB" sz="1800" dirty="0">
+              <a:latin typeface="Times New Roman" panose="02020603050405020304" pitchFamily="18" charset="0"/>
+              <a:cs typeface="Times New Roman" panose="02020603050405020304" pitchFamily="18" charset="0"/>
+            </a:endParaRPr>
+          </a:p>
+          <a:p>
+            <a:pPr algn="just"/>
+            <a:r>
+              <a:rPr lang="en-GB" sz="1800" dirty="0">
+                <a:latin typeface="Times New Roman" panose="02020603050405020304" pitchFamily="18" charset="0"/>
+                <a:cs typeface="Times New Roman" panose="02020603050405020304" pitchFamily="18" charset="0"/>
+              </a:rPr>
+              <a:t>TVs with longer warranties (3+ years) receive higher and more consistent ratings</a:t>
+            </a:r>
+            <a:r>
+              <a:rPr lang="en-GB" sz="1800" dirty="0" smtClean="0">
+                <a:latin typeface="Times New Roman" panose="02020603050405020304" pitchFamily="18" charset="0"/>
+                <a:cs typeface="Times New Roman" panose="02020603050405020304" pitchFamily="18" charset="0"/>
+              </a:rPr>
+              <a:t>.</a:t>
+            </a:r>
+          </a:p>
+          <a:p>
+            <a:pPr marL="114300" indent="0" algn="just">
+              <a:buNone/>
+            </a:pPr>
+            <a:endParaRPr lang="en-GB" sz="1800" dirty="0" smtClean="0">
+              <a:latin typeface="Times New Roman" panose="02020603050405020304" pitchFamily="18" charset="0"/>
+              <a:cs typeface="Times New Roman" panose="02020603050405020304" pitchFamily="18" charset="0"/>
+            </a:endParaRPr>
+          </a:p>
+          <a:p>
+            <a:pPr marL="114300" indent="0" algn="just">
+              <a:buNone/>
+            </a:pPr>
+            <a:r>
+              <a:rPr lang="en-GB" sz="1800" b="1" dirty="0">
+                <a:latin typeface="Times New Roman" panose="02020603050405020304" pitchFamily="18" charset="0"/>
+                <a:cs typeface="Times New Roman" panose="02020603050405020304" pitchFamily="18" charset="0"/>
+              </a:rPr>
+              <a:t>Suggestions for Flipkart:</a:t>
+            </a:r>
+          </a:p>
+          <a:p>
+            <a:pPr algn="just"/>
+            <a:r>
+              <a:rPr lang="en-GB" sz="1800" dirty="0">
+                <a:latin typeface="Times New Roman" panose="02020603050405020304" pitchFamily="18" charset="0"/>
+                <a:cs typeface="Times New Roman" panose="02020603050405020304" pitchFamily="18" charset="0"/>
+              </a:rPr>
+              <a:t>Highlight key features clearly (display type, sound output, warranty) to help buyers make faster decisions.</a:t>
+            </a:r>
+          </a:p>
+          <a:p>
+            <a:pPr algn="just"/>
+            <a:r>
+              <a:rPr lang="en-GB" sz="1800" dirty="0">
+                <a:latin typeface="Times New Roman" panose="02020603050405020304" pitchFamily="18" charset="0"/>
+                <a:cs typeface="Times New Roman" panose="02020603050405020304" pitchFamily="18" charset="0"/>
+              </a:rPr>
+              <a:t>Promote longer warranty offers — customers associate them with higher trust and satisfaction.</a:t>
+            </a:r>
+          </a:p>
+          <a:p>
+            <a:pPr algn="just"/>
+            <a:r>
+              <a:rPr lang="en-GB" sz="1800" dirty="0">
+                <a:latin typeface="Times New Roman" panose="02020603050405020304" pitchFamily="18" charset="0"/>
+                <a:cs typeface="Times New Roman" panose="02020603050405020304" pitchFamily="18" charset="0"/>
+              </a:rPr>
+              <a:t>Use feature-based filters and comparison tools (e.g., “Best 4K TVs under ₹50K”) to simplify browsing.</a:t>
+            </a:r>
+          </a:p>
+          <a:p>
+            <a:pPr algn="just"/>
+            <a:r>
+              <a:rPr lang="en-GB" sz="1800" dirty="0">
+                <a:latin typeface="Times New Roman" panose="02020603050405020304" pitchFamily="18" charset="0"/>
+                <a:cs typeface="Times New Roman" panose="02020603050405020304" pitchFamily="18" charset="0"/>
+              </a:rPr>
+              <a:t>Feature mid-range QLED TVs more — they balance price and quality and have strong sales potential.</a:t>
+            </a:r>
+          </a:p>
+          <a:p>
+            <a:pPr algn="just"/>
+            <a:r>
+              <a:rPr lang="en-GB" sz="1800" dirty="0">
+                <a:latin typeface="Times New Roman" panose="02020603050405020304" pitchFamily="18" charset="0"/>
+                <a:cs typeface="Times New Roman" panose="02020603050405020304" pitchFamily="18" charset="0"/>
+              </a:rPr>
+              <a:t>Focus marketing on new launches and feature upgrades rather than only discounts</a:t>
+            </a:r>
+            <a:r>
+              <a:rPr lang="en-GB" sz="1800" dirty="0" smtClean="0">
+                <a:latin typeface="Times New Roman" panose="02020603050405020304" pitchFamily="18" charset="0"/>
+                <a:cs typeface="Times New Roman" panose="02020603050405020304" pitchFamily="18" charset="0"/>
+              </a:rPr>
+              <a:t>.</a:t>
+            </a:r>
+            <a:endParaRPr lang="en-IN" sz="1800" dirty="0"/>
+          </a:p>
+          <a:p>
+            <a:pPr marL="114300" indent="0" algn="just">
+              <a:buNone/>
+            </a:pPr>
+            <a:endParaRPr lang="en-GB" sz="1800" dirty="0" smtClean="0">
+              <a:latin typeface="Times New Roman" panose="02020603050405020304" pitchFamily="18" charset="0"/>
+              <a:cs typeface="Times New Roman" panose="02020603050405020304" pitchFamily="18" charset="0"/>
+            </a:endParaRPr>
+          </a:p>
+        </p:txBody>
+      </p:sp>
+    </p:spTree>
+    <p:extLst>
+      <p:ext uri="{BB962C8B-B14F-4D97-AF65-F5344CB8AC3E}">
+        <p14:creationId xmlns:p14="http://schemas.microsoft.com/office/powerpoint/2010/main" val="1430640546"/>
+      </p:ext>
+    </p:extLst>
+  </p:cSld>
+  <p:clrMapOvr>
+    <a:masterClrMapping/>
+  </p:clrMapOvr>
+  <p:timing>
+    <p:tnLst>
+      <p:par>
+        <p:cTn id="1" dur="indefinite" restart="never" nodeType="tmRoot"/>
+      </p:par>
+    </p:tnLst>
+  </p:timing>
 </p:sld>
 </file>
 
@@ -18213,7 +16414,7 @@
           <p:cNvPr id="2" name="Title 1">
             <a:extLst>
               <a:ext uri="{FF2B5EF4-FFF2-40B4-BE49-F238E27FC236}">
-                <a16:creationId xmlns:a16="http://schemas.microsoft.com/office/drawing/2014/main" xmlns="" id="{51A631A6-58E3-4A6D-F7B1-21B49ED37B82}"/>
+                <a16:creationId xmlns="" xmlns:a16="http://schemas.microsoft.com/office/drawing/2014/main" id="{7AB83D65-9237-47A4-B27C-8D8068CB2BD5}"/>
               </a:ext>
             </a:extLst>
           </p:cNvPr>
@@ -18226,8 +16427,8 @@
         </p:nvSpPr>
         <p:spPr>
           <a:xfrm>
-            <a:off x="838200" y="365125"/>
-            <a:ext cx="10685206" cy="1325563"/>
+            <a:off x="403633" y="220271"/>
+            <a:ext cx="10515600" cy="603596"/>
           </a:xfrm>
         </p:spPr>
         <p:txBody>
@@ -18237,21 +16438,19 @@
           <a:lstStyle/>
           <a:p>
             <a:r>
-              <a:rPr lang="en-US" sz="2400" dirty="0">
-                <a:solidFill>
-                  <a:srgbClr val="FF0000"/>
-                </a:solidFill>
-                <a:latin typeface="Algerian" panose="04020705040A02060702" pitchFamily="82" charset="0"/>
-                <a:cs typeface="Times New Roman" panose="02020603050405020304" pitchFamily="18" charset="0"/>
-              </a:rPr>
-              <a:t>Do newer TVs with premium display types and deeper discounts consistently receive higher customer ratings</a:t>
-            </a:r>
-            <a:endParaRPr lang="en-IN" sz="2400" dirty="0">
+              <a:rPr lang="en-US" sz="3600" b="1" dirty="0" smtClean="0">
+                <a:solidFill>
+                  <a:srgbClr val="C00000"/>
+                </a:solidFill>
+                <a:latin typeface="Bahnschrift Light Condensed" panose="020B0502040204020203" pitchFamily="34" charset="0"/>
+              </a:rPr>
+              <a:t>Conclusion</a:t>
+            </a:r>
+            <a:endParaRPr lang="en-US" sz="3600" b="1" dirty="0">
               <a:solidFill>
-                <a:srgbClr val="FF0000"/>
+                <a:srgbClr val="C00000"/>
               </a:solidFill>
-              <a:latin typeface="Algerian" panose="04020705040A02060702" pitchFamily="82" charset="0"/>
-              <a:cs typeface="Times New Roman" panose="02020603050405020304" pitchFamily="18" charset="0"/>
+              <a:latin typeface="Bahnschrift Light Condensed" panose="020B0502040204020203" pitchFamily="34" charset="0"/>
             </a:endParaRPr>
           </a:p>
         </p:txBody>
@@ -18261,460 +16460,7 @@
           <p:cNvPr id="3" name="Text Placeholder 2">
             <a:extLst>
               <a:ext uri="{FF2B5EF4-FFF2-40B4-BE49-F238E27FC236}">
-                <a16:creationId xmlns:a16="http://schemas.microsoft.com/office/drawing/2014/main" xmlns="" id="{FD4C31EC-0765-A77A-4CC8-6B0AA6E88DAF}"/>
-              </a:ext>
-            </a:extLst>
-          </p:cNvPr>
-          <p:cNvSpPr>
-            <a:spLocks noGrp="1"/>
-          </p:cNvSpPr>
-          <p:nvPr>
-            <p:ph type="body" idx="1"/>
-          </p:nvPr>
-        </p:nvSpPr>
-        <p:spPr/>
-        <p:txBody>
-          <a:bodyPr/>
-          <a:lstStyle/>
-          <a:p>
-            <a:endParaRPr lang="en-IN" dirty="0"/>
-          </a:p>
-        </p:txBody>
-      </p:sp>
-      <p:sp>
-        <p:nvSpPr>
-          <p:cNvPr id="4" name="Text Placeholder 3">
-            <a:extLst>
-              <a:ext uri="{FF2B5EF4-FFF2-40B4-BE49-F238E27FC236}">
-                <a16:creationId xmlns:a16="http://schemas.microsoft.com/office/drawing/2014/main" xmlns="" id="{43AF3065-39F0-342A-36F7-B3D776BA7AEC}"/>
-              </a:ext>
-            </a:extLst>
-          </p:cNvPr>
-          <p:cNvSpPr>
-            <a:spLocks noGrp="1"/>
-          </p:cNvSpPr>
-          <p:nvPr>
-            <p:ph type="body" idx="2"/>
-          </p:nvPr>
-        </p:nvSpPr>
-        <p:spPr>
-          <a:xfrm>
-            <a:off x="6172200" y="1825625"/>
-            <a:ext cx="5181600" cy="3208491"/>
-          </a:xfrm>
-        </p:spPr>
-        <p:txBody>
-          <a:bodyPr/>
-          <a:lstStyle/>
-          <a:p>
-            <a:pPr marL="114300" indent="0">
-              <a:buNone/>
-            </a:pPr>
-            <a:r>
-              <a:rPr lang="en-GB" sz="2400" b="1" dirty="0">
-                <a:latin typeface="Times New Roman" panose="02020603050405020304" pitchFamily="18" charset="0"/>
-                <a:cs typeface="Times New Roman" panose="02020603050405020304" pitchFamily="18" charset="0"/>
-              </a:rPr>
-              <a:t>Key Insights:</a:t>
-            </a:r>
-          </a:p>
-          <a:p>
-            <a:pPr>
-              <a:buFont typeface="Arial" panose="020B0604020202020204" pitchFamily="34" charset="0"/>
-              <a:buChar char="•"/>
-            </a:pPr>
-            <a:r>
-              <a:rPr lang="en-GB" sz="2000" dirty="0">
-                <a:latin typeface="Times New Roman" panose="02020603050405020304" pitchFamily="18" charset="0"/>
-                <a:cs typeface="Times New Roman" panose="02020603050405020304" pitchFamily="18" charset="0"/>
-              </a:rPr>
-              <a:t>TVs with deep discounts have similar median ratings(4.1) without indicating that discounting doesn’t customer satisfaction.</a:t>
-            </a:r>
-          </a:p>
-          <a:p>
-            <a:pPr>
-              <a:buFont typeface="Arial" panose="020B0604020202020204" pitchFamily="34" charset="0"/>
-              <a:buChar char="•"/>
-            </a:pPr>
-            <a:r>
-              <a:rPr lang="en-GB" sz="2000" dirty="0">
-                <a:latin typeface="Times New Roman" panose="02020603050405020304" pitchFamily="18" charset="0"/>
-                <a:cs typeface="Times New Roman" panose="02020603050405020304" pitchFamily="18" charset="0"/>
-              </a:rPr>
-              <a:t>Premium quality drives consistent ratings both interquartile range(4.0-4.3) display quality   stable customer ratings</a:t>
-            </a:r>
-          </a:p>
-          <a:p>
-            <a:pPr marL="114300" indent="0">
-              <a:buNone/>
-            </a:pPr>
-            <a:endParaRPr lang="en-GB" sz="2400" b="1" dirty="0">
-              <a:latin typeface="Times New Roman" panose="02020603050405020304" pitchFamily="18" charset="0"/>
-              <a:cs typeface="Times New Roman" panose="02020603050405020304" pitchFamily="18" charset="0"/>
-            </a:endParaRPr>
-          </a:p>
-          <a:p>
-            <a:pPr marL="114300" indent="0">
-              <a:buNone/>
-            </a:pPr>
-            <a:endParaRPr lang="en-IN" dirty="0"/>
-          </a:p>
-          <a:p>
-            <a:pPr marL="114300" indent="0">
-              <a:buNone/>
-            </a:pPr>
-            <a:endParaRPr lang="en-IN" dirty="0"/>
-          </a:p>
-        </p:txBody>
-      </p:sp>
-      <p:pic>
-        <p:nvPicPr>
-          <p:cNvPr id="6" name="Picture 5">
-            <a:extLst>
-              <a:ext uri="{FF2B5EF4-FFF2-40B4-BE49-F238E27FC236}">
-                <a16:creationId xmlns:a16="http://schemas.microsoft.com/office/drawing/2014/main" xmlns="" id="{45B68BE5-7EDC-4CF8-AA4A-C53395F29AD3}"/>
-              </a:ext>
-            </a:extLst>
-          </p:cNvPr>
-          <p:cNvPicPr>
-            <a:picLocks noChangeAspect="1"/>
-          </p:cNvPicPr>
-          <p:nvPr/>
-        </p:nvPicPr>
-        <p:blipFill>
-          <a:blip r:embed="rId2"/>
-          <a:stretch>
-            <a:fillRect/>
-          </a:stretch>
-        </p:blipFill>
-        <p:spPr>
-          <a:xfrm>
-            <a:off x="609600" y="1690688"/>
-            <a:ext cx="5447794" cy="4486275"/>
-          </a:xfrm>
-          <a:prstGeom prst="rect">
-            <a:avLst/>
-          </a:prstGeom>
-        </p:spPr>
-      </p:pic>
-    </p:spTree>
-    <p:extLst>
-      <p:ext uri="{BB962C8B-B14F-4D97-AF65-F5344CB8AC3E}">
-        <p14:creationId xmlns:p14="http://schemas.microsoft.com/office/powerpoint/2010/main" val="3533321758"/>
-      </p:ext>
-    </p:extLst>
-  </p:cSld>
-  <p:clrMapOvr>
-    <a:masterClrMapping/>
-  </p:clrMapOvr>
-</p:sld>
-</file>
-
-<file path=ppt/slides/slide23.xml><?xml version="1.0" encoding="utf-8"?>
-<p:sld xmlns:a="http://schemas.openxmlformats.org/drawingml/2006/main" xmlns:r="http://schemas.openxmlformats.org/officeDocument/2006/relationships" xmlns:p="http://schemas.openxmlformats.org/presentationml/2006/main">
-  <p:cSld>
-    <p:spTree>
-      <p:nvGrpSpPr>
-        <p:cNvPr id="1" name=""/>
-        <p:cNvGrpSpPr/>
-        <p:nvPr/>
-      </p:nvGrpSpPr>
-      <p:grpSpPr>
-        <a:xfrm>
-          <a:off x="0" y="0"/>
-          <a:ext cx="0" cy="0"/>
-          <a:chOff x="0" y="0"/>
-          <a:chExt cx="0" cy="0"/>
-        </a:xfrm>
-      </p:grpSpPr>
-      <p:sp>
-        <p:nvSpPr>
-          <p:cNvPr id="6" name="TextBox 5">
-            <a:extLst>
-              <a:ext uri="{FF2B5EF4-FFF2-40B4-BE49-F238E27FC236}">
-                <a16:creationId xmlns:a16="http://schemas.microsoft.com/office/drawing/2014/main" xmlns="" id="{995B8216-8A75-4E11-943B-A4DCE08EE08A}"/>
-              </a:ext>
-            </a:extLst>
-          </p:cNvPr>
-          <p:cNvSpPr txBox="1"/>
-          <p:nvPr/>
-        </p:nvSpPr>
-        <p:spPr>
-          <a:xfrm>
-            <a:off x="5888235" y="1884036"/>
-            <a:ext cx="6093618" cy="3785652"/>
-          </a:xfrm>
-          <a:prstGeom prst="rect">
-            <a:avLst/>
-          </a:prstGeom>
-          <a:noFill/>
-        </p:spPr>
-        <p:txBody>
-          <a:bodyPr wrap="square">
-            <a:spAutoFit/>
-          </a:bodyPr>
-          <a:lstStyle/>
-          <a:p>
-            <a:r>
-              <a:rPr lang="en-GB" sz="2000" b="1" dirty="0">
-                <a:latin typeface="Times New Roman" panose="02020603050405020304" pitchFamily="18" charset="0"/>
-                <a:cs typeface="Times New Roman" panose="02020603050405020304" pitchFamily="18" charset="0"/>
-              </a:rPr>
-              <a:t>Key Insights:</a:t>
-            </a:r>
-          </a:p>
-          <a:p>
-            <a:pPr algn="l"/>
-            <a:r>
-              <a:rPr lang="en-US" sz="2000" b="0" i="0" dirty="0">
-                <a:effectLst/>
-                <a:latin typeface="Times New Roman" panose="02020603050405020304" pitchFamily="18" charset="0"/>
-                <a:cs typeface="Times New Roman" panose="02020603050405020304" pitchFamily="18" charset="0"/>
-              </a:rPr>
-              <a:t>This analysis, which was limited to the first 10 brand-year combinations in the data (primarily </a:t>
-            </a:r>
-            <a:r>
-              <a:rPr lang="en-US" sz="2000" b="0" i="0" dirty="0" err="1">
-                <a:effectLst/>
-                <a:latin typeface="Times New Roman" panose="02020603050405020304" pitchFamily="18" charset="0"/>
-                <a:cs typeface="Times New Roman" panose="02020603050405020304" pitchFamily="18" charset="0"/>
-              </a:rPr>
-              <a:t>Adsun</a:t>
-            </a:r>
-            <a:r>
-              <a:rPr lang="en-US" sz="2000" b="0" i="0" dirty="0">
-                <a:effectLst/>
-                <a:latin typeface="Times New Roman" panose="02020603050405020304" pitchFamily="18" charset="0"/>
-                <a:cs typeface="Times New Roman" panose="02020603050405020304" pitchFamily="18" charset="0"/>
-              </a:rPr>
-              <a:t>, BPL, and </a:t>
-            </a:r>
-            <a:r>
-              <a:rPr lang="en-US" sz="2000" b="0" i="0" dirty="0" err="1">
-                <a:effectLst/>
-                <a:latin typeface="Times New Roman" panose="02020603050405020304" pitchFamily="18" charset="0"/>
-                <a:cs typeface="Times New Roman" panose="02020603050405020304" pitchFamily="18" charset="0"/>
-              </a:rPr>
-              <a:t>Blaupunkt</a:t>
-            </a:r>
-            <a:r>
-              <a:rPr lang="en-US" sz="2000" b="0" i="0" dirty="0">
-                <a:effectLst/>
-                <a:latin typeface="Times New Roman" panose="02020603050405020304" pitchFamily="18" charset="0"/>
-                <a:cs typeface="Times New Roman" panose="02020603050405020304" pitchFamily="18" charset="0"/>
-              </a:rPr>
-              <a:t>), shows:</a:t>
-            </a:r>
-          </a:p>
-          <a:p>
-            <a:pPr algn="l"/>
-            <a:endParaRPr lang="en-US" sz="2000" b="0" i="0" dirty="0">
-              <a:effectLst/>
-              <a:latin typeface="Times New Roman" panose="02020603050405020304" pitchFamily="18" charset="0"/>
-              <a:cs typeface="Times New Roman" panose="02020603050405020304" pitchFamily="18" charset="0"/>
-            </a:endParaRPr>
-          </a:p>
-          <a:p>
-            <a:pPr marL="342900" indent="-342900" algn="l">
-              <a:buFont typeface="+mj-lt"/>
-              <a:buAutoNum type="arabicPeriod"/>
-            </a:pPr>
-            <a:r>
-              <a:rPr lang="en-US" sz="2000" b="0" i="0" dirty="0">
-                <a:effectLst/>
-                <a:latin typeface="Times New Roman" panose="02020603050405020304" pitchFamily="18" charset="0"/>
-                <a:cs typeface="Times New Roman" panose="02020603050405020304" pitchFamily="18" charset="0"/>
-              </a:rPr>
-              <a:t>BPL demonstrated strong, consistent satisfaction, with its average rating holding steady around 4.2-4.3 between 2018 and 2021.</a:t>
-            </a:r>
-          </a:p>
-          <a:p>
-            <a:pPr marL="342900" indent="-342900" algn="l">
-              <a:buFont typeface="+mj-lt"/>
-              <a:buAutoNum type="arabicPeriod"/>
-            </a:pPr>
-            <a:r>
-              <a:rPr lang="en-US" sz="2000" b="0" i="0" dirty="0" err="1">
-                <a:effectLst/>
-                <a:latin typeface="Times New Roman" panose="02020603050405020304" pitchFamily="18" charset="0"/>
-                <a:cs typeface="Times New Roman" panose="02020603050405020304" pitchFamily="18" charset="0"/>
-              </a:rPr>
-              <a:t>Blaupunkt</a:t>
-            </a:r>
-            <a:r>
-              <a:rPr lang="en-US" sz="2000" b="0" i="0" dirty="0">
-                <a:effectLst/>
-                <a:latin typeface="Times New Roman" panose="02020603050405020304" pitchFamily="18" charset="0"/>
-                <a:cs typeface="Times New Roman" panose="02020603050405020304" pitchFamily="18" charset="0"/>
-              </a:rPr>
-              <a:t> also showed high consistency in its 2021 and 2022 models, with ratings around 4.3-4.4.</a:t>
-            </a:r>
-          </a:p>
-          <a:p>
-            <a:pPr marL="342900" indent="-342900" algn="l">
-              <a:buFont typeface="+mj-lt"/>
-              <a:buAutoNum type="arabicPeriod"/>
-            </a:pPr>
-            <a:r>
-              <a:rPr lang="en-US" sz="2000" b="0" i="0" dirty="0" err="1">
-                <a:effectLst/>
-                <a:latin typeface="Times New Roman" panose="02020603050405020304" pitchFamily="18" charset="0"/>
-                <a:cs typeface="Times New Roman" panose="02020603050405020304" pitchFamily="18" charset="0"/>
-              </a:rPr>
-              <a:t>Adsun</a:t>
-            </a:r>
-            <a:r>
-              <a:rPr lang="en-US" sz="2000" b="0" i="0" dirty="0">
-                <a:effectLst/>
-                <a:latin typeface="Times New Roman" panose="02020603050405020304" pitchFamily="18" charset="0"/>
-                <a:cs typeface="Times New Roman" panose="02020603050405020304" pitchFamily="18" charset="0"/>
-              </a:rPr>
-              <a:t> experienced a slight decline in average ratings from 2019 to 2021.</a:t>
-            </a:r>
-          </a:p>
-        </p:txBody>
-      </p:sp>
-      <p:pic>
-        <p:nvPicPr>
-          <p:cNvPr id="8" name="Picture 7">
-            <a:extLst>
-              <a:ext uri="{FF2B5EF4-FFF2-40B4-BE49-F238E27FC236}">
-                <a16:creationId xmlns:a16="http://schemas.microsoft.com/office/drawing/2014/main" xmlns="" id="{F4F74CF1-C6C3-4847-9A13-23C3CFA1B1BA}"/>
-              </a:ext>
-            </a:extLst>
-          </p:cNvPr>
-          <p:cNvPicPr>
-            <a:picLocks noChangeAspect="1"/>
-          </p:cNvPicPr>
-          <p:nvPr/>
-        </p:nvPicPr>
-        <p:blipFill>
-          <a:blip r:embed="rId2"/>
-          <a:stretch>
-            <a:fillRect/>
-          </a:stretch>
-        </p:blipFill>
-        <p:spPr>
-          <a:xfrm>
-            <a:off x="431227" y="909437"/>
-            <a:ext cx="5250436" cy="2867425"/>
-          </a:xfrm>
-          <a:prstGeom prst="rect">
-            <a:avLst/>
-          </a:prstGeom>
-        </p:spPr>
-      </p:pic>
-      <p:sp>
-        <p:nvSpPr>
-          <p:cNvPr id="10" name="TextBox 9">
-            <a:extLst>
-              <a:ext uri="{FF2B5EF4-FFF2-40B4-BE49-F238E27FC236}">
-                <a16:creationId xmlns:a16="http://schemas.microsoft.com/office/drawing/2014/main" xmlns="" id="{3E9A1814-24CF-4E7D-832B-187F643C7D30}"/>
-              </a:ext>
-            </a:extLst>
-          </p:cNvPr>
-          <p:cNvSpPr txBox="1"/>
-          <p:nvPr/>
-        </p:nvSpPr>
-        <p:spPr>
-          <a:xfrm>
-            <a:off x="289322" y="201551"/>
-            <a:ext cx="11197827" cy="707886"/>
-          </a:xfrm>
-          <a:prstGeom prst="rect">
-            <a:avLst/>
-          </a:prstGeom>
-          <a:noFill/>
-        </p:spPr>
-        <p:txBody>
-          <a:bodyPr wrap="square">
-            <a:spAutoFit/>
-          </a:bodyPr>
-          <a:lstStyle/>
-          <a:p>
-            <a:r>
-              <a:rPr lang="en-US" sz="2000" dirty="0">
-                <a:solidFill>
-                  <a:srgbClr val="FF0000"/>
-                </a:solidFill>
-                <a:latin typeface="Algerian" panose="04020705040A02060702" pitchFamily="82" charset="0"/>
-              </a:rPr>
-              <a:t>Which combination of brand, launch year, and rating reveals consistent customer satisfaction over time?</a:t>
-            </a:r>
-          </a:p>
-        </p:txBody>
-      </p:sp>
-    </p:spTree>
-    <p:extLst>
-      <p:ext uri="{BB962C8B-B14F-4D97-AF65-F5344CB8AC3E}">
-        <p14:creationId xmlns:p14="http://schemas.microsoft.com/office/powerpoint/2010/main" val="2744735137"/>
-      </p:ext>
-    </p:extLst>
-  </p:cSld>
-  <p:clrMapOvr>
-    <a:masterClrMapping/>
-  </p:clrMapOvr>
-</p:sld>
-</file>
-
-<file path=ppt/slides/slide24.xml><?xml version="1.0" encoding="utf-8"?>
-<p:sld xmlns:a="http://schemas.openxmlformats.org/drawingml/2006/main" xmlns:r="http://schemas.openxmlformats.org/officeDocument/2006/relationships" xmlns:p="http://schemas.openxmlformats.org/presentationml/2006/main">
-  <p:cSld>
-    <p:spTree>
-      <p:nvGrpSpPr>
-        <p:cNvPr id="1" name=""/>
-        <p:cNvGrpSpPr/>
-        <p:nvPr/>
-      </p:nvGrpSpPr>
-      <p:grpSpPr>
-        <a:xfrm>
-          <a:off x="0" y="0"/>
-          <a:ext cx="0" cy="0"/>
-          <a:chOff x="0" y="0"/>
-          <a:chExt cx="0" cy="0"/>
-        </a:xfrm>
-      </p:grpSpPr>
-      <p:sp>
-        <p:nvSpPr>
-          <p:cNvPr id="2" name="Title 1">
-            <a:extLst>
-              <a:ext uri="{FF2B5EF4-FFF2-40B4-BE49-F238E27FC236}">
-                <a16:creationId xmlns:a16="http://schemas.microsoft.com/office/drawing/2014/main" xmlns="" id="{7AB83D65-9237-47A4-B27C-8D8068CB2BD5}"/>
-              </a:ext>
-            </a:extLst>
-          </p:cNvPr>
-          <p:cNvSpPr>
-            <a:spLocks noGrp="1"/>
-          </p:cNvSpPr>
-          <p:nvPr>
-            <p:ph type="title"/>
-          </p:nvPr>
-        </p:nvSpPr>
-        <p:spPr/>
-        <p:txBody>
-          <a:bodyPr>
-            <a:normAutofit/>
-          </a:bodyPr>
-          <a:lstStyle/>
-          <a:p>
-            <a:r>
-              <a:rPr lang="en-US" sz="3600" dirty="0">
-                <a:solidFill>
-                  <a:srgbClr val="FF0000"/>
-                </a:solidFill>
-                <a:latin typeface="Algerian" panose="04020705040A02060702" pitchFamily="82" charset="0"/>
-              </a:rPr>
-              <a:t>conclusion</a:t>
-            </a:r>
-          </a:p>
-        </p:txBody>
-      </p:sp>
-      <p:sp>
-        <p:nvSpPr>
-          <p:cNvPr id="3" name="Text Placeholder 2">
-            <a:extLst>
-              <a:ext uri="{FF2B5EF4-FFF2-40B4-BE49-F238E27FC236}">
-                <a16:creationId xmlns:a16="http://schemas.microsoft.com/office/drawing/2014/main" xmlns="" id="{217EFD1E-9D3E-481C-93DF-80D704581261}"/>
+                <a16:creationId xmlns="" xmlns:a16="http://schemas.microsoft.com/office/drawing/2014/main" id="{217EFD1E-9D3E-481C-93DF-80D704581261}"/>
               </a:ext>
             </a:extLst>
           </p:cNvPr>
@@ -18727,167 +16473,101 @@
         </p:nvSpPr>
         <p:spPr>
           <a:xfrm>
-            <a:off x="838200" y="1825625"/>
-            <a:ext cx="10515600" cy="4351338"/>
+            <a:off x="403633" y="950615"/>
+            <a:ext cx="11429245" cy="2317686"/>
           </a:xfrm>
         </p:spPr>
         <p:txBody>
           <a:bodyPr>
-            <a:normAutofit/>
+            <a:noAutofit/>
           </a:bodyPr>
           <a:lstStyle/>
           <a:p>
+            <a:pPr marL="114300" indent="0">
+              <a:buNone/>
+            </a:pPr>
+            <a:r>
+              <a:rPr lang="en-GB" sz="1800" b="1" dirty="0">
+                <a:latin typeface="Times New Roman" panose="02020603050405020304" pitchFamily="18" charset="0"/>
+                <a:cs typeface="Times New Roman" panose="02020603050405020304" pitchFamily="18" charset="0"/>
+              </a:rPr>
+              <a:t>Suggestions for Customers</a:t>
+            </a:r>
+          </a:p>
+          <a:p>
             <a:pPr algn="just"/>
             <a:r>
-              <a:rPr lang="en-US" sz="2400" dirty="0">
-                <a:latin typeface="Times New Roman" panose="02020603050405020304" pitchFamily="18" charset="0"/>
-                <a:cs typeface="Times New Roman" panose="02020603050405020304" pitchFamily="18" charset="0"/>
-              </a:rPr>
-              <a:t>Our analysis of </a:t>
-            </a:r>
-            <a:r>
-              <a:rPr lang="en-US" sz="2400" b="1" dirty="0">
-                <a:latin typeface="Times New Roman" panose="02020603050405020304" pitchFamily="18" charset="0"/>
-                <a:cs typeface="Times New Roman" panose="02020603050405020304" pitchFamily="18" charset="0"/>
-              </a:rPr>
-              <a:t>616</a:t>
-            </a:r>
-            <a:r>
-              <a:rPr lang="en-US" sz="2400" dirty="0">
-                <a:latin typeface="Times New Roman" panose="02020603050405020304" pitchFamily="18" charset="0"/>
-                <a:cs typeface="Times New Roman" panose="02020603050405020304" pitchFamily="18" charset="0"/>
-              </a:rPr>
-              <a:t> </a:t>
-            </a:r>
-            <a:r>
-              <a:rPr lang="en-US" sz="2400" b="1" dirty="0">
-                <a:latin typeface="Times New Roman" panose="02020603050405020304" pitchFamily="18" charset="0"/>
-                <a:cs typeface="Times New Roman" panose="02020603050405020304" pitchFamily="18" charset="0"/>
-              </a:rPr>
-              <a:t>Flipkart Smart TVs </a:t>
-            </a:r>
-            <a:r>
-              <a:rPr lang="en-US" sz="2400" dirty="0">
-                <a:latin typeface="Times New Roman" panose="02020603050405020304" pitchFamily="18" charset="0"/>
-                <a:cs typeface="Times New Roman" panose="02020603050405020304" pitchFamily="18" charset="0"/>
-              </a:rPr>
-              <a:t>shows the market is dominated by </a:t>
-            </a:r>
-            <a:r>
-              <a:rPr lang="en-US" sz="2400" b="1" dirty="0">
-                <a:latin typeface="Times New Roman" panose="02020603050405020304" pitchFamily="18" charset="0"/>
-                <a:cs typeface="Times New Roman" panose="02020603050405020304" pitchFamily="18" charset="0"/>
-              </a:rPr>
-              <a:t>budget-friendly (&lt;\₹50K) LED models</a:t>
-            </a:r>
-            <a:r>
-              <a:rPr lang="en-US" sz="2400" dirty="0">
-                <a:latin typeface="Times New Roman" panose="02020603050405020304" pitchFamily="18" charset="0"/>
-                <a:cs typeface="Times New Roman" panose="02020603050405020304" pitchFamily="18" charset="0"/>
-              </a:rPr>
-              <a:t>, with a heavy focus on recent </a:t>
-            </a:r>
-            <a:r>
-              <a:rPr lang="en-US" sz="2400" b="1" dirty="0">
-                <a:latin typeface="Times New Roman" panose="02020603050405020304" pitchFamily="18" charset="0"/>
-                <a:cs typeface="Times New Roman" panose="02020603050405020304" pitchFamily="18" charset="0"/>
-              </a:rPr>
-              <a:t>2024-2025 launches</a:t>
-            </a:r>
-            <a:r>
-              <a:rPr lang="en-US" sz="2400" dirty="0">
-                <a:latin typeface="Times New Roman" panose="02020603050405020304" pitchFamily="18" charset="0"/>
-                <a:cs typeface="Times New Roman" panose="02020603050405020304" pitchFamily="18" charset="0"/>
-              </a:rPr>
-              <a:t>. The biggest price driver is </a:t>
-            </a:r>
-            <a:r>
-              <a:rPr lang="en-US" sz="2400" b="1" dirty="0">
-                <a:latin typeface="Times New Roman" panose="02020603050405020304" pitchFamily="18" charset="0"/>
-                <a:cs typeface="Times New Roman" panose="02020603050405020304" pitchFamily="18" charset="0"/>
-              </a:rPr>
-              <a:t>display technology</a:t>
-            </a:r>
-            <a:r>
-              <a:rPr lang="en-US" sz="2400" dirty="0">
-                <a:latin typeface="Times New Roman" panose="02020603050405020304" pitchFamily="18" charset="0"/>
-                <a:cs typeface="Times New Roman" panose="02020603050405020304" pitchFamily="18" charset="0"/>
-              </a:rPr>
-              <a:t>, where premium </a:t>
-            </a:r>
-            <a:r>
-              <a:rPr lang="en-US" sz="2400" b="1" dirty="0">
-                <a:latin typeface="Times New Roman" panose="02020603050405020304" pitchFamily="18" charset="0"/>
-                <a:cs typeface="Times New Roman" panose="02020603050405020304" pitchFamily="18" charset="0"/>
-              </a:rPr>
-              <a:t>Mini LED and OLED cost the most</a:t>
-            </a:r>
-            <a:r>
-              <a:rPr lang="en-US" sz="2400" dirty="0">
-                <a:latin typeface="Times New Roman" panose="02020603050405020304" pitchFamily="18" charset="0"/>
-                <a:cs typeface="Times New Roman" panose="02020603050405020304" pitchFamily="18" charset="0"/>
-              </a:rPr>
-              <a:t>. While 20W is the standard audio output, </a:t>
-            </a:r>
-            <a:r>
-              <a:rPr lang="en-US" sz="2400" b="1" dirty="0">
-                <a:latin typeface="Times New Roman" panose="02020603050405020304" pitchFamily="18" charset="0"/>
-                <a:cs typeface="Times New Roman" panose="02020603050405020304" pitchFamily="18" charset="0"/>
-              </a:rPr>
-              <a:t>larger screens (55"+) consistently offer higher-powered sound</a:t>
-            </a:r>
-            <a:r>
-              <a:rPr lang="en-US" sz="2400" dirty="0">
-                <a:latin typeface="Times New Roman" panose="02020603050405020304" pitchFamily="18" charset="0"/>
-                <a:cs typeface="Times New Roman" panose="02020603050405020304" pitchFamily="18" charset="0"/>
-              </a:rPr>
-              <a:t>. Customer satisfaction is </a:t>
-            </a:r>
-            <a:r>
-              <a:rPr lang="en-US" sz="2400" b="1" dirty="0">
-                <a:latin typeface="Times New Roman" panose="02020603050405020304" pitchFamily="18" charset="0"/>
-                <a:cs typeface="Times New Roman" panose="02020603050405020304" pitchFamily="18" charset="0"/>
-              </a:rPr>
-              <a:t>overwhelmingly high</a:t>
-            </a:r>
-            <a:r>
-              <a:rPr lang="en-US" sz="2400" dirty="0">
-                <a:latin typeface="Times New Roman" panose="02020603050405020304" pitchFamily="18" charset="0"/>
-                <a:cs typeface="Times New Roman" panose="02020603050405020304" pitchFamily="18" charset="0"/>
-              </a:rPr>
-              <a:t> (most ratings 3.8-5.0), and we found a strong link between </a:t>
-            </a:r>
-            <a:r>
-              <a:rPr lang="en-US" sz="2400" b="1" dirty="0">
-                <a:latin typeface="Times New Roman" panose="02020603050405020304" pitchFamily="18" charset="0"/>
-                <a:cs typeface="Times New Roman" panose="02020603050405020304" pitchFamily="18" charset="0"/>
-              </a:rPr>
-              <a:t>longer warranties (3+ years) and higher, more consistent ratings</a:t>
-            </a:r>
-            <a:r>
-              <a:rPr lang="en-US" sz="2400" dirty="0">
+              <a:rPr lang="en-GB" sz="1800" dirty="0">
+                <a:latin typeface="Times New Roman" panose="02020603050405020304" pitchFamily="18" charset="0"/>
+                <a:cs typeface="Times New Roman" panose="02020603050405020304" pitchFamily="18" charset="0"/>
+              </a:rPr>
+              <a:t>Don’t rely only on price — check display type and warranty for long-term value.</a:t>
+            </a:r>
+          </a:p>
+          <a:p>
+            <a:pPr algn="just"/>
+            <a:r>
+              <a:rPr lang="en-GB" sz="1800" dirty="0">
+                <a:latin typeface="Times New Roman" panose="02020603050405020304" pitchFamily="18" charset="0"/>
+                <a:cs typeface="Times New Roman" panose="02020603050405020304" pitchFamily="18" charset="0"/>
+              </a:rPr>
+              <a:t>LED TVs are great for budget buyers, while QLED or OLED are better for premium experience.</a:t>
+            </a:r>
+          </a:p>
+          <a:p>
+            <a:pPr algn="just"/>
+            <a:r>
+              <a:rPr lang="en-GB" sz="1800" dirty="0">
+                <a:latin typeface="Times New Roman" panose="02020603050405020304" pitchFamily="18" charset="0"/>
+                <a:cs typeface="Times New Roman" panose="02020603050405020304" pitchFamily="18" charset="0"/>
+              </a:rPr>
+              <a:t>Look for 3+ year warranties — these models tend to have better reliability and user satisfaction.</a:t>
+            </a:r>
+          </a:p>
+          <a:p>
+            <a:pPr algn="just"/>
+            <a:r>
+              <a:rPr lang="en-GB" sz="1800" dirty="0">
+                <a:latin typeface="Times New Roman" panose="02020603050405020304" pitchFamily="18" charset="0"/>
+                <a:cs typeface="Times New Roman" panose="02020603050405020304" pitchFamily="18" charset="0"/>
+              </a:rPr>
+              <a:t>Compare sound output if you prefer cinematic or loud viewing experiences</a:t>
+            </a:r>
+            <a:r>
+              <a:rPr lang="en-GB" sz="1800" dirty="0" smtClean="0">
                 <a:latin typeface="Times New Roman" panose="02020603050405020304" pitchFamily="18" charset="0"/>
                 <a:cs typeface="Times New Roman" panose="02020603050405020304" pitchFamily="18" charset="0"/>
               </a:rPr>
               <a:t>.</a:t>
             </a:r>
+            <a:endParaRPr lang="en-GB" sz="1800" dirty="0">
+              <a:latin typeface="Times New Roman" panose="02020603050405020304" pitchFamily="18" charset="0"/>
+              <a:cs typeface="Times New Roman" panose="02020603050405020304" pitchFamily="18" charset="0"/>
+            </a:endParaRPr>
           </a:p>
         </p:txBody>
       </p:sp>
     </p:spTree>
     <p:extLst>
       <p:ext uri="{BB962C8B-B14F-4D97-AF65-F5344CB8AC3E}">
-        <p14:creationId xmlns:p14="http://schemas.microsoft.com/office/powerpoint/2010/main" val="1430640546"/>
+        <p14:creationId xmlns:p14="http://schemas.microsoft.com/office/powerpoint/2010/main" val="1429098225"/>
       </p:ext>
     </p:extLst>
   </p:cSld>
   <p:clrMapOvr>
     <a:masterClrMapping/>
   </p:clrMapOvr>
+  <p:timing>
+    <p:tnLst>
+      <p:par>
+        <p:cTn id="1" dur="indefinite" restart="never" nodeType="tmRoot"/>
+      </p:par>
+    </p:tnLst>
+  </p:timing>
 </p:sld>
 </file>
 
-<file path=ppt/slides/slide25.xml><?xml version="1.0" encoding="utf-8"?>
+<file path=ppt/slides/slide23.xml><?xml version="1.0" encoding="utf-8"?>
 <p:sld xmlns:a="http://schemas.openxmlformats.org/drawingml/2006/main" xmlns:r="http://schemas.openxmlformats.org/officeDocument/2006/relationships" xmlns:p="http://schemas.openxmlformats.org/presentationml/2006/main">
   <p:cSld>
     <p:spTree>
@@ -18939,8 +16619,8 @@
         </p:nvSpPr>
         <p:spPr>
           <a:xfrm>
-            <a:off x="1244600" y="2997200"/>
-            <a:ext cx="3661836" cy="769441"/>
+            <a:off x="873408" y="2997200"/>
+            <a:ext cx="4278014" cy="769441"/>
           </a:xfrm>
           <a:prstGeom prst="rect">
             <a:avLst/>
@@ -18975,7 +16655,7 @@
                 <a:solidFill>
                   <a:srgbClr val="C00000"/>
                 </a:solidFill>
-                <a:latin typeface="Algerian" panose="04020705040A02060702" pitchFamily="82" charset="0"/>
+                <a:latin typeface="Castellar" panose="020A0402060406010301" pitchFamily="18" charset="0"/>
                 <a:ea typeface="Libre Baskerville"/>
                 <a:cs typeface="Libre Baskerville"/>
                 <a:sym typeface="Libre Baskerville"/>
@@ -18986,7 +16666,7 @@
               <a:solidFill>
                 <a:schemeClr val="dk1"/>
               </a:solidFill>
-              <a:latin typeface="Algerian" panose="04020705040A02060702" pitchFamily="82" charset="0"/>
+              <a:latin typeface="Castellar" panose="020A0402060406010301" pitchFamily="18" charset="0"/>
               <a:ea typeface="Calibri"/>
               <a:cs typeface="Calibri"/>
               <a:sym typeface="Calibri"/>
@@ -19110,7 +16790,7 @@
           <p:cNvPr id="5" name="Title 4">
             <a:extLst>
               <a:ext uri="{FF2B5EF4-FFF2-40B4-BE49-F238E27FC236}">
-                <a16:creationId xmlns:a16="http://schemas.microsoft.com/office/drawing/2014/main" xmlns="" id="{56670AA4-D69D-41DB-B5C8-BD99A21F9F68}"/>
+                <a16:creationId xmlns="" xmlns:a16="http://schemas.microsoft.com/office/drawing/2014/main" id="{56670AA4-D69D-41DB-B5C8-BD99A21F9F68}"/>
               </a:ext>
             </a:extLst>
           </p:cNvPr>
@@ -19124,7 +16804,7 @@
         <p:spPr>
           <a:xfrm>
             <a:off x="838200" y="3065463"/>
-            <a:ext cx="10515600" cy="1325563"/>
+            <a:ext cx="3652319" cy="1325563"/>
           </a:xfrm>
         </p:spPr>
         <p:txBody>
@@ -19138,7 +16818,7 @@
                 <a:solidFill>
                   <a:srgbClr val="C00000"/>
                 </a:solidFill>
-                <a:latin typeface="Algerian" panose="04020705040A02060702" pitchFamily="82" charset="0"/>
+                <a:latin typeface="Castellar" panose="020A0402060406010301" pitchFamily="18" charset="0"/>
               </a:rPr>
               <a:t>AGENDA</a:t>
             </a:r>
@@ -19269,7 +16949,7 @@
           <p:cNvPr id="2" name="Title 1">
             <a:extLst>
               <a:ext uri="{FF2B5EF4-FFF2-40B4-BE49-F238E27FC236}">
-                <a16:creationId xmlns:a16="http://schemas.microsoft.com/office/drawing/2014/main" xmlns="" id="{A55C2518-7E99-4973-BB37-1F56F1ADCAD3}"/>
+                <a16:creationId xmlns="" xmlns:a16="http://schemas.microsoft.com/office/drawing/2014/main" id="{A55C2518-7E99-4973-BB37-1F56F1ADCAD3}"/>
               </a:ext>
             </a:extLst>
           </p:cNvPr>
@@ -19288,17 +16968,16 @@
         </p:spPr>
         <p:txBody>
           <a:bodyPr>
-            <a:normAutofit fontScale="90000"/>
+            <a:normAutofit/>
           </a:bodyPr>
           <a:lstStyle/>
           <a:p>
-            <a:pPr algn="ctr"/>
-            <a:r>
-              <a:rPr lang="en-US" sz="3600" dirty="0">
+            <a:r>
+              <a:rPr lang="en-US" sz="3600" b="1" dirty="0">
                 <a:solidFill>
                   <a:srgbClr val="C00000"/>
                 </a:solidFill>
-                <a:latin typeface="Algerian" panose="04020705040A02060702" pitchFamily="82" charset="0"/>
+                <a:latin typeface="Bahnschrift Light Condensed" panose="020B0502040204020203" pitchFamily="34" charset="0"/>
               </a:rPr>
               <a:t>Objective of the Project</a:t>
             </a:r>
@@ -19310,7 +16989,7 @@
           <p:cNvPr id="3" name="Text Placeholder 2">
             <a:extLst>
               <a:ext uri="{FF2B5EF4-FFF2-40B4-BE49-F238E27FC236}">
-                <a16:creationId xmlns:a16="http://schemas.microsoft.com/office/drawing/2014/main" xmlns="" id="{CDB733D9-FB34-44F9-A601-1F16A19730E5}"/>
+                <a16:creationId xmlns="" xmlns:a16="http://schemas.microsoft.com/office/drawing/2014/main" id="{CDB733D9-FB34-44F9-A601-1F16A19730E5}"/>
               </a:ext>
             </a:extLst>
           </p:cNvPr>
@@ -19333,16 +17012,143 @@
           </a:bodyPr>
           <a:lstStyle/>
           <a:p>
-            <a:pPr marL="114300" indent="0" algn="just">
-              <a:buNone/>
+            <a:pPr indent="-342900" algn="just">
+              <a:buFont typeface="Arial" panose="020B0604020202020204" pitchFamily="34" charset="0"/>
+              <a:buChar char="•"/>
             </a:pPr>
             <a:r>
-              <a:rPr lang="en-US" sz="2000" dirty="0">
-                <a:latin typeface="Times New Roman" panose="02020603050405020304" pitchFamily="18" charset="0"/>
-                <a:cs typeface="Times New Roman" panose="02020603050405020304" pitchFamily="18" charset="0"/>
-              </a:rPr>
-              <a:t>The primary objective of this project is to extract, clean, and analyze Smart TV product data from Flipkart using Python-based web scraping techniques. Through data analysis, we aim to explore how various product features influence price and customer ratings, identify dominant display technologies, and examine pricing distribution across different market segments. Additionally, the study seeks to uncover trends in product launches and sound output configurations to better understand the current landscape of the Smart TV market. The insights generated can help consumers make informed decisions and assist businesses in understanding feature–price dynamics and customer expectations.</a:t>
-            </a:r>
+              <a:rPr lang="en-GB" sz="1800" dirty="0">
+                <a:latin typeface="Times New Roman" panose="02020603050405020304" pitchFamily="18" charset="0"/>
+                <a:cs typeface="Times New Roman" panose="02020603050405020304" pitchFamily="18" charset="0"/>
+              </a:rPr>
+              <a:t>To extract, clean, and </a:t>
+            </a:r>
+            <a:r>
+              <a:rPr lang="en-GB" sz="1800" dirty="0" smtClean="0">
+                <a:latin typeface="Times New Roman" panose="02020603050405020304" pitchFamily="18" charset="0"/>
+                <a:cs typeface="Times New Roman" panose="02020603050405020304" pitchFamily="18" charset="0"/>
+              </a:rPr>
+              <a:t>analyse </a:t>
+            </a:r>
+            <a:r>
+              <a:rPr lang="en-GB" sz="1800" dirty="0">
+                <a:latin typeface="Times New Roman" panose="02020603050405020304" pitchFamily="18" charset="0"/>
+                <a:cs typeface="Times New Roman" panose="02020603050405020304" pitchFamily="18" charset="0"/>
+              </a:rPr>
+              <a:t>Smart TV product data from Flipkart using Python-based web </a:t>
+            </a:r>
+            <a:r>
+              <a:rPr lang="en-GB" sz="1800" dirty="0" smtClean="0">
+                <a:latin typeface="Times New Roman" panose="02020603050405020304" pitchFamily="18" charset="0"/>
+                <a:cs typeface="Times New Roman" panose="02020603050405020304" pitchFamily="18" charset="0"/>
+              </a:rPr>
+              <a:t>scraping.</a:t>
+            </a:r>
+          </a:p>
+          <a:p>
+            <a:pPr indent="-342900" algn="just">
+              <a:buFont typeface="Arial" panose="020B0604020202020204" pitchFamily="34" charset="0"/>
+              <a:buChar char="•"/>
+            </a:pPr>
+            <a:r>
+              <a:rPr lang="en-GB" sz="1800" dirty="0" smtClean="0">
+                <a:latin typeface="Times New Roman" panose="02020603050405020304" pitchFamily="18" charset="0"/>
+                <a:cs typeface="Times New Roman" panose="02020603050405020304" pitchFamily="18" charset="0"/>
+              </a:rPr>
+              <a:t>To </a:t>
+            </a:r>
+            <a:r>
+              <a:rPr lang="en-GB" sz="1800" dirty="0">
+                <a:latin typeface="Times New Roman" panose="02020603050405020304" pitchFamily="18" charset="0"/>
+                <a:cs typeface="Times New Roman" panose="02020603050405020304" pitchFamily="18" charset="0"/>
+              </a:rPr>
+              <a:t>study how different product features (like display type, resolution, and sound output) influence price and customer </a:t>
+            </a:r>
+            <a:r>
+              <a:rPr lang="en-GB" sz="1800" dirty="0" smtClean="0">
+                <a:latin typeface="Times New Roman" panose="02020603050405020304" pitchFamily="18" charset="0"/>
+                <a:cs typeface="Times New Roman" panose="02020603050405020304" pitchFamily="18" charset="0"/>
+              </a:rPr>
+              <a:t>ratings.</a:t>
+            </a:r>
+          </a:p>
+          <a:p>
+            <a:pPr indent="-342900" algn="just">
+              <a:buFont typeface="Arial" panose="020B0604020202020204" pitchFamily="34" charset="0"/>
+              <a:buChar char="•"/>
+            </a:pPr>
+            <a:r>
+              <a:rPr lang="en-GB" sz="1800" dirty="0" smtClean="0">
+                <a:latin typeface="Times New Roman" panose="02020603050405020304" pitchFamily="18" charset="0"/>
+                <a:cs typeface="Times New Roman" panose="02020603050405020304" pitchFamily="18" charset="0"/>
+              </a:rPr>
+              <a:t>To </a:t>
+            </a:r>
+            <a:r>
+              <a:rPr lang="en-GB" sz="1800" dirty="0">
+                <a:latin typeface="Times New Roman" panose="02020603050405020304" pitchFamily="18" charset="0"/>
+                <a:cs typeface="Times New Roman" panose="02020603050405020304" pitchFamily="18" charset="0"/>
+              </a:rPr>
+              <a:t>identify dominant display technologies and examine price distribution across various market </a:t>
+            </a:r>
+            <a:r>
+              <a:rPr lang="en-GB" sz="1800" dirty="0" smtClean="0">
+                <a:latin typeface="Times New Roman" panose="02020603050405020304" pitchFamily="18" charset="0"/>
+                <a:cs typeface="Times New Roman" panose="02020603050405020304" pitchFamily="18" charset="0"/>
+              </a:rPr>
+              <a:t>segments.</a:t>
+            </a:r>
+          </a:p>
+          <a:p>
+            <a:pPr indent="-342900" algn="just">
+              <a:buFont typeface="Arial" panose="020B0604020202020204" pitchFamily="34" charset="0"/>
+              <a:buChar char="•"/>
+            </a:pPr>
+            <a:r>
+              <a:rPr lang="en-GB" sz="1800" dirty="0" smtClean="0">
+                <a:latin typeface="Times New Roman" panose="02020603050405020304" pitchFamily="18" charset="0"/>
+                <a:cs typeface="Times New Roman" panose="02020603050405020304" pitchFamily="18" charset="0"/>
+              </a:rPr>
+              <a:t>To </a:t>
+            </a:r>
+            <a:r>
+              <a:rPr lang="en-GB" sz="1800" dirty="0">
+                <a:latin typeface="Times New Roman" panose="02020603050405020304" pitchFamily="18" charset="0"/>
+                <a:cs typeface="Times New Roman" panose="02020603050405020304" pitchFamily="18" charset="0"/>
+              </a:rPr>
+              <a:t>uncover trends in product launches and sound configurations to understand the evolving Smart TV </a:t>
+            </a:r>
+            <a:r>
+              <a:rPr lang="en-GB" sz="1800" dirty="0" smtClean="0">
+                <a:latin typeface="Times New Roman" panose="02020603050405020304" pitchFamily="18" charset="0"/>
+                <a:cs typeface="Times New Roman" panose="02020603050405020304" pitchFamily="18" charset="0"/>
+              </a:rPr>
+              <a:t>landscape.</a:t>
+            </a:r>
+          </a:p>
+          <a:p>
+            <a:pPr indent="-342900" algn="just">
+              <a:buFont typeface="Arial" panose="020B0604020202020204" pitchFamily="34" charset="0"/>
+              <a:buChar char="•"/>
+            </a:pPr>
+            <a:r>
+              <a:rPr lang="en-GB" sz="1800" dirty="0" smtClean="0">
+                <a:latin typeface="Times New Roman" panose="02020603050405020304" pitchFamily="18" charset="0"/>
+                <a:cs typeface="Times New Roman" panose="02020603050405020304" pitchFamily="18" charset="0"/>
+              </a:rPr>
+              <a:t>To </a:t>
+            </a:r>
+            <a:r>
+              <a:rPr lang="en-GB" sz="1800" dirty="0">
+                <a:latin typeface="Times New Roman" panose="02020603050405020304" pitchFamily="18" charset="0"/>
+                <a:cs typeface="Times New Roman" panose="02020603050405020304" pitchFamily="18" charset="0"/>
+              </a:rPr>
+              <a:t>generate data-driven insights that help consumers make better purchase decisions and guide businesses in understanding feature–price relationships and customer expectations.</a:t>
+            </a:r>
+            <a:endParaRPr lang="en-US" sz="1800" dirty="0">
+              <a:latin typeface="Times New Roman" panose="02020603050405020304" pitchFamily="18" charset="0"/>
+              <a:cs typeface="Times New Roman" panose="02020603050405020304" pitchFamily="18" charset="0"/>
+            </a:endParaRPr>
           </a:p>
         </p:txBody>
       </p:sp>
@@ -19351,7 +17157,7 @@
           <p:cNvPr id="1028" name="Picture 4" descr="Data Analysis That Help Decision-Makers ...">
             <a:extLst>
               <a:ext uri="{FF2B5EF4-FFF2-40B4-BE49-F238E27FC236}">
-                <a16:creationId xmlns:a16="http://schemas.microsoft.com/office/drawing/2014/main" xmlns="" id="{5C00E767-7BE0-4D5B-88C4-C83A19FA2B00}"/>
+                <a16:creationId xmlns="" xmlns:a16="http://schemas.microsoft.com/office/drawing/2014/main" id="{5C00E767-7BE0-4D5B-88C4-C83A19FA2B00}"/>
               </a:ext>
             </a:extLst>
           </p:cNvPr>
@@ -19415,6 +17221,13 @@
       </p:transition>
     </mc:Fallback>
   </mc:AlternateContent>
+  <p:timing>
+    <p:tnLst>
+      <p:par>
+        <p:cTn id="1" dur="indefinite" restart="never" nodeType="tmRoot"/>
+      </p:par>
+    </p:tnLst>
+  </p:timing>
 </p:sld>
 </file>
 
@@ -19440,7 +17253,7 @@
           <p:cNvPr id="5" name="Title 4">
             <a:extLst>
               <a:ext uri="{FF2B5EF4-FFF2-40B4-BE49-F238E27FC236}">
-                <a16:creationId xmlns:a16="http://schemas.microsoft.com/office/drawing/2014/main" xmlns="" id="{558A060D-F521-4368-97B7-B486E99EC995}"/>
+                <a16:creationId xmlns="" xmlns:a16="http://schemas.microsoft.com/office/drawing/2014/main" id="{558A060D-F521-4368-97B7-B486E99EC995}"/>
               </a:ext>
             </a:extLst>
           </p:cNvPr>
@@ -19476,13 +17289,22 @@
               </a:rPr>
             </a:br>
             <a:r>
-              <a:rPr lang="en-US" sz="3200" b="1" dirty="0">
+              <a:rPr lang="en-US" sz="3600" b="1" dirty="0">
                 <a:solidFill>
                   <a:srgbClr val="C00000"/>
                 </a:solidFill>
-                <a:latin typeface="Algerian" panose="04020705040A02060702" pitchFamily="82" charset="0"/>
-              </a:rPr>
-              <a:t>Web Scraping Methodology: Process                   Overview</a:t>
+                <a:latin typeface="Bahnschrift Light Condensed" panose="020B0502040204020203" pitchFamily="34" charset="0"/>
+              </a:rPr>
+              <a:t>Web Scraping Methodology: </a:t>
+            </a:r>
+            <a:r>
+              <a:rPr lang="en-US" sz="3600" b="1" dirty="0" smtClean="0">
+                <a:solidFill>
+                  <a:srgbClr val="C00000"/>
+                </a:solidFill>
+                <a:latin typeface="Bahnschrift Light Condensed" panose="020B0502040204020203" pitchFamily="34" charset="0"/>
+              </a:rPr>
+              <a:t>Process Overview</a:t>
             </a:r>
             <a:r>
               <a:rPr lang="en-US" sz="3600" b="1" dirty="0">
@@ -19515,7 +17337,7 @@
           <p:cNvPr id="6" name="Text Placeholder 5">
             <a:extLst>
               <a:ext uri="{FF2B5EF4-FFF2-40B4-BE49-F238E27FC236}">
-                <a16:creationId xmlns:a16="http://schemas.microsoft.com/office/drawing/2014/main" xmlns="" id="{CAF945FE-BCCB-4F13-B88A-4F16ABF53C68}"/>
+                <a16:creationId xmlns="" xmlns:a16="http://schemas.microsoft.com/office/drawing/2014/main" id="{CAF945FE-BCCB-4F13-B88A-4F16ABF53C68}"/>
               </a:ext>
             </a:extLst>
           </p:cNvPr>
@@ -19528,8 +17350,8 @@
         </p:nvSpPr>
         <p:spPr>
           <a:xfrm>
-            <a:off x="838200" y="1690688"/>
-            <a:ext cx="7825966" cy="4800647"/>
+            <a:off x="838200" y="1690689"/>
+            <a:ext cx="7083582" cy="4139744"/>
           </a:xfrm>
         </p:spPr>
         <p:txBody>
@@ -19543,7 +17365,7 @@
               <a:buChar char="Ø"/>
             </a:pPr>
             <a:r>
-              <a:rPr lang="en-US" sz="2000" b="1" dirty="0">
+              <a:rPr lang="en-US" sz="1800" b="1" dirty="0">
                 <a:latin typeface="Times New Roman" panose="02020603050405020304" pitchFamily="18" charset="0"/>
                 <a:cs typeface="Times New Roman" panose="02020603050405020304" pitchFamily="18" charset="0"/>
               </a:rPr>
@@ -19555,7 +17377,7 @@
               <a:buNone/>
             </a:pPr>
             <a:r>
-              <a:rPr lang="en-US" sz="2000" dirty="0">
+              <a:rPr lang="en-US" sz="1800" dirty="0">
                 <a:latin typeface="Times New Roman" panose="02020603050405020304" pitchFamily="18" charset="0"/>
                 <a:cs typeface="Times New Roman" panose="02020603050405020304" pitchFamily="18" charset="0"/>
               </a:rPr>
@@ -19568,7 +17390,7 @@
               <a:buChar char="Ø"/>
             </a:pPr>
             <a:r>
-              <a:rPr lang="en-US" sz="2000" b="1" dirty="0">
+              <a:rPr lang="en-US" sz="1800" b="1" dirty="0">
                 <a:latin typeface="Times New Roman" panose="02020603050405020304" pitchFamily="18" charset="0"/>
                 <a:cs typeface="Times New Roman" panose="02020603050405020304" pitchFamily="18" charset="0"/>
               </a:rPr>
@@ -19580,7 +17402,7 @@
               <a:buNone/>
             </a:pPr>
             <a:r>
-              <a:rPr lang="en-US" sz="2000" dirty="0">
+              <a:rPr lang="en-US" sz="1800" dirty="0">
                 <a:latin typeface="Times New Roman" panose="02020603050405020304" pitchFamily="18" charset="0"/>
                 <a:cs typeface="Times New Roman" panose="02020603050405020304" pitchFamily="18" charset="0"/>
               </a:rPr>
@@ -19592,7 +17414,7 @@
               <a:buNone/>
             </a:pPr>
             <a:r>
-              <a:rPr lang="en-US" sz="2000" dirty="0">
+              <a:rPr lang="en-US" sz="1800" dirty="0">
                 <a:latin typeface="Times New Roman" panose="02020603050405020304" pitchFamily="18" charset="0"/>
                 <a:cs typeface="Times New Roman" panose="02020603050405020304" pitchFamily="18" charset="0"/>
               </a:rPr>
@@ -19604,7 +17426,7 @@
               <a:buNone/>
             </a:pPr>
             <a:r>
-              <a:rPr lang="en-US" sz="2000" dirty="0">
+              <a:rPr lang="en-US" sz="1800" dirty="0">
                 <a:latin typeface="Times New Roman" panose="02020603050405020304" pitchFamily="18" charset="0"/>
                 <a:cs typeface="Times New Roman" panose="02020603050405020304" pitchFamily="18" charset="0"/>
               </a:rPr>
@@ -19617,7 +17439,7 @@
               <a:buChar char="Ø"/>
             </a:pPr>
             <a:r>
-              <a:rPr lang="en-US" sz="2000" b="1" dirty="0">
+              <a:rPr lang="en-US" sz="1800" b="1" dirty="0">
                 <a:latin typeface="Times New Roman" panose="02020603050405020304" pitchFamily="18" charset="0"/>
                 <a:cs typeface="Times New Roman" panose="02020603050405020304" pitchFamily="18" charset="0"/>
               </a:rPr>
@@ -19629,14 +17451,14 @@
               <a:buNone/>
             </a:pPr>
             <a:r>
-              <a:rPr lang="en-US" sz="2000" b="1" dirty="0">
+              <a:rPr lang="en-US" sz="1800" b="1" dirty="0">
                 <a:latin typeface="Times New Roman" panose="02020603050405020304" pitchFamily="18" charset="0"/>
                 <a:cs typeface="Times New Roman" panose="02020603050405020304" pitchFamily="18" charset="0"/>
               </a:rPr>
               <a:t>	Programming Language: </a:t>
             </a:r>
             <a:r>
-              <a:rPr lang="en-US" sz="2000" dirty="0">
+              <a:rPr lang="en-US" sz="1800" dirty="0">
                 <a:latin typeface="Times New Roman" panose="02020603050405020304" pitchFamily="18" charset="0"/>
                 <a:cs typeface="Times New Roman" panose="02020603050405020304" pitchFamily="18" charset="0"/>
               </a:rPr>
@@ -19648,14 +17470,14 @@
               <a:buNone/>
             </a:pPr>
             <a:r>
-              <a:rPr lang="en-US" sz="2000" b="1" dirty="0">
+              <a:rPr lang="en-US" sz="1800" b="1" dirty="0">
                 <a:latin typeface="Times New Roman" panose="02020603050405020304" pitchFamily="18" charset="0"/>
                 <a:cs typeface="Times New Roman" panose="02020603050405020304" pitchFamily="18" charset="0"/>
               </a:rPr>
               <a:t>	Tools: </a:t>
             </a:r>
             <a:r>
-              <a:rPr lang="en-US" sz="2000" dirty="0">
+              <a:rPr lang="en-US" sz="1800" dirty="0">
                 <a:latin typeface="Times New Roman" panose="02020603050405020304" pitchFamily="18" charset="0"/>
                 <a:cs typeface="Times New Roman" panose="02020603050405020304" pitchFamily="18" charset="0"/>
               </a:rPr>
@@ -19667,45 +17489,27 @@
               <a:buNone/>
             </a:pPr>
             <a:r>
-              <a:rPr lang="en-US" sz="2000" b="1" dirty="0">
+              <a:rPr lang="en-US" sz="1800" b="1" dirty="0">
                 <a:latin typeface="Times New Roman" panose="02020603050405020304" pitchFamily="18" charset="0"/>
                 <a:cs typeface="Times New Roman" panose="02020603050405020304" pitchFamily="18" charset="0"/>
               </a:rPr>
               <a:t>	Method: </a:t>
             </a:r>
             <a:r>
-              <a:rPr lang="en-US" sz="2000" dirty="0">
-                <a:latin typeface="Times New Roman" panose="02020603050405020304" pitchFamily="18" charset="0"/>
-                <a:cs typeface="Times New Roman" panose="02020603050405020304" pitchFamily="18" charset="0"/>
-              </a:rPr>
-              <a:t>Automated Web Scraping with HTML Parsing</a:t>
-            </a:r>
-          </a:p>
-          <a:p>
-            <a:pPr marL="114300" indent="0" algn="just">
-              <a:buNone/>
-            </a:pPr>
-            <a:endParaRPr lang="en-US" sz="2000" dirty="0">
-              <a:latin typeface="Times New Roman" panose="02020603050405020304" pitchFamily="18" charset="0"/>
-              <a:cs typeface="Times New Roman" panose="02020603050405020304" pitchFamily="18" charset="0"/>
-            </a:endParaRPr>
-          </a:p>
-          <a:p>
-            <a:pPr algn="just">
-              <a:buFont typeface="Wingdings" panose="05000000000000000000" pitchFamily="2" charset="2"/>
-              <a:buChar char="v"/>
-            </a:pPr>
-            <a:endParaRPr lang="en-US" sz="2000" dirty="0">
-              <a:latin typeface="Times New Roman" panose="02020603050405020304" pitchFamily="18" charset="0"/>
-              <a:cs typeface="Times New Roman" panose="02020603050405020304" pitchFamily="18" charset="0"/>
-            </a:endParaRPr>
-          </a:p>
-          <a:p>
-            <a:pPr algn="just">
-              <a:buFont typeface="Wingdings" panose="05000000000000000000" pitchFamily="2" charset="2"/>
-              <a:buChar char="v"/>
-            </a:pPr>
-            <a:endParaRPr lang="en-US" sz="2000" dirty="0">
+              <a:rPr lang="en-US" sz="1800" dirty="0">
+                <a:latin typeface="Times New Roman" panose="02020603050405020304" pitchFamily="18" charset="0"/>
+                <a:cs typeface="Times New Roman" panose="02020603050405020304" pitchFamily="18" charset="0"/>
+              </a:rPr>
+              <a:t>Automated Web Scraping with HTML </a:t>
+            </a:r>
+            <a:r>
+              <a:rPr lang="en-US" sz="1800" dirty="0" smtClean="0">
+                <a:latin typeface="Times New Roman" panose="02020603050405020304" pitchFamily="18" charset="0"/>
+                <a:cs typeface="Times New Roman" panose="02020603050405020304" pitchFamily="18" charset="0"/>
+              </a:rPr>
+              <a:t>Parsing</a:t>
+            </a:r>
+            <a:endParaRPr lang="en-US" sz="1800" dirty="0">
               <a:latin typeface="Times New Roman" panose="02020603050405020304" pitchFamily="18" charset="0"/>
               <a:cs typeface="Times New Roman" panose="02020603050405020304" pitchFamily="18" charset="0"/>
             </a:endParaRPr>
@@ -19734,6 +17538,13 @@
       </p:transition>
     </mc:Fallback>
   </mc:AlternateContent>
+  <p:timing>
+    <p:tnLst>
+      <p:par>
+        <p:cTn id="1" dur="indefinite" restart="never" nodeType="tmRoot"/>
+      </p:par>
+    </p:tnLst>
+  </p:timing>
 </p:sld>
 </file>
 
@@ -19759,7 +17570,7 @@
           <p:cNvPr id="2" name="Title 1">
             <a:extLst>
               <a:ext uri="{FF2B5EF4-FFF2-40B4-BE49-F238E27FC236}">
-                <a16:creationId xmlns:a16="http://schemas.microsoft.com/office/drawing/2014/main" xmlns="" id="{9B3A57B8-C85C-4962-903C-512F7977323D}"/>
+                <a16:creationId xmlns="" xmlns:a16="http://schemas.microsoft.com/office/drawing/2014/main" id="{9B3A57B8-C85C-4962-903C-512F7977323D}"/>
               </a:ext>
             </a:extLst>
           </p:cNvPr>
@@ -19778,16 +17589,16 @@
         </p:spPr>
         <p:txBody>
           <a:bodyPr>
-            <a:normAutofit/>
+            <a:noAutofit/>
           </a:bodyPr>
           <a:lstStyle/>
           <a:p>
             <a:r>
-              <a:rPr lang="en-US" sz="3200" dirty="0">
+              <a:rPr lang="en-US" sz="3600" b="1" dirty="0">
                 <a:solidFill>
                   <a:srgbClr val="C00000"/>
                 </a:solidFill>
-                <a:latin typeface="Algerian" panose="04020705040A02060702" pitchFamily="82" charset="0"/>
+                <a:latin typeface="Bahnschrift Light Condensed" panose="020B0502040204020203" pitchFamily="34" charset="0"/>
               </a:rPr>
               <a:t>PROCESS FOLLOWED:</a:t>
             </a:r>
@@ -19799,7 +17610,7 @@
           <p:cNvPr id="3" name="Text Placeholder 2">
             <a:extLst>
               <a:ext uri="{FF2B5EF4-FFF2-40B4-BE49-F238E27FC236}">
-                <a16:creationId xmlns:a16="http://schemas.microsoft.com/office/drawing/2014/main" xmlns="" id="{878C9B24-5EE4-41EF-A79C-B35C004C54A5}"/>
+                <a16:creationId xmlns="" xmlns:a16="http://schemas.microsoft.com/office/drawing/2014/main" id="{878C9B24-5EE4-41EF-A79C-B35C004C54A5}"/>
               </a:ext>
             </a:extLst>
           </p:cNvPr>
@@ -19844,7 +17655,7 @@
           <p:cNvPr id="4" name="Arrow: Pentagon 3">
             <a:extLst>
               <a:ext uri="{FF2B5EF4-FFF2-40B4-BE49-F238E27FC236}">
-                <a16:creationId xmlns:a16="http://schemas.microsoft.com/office/drawing/2014/main" xmlns="" id="{65D631FC-EA51-4084-ADFB-B2C96AA67E09}"/>
+                <a16:creationId xmlns="" xmlns:a16="http://schemas.microsoft.com/office/drawing/2014/main" id="{65D631FC-EA51-4084-ADFB-B2C96AA67E09}"/>
               </a:ext>
             </a:extLst>
           </p:cNvPr>
@@ -19906,7 +17717,7 @@
           <p:cNvPr id="5" name="TextBox 4">
             <a:extLst>
               <a:ext uri="{FF2B5EF4-FFF2-40B4-BE49-F238E27FC236}">
-                <a16:creationId xmlns:a16="http://schemas.microsoft.com/office/drawing/2014/main" xmlns="" id="{2ADF3494-CDD9-424B-8C8C-790B4E4257DB}"/>
+                <a16:creationId xmlns="" xmlns:a16="http://schemas.microsoft.com/office/drawing/2014/main" id="{2ADF3494-CDD9-424B-8C8C-790B4E4257DB}"/>
               </a:ext>
             </a:extLst>
           </p:cNvPr>
@@ -19959,7 +17770,7 @@
           <p:cNvPr id="6" name="Arrow: Pentagon 5">
             <a:extLst>
               <a:ext uri="{FF2B5EF4-FFF2-40B4-BE49-F238E27FC236}">
-                <a16:creationId xmlns:a16="http://schemas.microsoft.com/office/drawing/2014/main" xmlns="" id="{2A32C535-666D-4071-902C-8CC3AF0F3083}"/>
+                <a16:creationId xmlns="" xmlns:a16="http://schemas.microsoft.com/office/drawing/2014/main" id="{2A32C535-666D-4071-902C-8CC3AF0F3083}"/>
               </a:ext>
             </a:extLst>
           </p:cNvPr>
@@ -20022,7 +17833,7 @@
           <p:cNvPr id="7" name="Arrow: Pentagon 6">
             <a:extLst>
               <a:ext uri="{FF2B5EF4-FFF2-40B4-BE49-F238E27FC236}">
-                <a16:creationId xmlns:a16="http://schemas.microsoft.com/office/drawing/2014/main" xmlns="" id="{8A627037-D079-4CB0-BC0F-5868E67C1FC4}"/>
+                <a16:creationId xmlns="" xmlns:a16="http://schemas.microsoft.com/office/drawing/2014/main" id="{8A627037-D079-4CB0-BC0F-5868E67C1FC4}"/>
               </a:ext>
             </a:extLst>
           </p:cNvPr>
@@ -20084,7 +17895,7 @@
           <p:cNvPr id="8" name="Arrow: Pentagon 7">
             <a:extLst>
               <a:ext uri="{FF2B5EF4-FFF2-40B4-BE49-F238E27FC236}">
-                <a16:creationId xmlns:a16="http://schemas.microsoft.com/office/drawing/2014/main" xmlns="" id="{61C12B22-79C4-44CC-A4E7-74F434D26B5C}"/>
+                <a16:creationId xmlns="" xmlns:a16="http://schemas.microsoft.com/office/drawing/2014/main" id="{61C12B22-79C4-44CC-A4E7-74F434D26B5C}"/>
               </a:ext>
             </a:extLst>
           </p:cNvPr>
@@ -20146,7 +17957,7 @@
           <p:cNvPr id="9" name="Arrow: Pentagon 8">
             <a:extLst>
               <a:ext uri="{FF2B5EF4-FFF2-40B4-BE49-F238E27FC236}">
-                <a16:creationId xmlns:a16="http://schemas.microsoft.com/office/drawing/2014/main" xmlns="" id="{E84B98AB-F05D-4258-9432-3A17FF6F9B1E}"/>
+                <a16:creationId xmlns="" xmlns:a16="http://schemas.microsoft.com/office/drawing/2014/main" id="{E84B98AB-F05D-4258-9432-3A17FF6F9B1E}"/>
               </a:ext>
             </a:extLst>
           </p:cNvPr>
@@ -20208,7 +18019,7 @@
           <p:cNvPr id="11" name="TextBox 10">
             <a:extLst>
               <a:ext uri="{FF2B5EF4-FFF2-40B4-BE49-F238E27FC236}">
-                <a16:creationId xmlns:a16="http://schemas.microsoft.com/office/drawing/2014/main" xmlns="" id="{5CC22643-64A0-45D4-A933-FC932CB40394}"/>
+                <a16:creationId xmlns="" xmlns:a16="http://schemas.microsoft.com/office/drawing/2014/main" id="{5CC22643-64A0-45D4-A933-FC932CB40394}"/>
               </a:ext>
             </a:extLst>
           </p:cNvPr>
@@ -20257,7 +18068,7 @@
           <p:cNvPr id="12" name="TextBox 11">
             <a:extLst>
               <a:ext uri="{FF2B5EF4-FFF2-40B4-BE49-F238E27FC236}">
-                <a16:creationId xmlns:a16="http://schemas.microsoft.com/office/drawing/2014/main" xmlns="" id="{5054132A-496E-4257-9B32-2EB31CD5A2D2}"/>
+                <a16:creationId xmlns="" xmlns:a16="http://schemas.microsoft.com/office/drawing/2014/main" id="{5054132A-496E-4257-9B32-2EB31CD5A2D2}"/>
               </a:ext>
             </a:extLst>
           </p:cNvPr>
@@ -20310,7 +18121,7 @@
           <p:cNvPr id="13" name="TextBox 12">
             <a:extLst>
               <a:ext uri="{FF2B5EF4-FFF2-40B4-BE49-F238E27FC236}">
-                <a16:creationId xmlns:a16="http://schemas.microsoft.com/office/drawing/2014/main" xmlns="" id="{CB91C7BF-01F1-4D0D-B5D7-107773E8F1D7}"/>
+                <a16:creationId xmlns="" xmlns:a16="http://schemas.microsoft.com/office/drawing/2014/main" id="{CB91C7BF-01F1-4D0D-B5D7-107773E8F1D7}"/>
               </a:ext>
             </a:extLst>
           </p:cNvPr>
@@ -20363,7 +18174,7 @@
           <p:cNvPr id="14" name="TextBox 13">
             <a:extLst>
               <a:ext uri="{FF2B5EF4-FFF2-40B4-BE49-F238E27FC236}">
-                <a16:creationId xmlns:a16="http://schemas.microsoft.com/office/drawing/2014/main" xmlns="" id="{D6656BD2-7B1B-42FF-90A0-A1EA54A51124}"/>
+                <a16:creationId xmlns="" xmlns:a16="http://schemas.microsoft.com/office/drawing/2014/main" id="{D6656BD2-7B1B-42FF-90A0-A1EA54A51124}"/>
               </a:ext>
             </a:extLst>
           </p:cNvPr>
@@ -20426,6 +18237,13 @@
       </p:transition>
     </mc:Fallback>
   </mc:AlternateContent>
+  <p:timing>
+    <p:tnLst>
+      <p:par>
+        <p:cTn id="1" dur="indefinite" restart="never" nodeType="tmRoot"/>
+      </p:par>
+    </p:tnLst>
+  </p:timing>
 </p:sld>
 </file>
 
@@ -20451,7 +18269,7 @@
           <p:cNvPr id="8" name="Text 0">
             <a:extLst>
               <a:ext uri="{FF2B5EF4-FFF2-40B4-BE49-F238E27FC236}">
-                <a16:creationId xmlns:a16="http://schemas.microsoft.com/office/drawing/2014/main" xmlns="" id="{2336D94F-30D9-4D0F-BE60-350358376FB6}"/>
+                <a16:creationId xmlns="" xmlns:a16="http://schemas.microsoft.com/office/drawing/2014/main" id="{2336D94F-30D9-4D0F-BE60-350358376FB6}"/>
               </a:ext>
             </a:extLst>
           </p:cNvPr>
@@ -20574,21 +18392,21 @@
               <a:buNone/>
             </a:pPr>
             <a:r>
-              <a:rPr lang="en-US" sz="3200" b="1" dirty="0">
+              <a:rPr lang="en-US" sz="3600" b="1" dirty="0">
                 <a:solidFill>
                   <a:srgbClr val="C00000"/>
                 </a:solidFill>
-                <a:latin typeface="Algerian" panose="04020705040A02060702" pitchFamily="82" charset="0"/>
+                <a:latin typeface="Bahnschrift Light Condensed" panose="020B0502040204020203" pitchFamily="34" charset="0"/>
                 <a:ea typeface="Arial Unicode MS" panose="020B0604020202020204" pitchFamily="34" charset="-128"/>
                 <a:cs typeface="Times New Roman" panose="02020603050405020304" pitchFamily="18" charset="0"/>
               </a:rPr>
               <a:t>Data Summary: Scope of the Collected Dataset</a:t>
             </a:r>
-            <a:endParaRPr lang="en-US" sz="3200" dirty="0">
+            <a:endParaRPr lang="en-US" sz="3600" dirty="0">
               <a:solidFill>
                 <a:srgbClr val="C00000"/>
               </a:solidFill>
-              <a:latin typeface="Algerian" panose="04020705040A02060702" pitchFamily="82" charset="0"/>
+              <a:latin typeface="Bahnschrift Light Condensed" panose="020B0502040204020203" pitchFamily="34" charset="0"/>
               <a:cs typeface="Times New Roman" panose="02020603050405020304" pitchFamily="18" charset="0"/>
             </a:endParaRPr>
           </a:p>
@@ -20599,7 +18417,7 @@
           <p:cNvPr id="9" name="Text 1">
             <a:extLst>
               <a:ext uri="{FF2B5EF4-FFF2-40B4-BE49-F238E27FC236}">
-                <a16:creationId xmlns:a16="http://schemas.microsoft.com/office/drawing/2014/main" xmlns="" id="{707A36DF-627F-4698-99DF-50537A51AF31}"/>
+                <a16:creationId xmlns="" xmlns:a16="http://schemas.microsoft.com/office/drawing/2014/main" id="{707A36DF-627F-4698-99DF-50537A51AF31}"/>
               </a:ext>
             </a:extLst>
           </p:cNvPr>
@@ -20744,7 +18562,7 @@
           <p:cNvPr id="10" name="Text 2">
             <a:extLst>
               <a:ext uri="{FF2B5EF4-FFF2-40B4-BE49-F238E27FC236}">
-                <a16:creationId xmlns:a16="http://schemas.microsoft.com/office/drawing/2014/main" xmlns="" id="{E891DF90-1F8C-466B-B797-B62F802E0A42}"/>
+                <a16:creationId xmlns="" xmlns:a16="http://schemas.microsoft.com/office/drawing/2014/main" id="{E891DF90-1F8C-466B-B797-B62F802E0A42}"/>
               </a:ext>
             </a:extLst>
           </p:cNvPr>
@@ -20889,7 +18707,7 @@
           <p:cNvPr id="11" name="Text 3">
             <a:extLst>
               <a:ext uri="{FF2B5EF4-FFF2-40B4-BE49-F238E27FC236}">
-                <a16:creationId xmlns:a16="http://schemas.microsoft.com/office/drawing/2014/main" xmlns="" id="{FFAD1D30-7483-461D-B535-08F846A98E36}"/>
+                <a16:creationId xmlns="" xmlns:a16="http://schemas.microsoft.com/office/drawing/2014/main" id="{FFAD1D30-7483-461D-B535-08F846A98E36}"/>
               </a:ext>
             </a:extLst>
           </p:cNvPr>
@@ -21034,7 +18852,7 @@
           <p:cNvPr id="12" name="Text 4">
             <a:extLst>
               <a:ext uri="{FF2B5EF4-FFF2-40B4-BE49-F238E27FC236}">
-                <a16:creationId xmlns:a16="http://schemas.microsoft.com/office/drawing/2014/main" xmlns="" id="{3292D6D3-C1A8-48D7-A4A5-952496EF757F}"/>
+                <a16:creationId xmlns="" xmlns:a16="http://schemas.microsoft.com/office/drawing/2014/main" id="{3292D6D3-C1A8-48D7-A4A5-952496EF757F}"/>
               </a:ext>
             </a:extLst>
           </p:cNvPr>
@@ -21179,7 +18997,7 @@
           <p:cNvPr id="13" name="Text 5">
             <a:extLst>
               <a:ext uri="{FF2B5EF4-FFF2-40B4-BE49-F238E27FC236}">
-                <a16:creationId xmlns:a16="http://schemas.microsoft.com/office/drawing/2014/main" xmlns="" id="{D55AA6CC-8E98-4855-AE7B-A2E93637F6A5}"/>
+                <a16:creationId xmlns="" xmlns:a16="http://schemas.microsoft.com/office/drawing/2014/main" id="{D55AA6CC-8E98-4855-AE7B-A2E93637F6A5}"/>
               </a:ext>
             </a:extLst>
           </p:cNvPr>
@@ -21324,7 +19142,7 @@
           <p:cNvPr id="14" name="Text 6">
             <a:extLst>
               <a:ext uri="{FF2B5EF4-FFF2-40B4-BE49-F238E27FC236}">
-                <a16:creationId xmlns:a16="http://schemas.microsoft.com/office/drawing/2014/main" xmlns="" id="{820322D5-DCA6-4942-AC2F-CDCC9CCD2249}"/>
+                <a16:creationId xmlns="" xmlns:a16="http://schemas.microsoft.com/office/drawing/2014/main" id="{820322D5-DCA6-4942-AC2F-CDCC9CCD2249}"/>
               </a:ext>
             </a:extLst>
           </p:cNvPr>
@@ -21469,7 +19287,7 @@
           <p:cNvPr id="15" name="Text 7">
             <a:extLst>
               <a:ext uri="{FF2B5EF4-FFF2-40B4-BE49-F238E27FC236}">
-                <a16:creationId xmlns:a16="http://schemas.microsoft.com/office/drawing/2014/main" xmlns="" id="{35BB4215-27FE-4D51-9640-AA8DA83AF6AD}"/>
+                <a16:creationId xmlns="" xmlns:a16="http://schemas.microsoft.com/office/drawing/2014/main" id="{35BB4215-27FE-4D51-9640-AA8DA83AF6AD}"/>
               </a:ext>
             </a:extLst>
           </p:cNvPr>
@@ -21614,7 +19432,7 @@
           <p:cNvPr id="16" name="Text 8">
             <a:extLst>
               <a:ext uri="{FF2B5EF4-FFF2-40B4-BE49-F238E27FC236}">
-                <a16:creationId xmlns:a16="http://schemas.microsoft.com/office/drawing/2014/main" xmlns="" id="{0C08DF1B-200F-49EB-9A99-99E290F20384}"/>
+                <a16:creationId xmlns="" xmlns:a16="http://schemas.microsoft.com/office/drawing/2014/main" id="{0C08DF1B-200F-49EB-9A99-99E290F20384}"/>
               </a:ext>
             </a:extLst>
           </p:cNvPr>
@@ -21759,7 +19577,7 @@
           <p:cNvPr id="17" name="Text 9">
             <a:extLst>
               <a:ext uri="{FF2B5EF4-FFF2-40B4-BE49-F238E27FC236}">
-                <a16:creationId xmlns:a16="http://schemas.microsoft.com/office/drawing/2014/main" xmlns="" id="{96C465D8-480A-4FFB-B8AE-A56E671EECAE}"/>
+                <a16:creationId xmlns="" xmlns:a16="http://schemas.microsoft.com/office/drawing/2014/main" id="{96C465D8-480A-4FFB-B8AE-A56E671EECAE}"/>
               </a:ext>
             </a:extLst>
           </p:cNvPr>
@@ -21904,7 +19722,7 @@
           <p:cNvPr id="18" name="Text 10">
             <a:extLst>
               <a:ext uri="{FF2B5EF4-FFF2-40B4-BE49-F238E27FC236}">
-                <a16:creationId xmlns:a16="http://schemas.microsoft.com/office/drawing/2014/main" xmlns="" id="{C623C2B9-8C06-450B-938A-5AFAC07C1E42}"/>
+                <a16:creationId xmlns="" xmlns:a16="http://schemas.microsoft.com/office/drawing/2014/main" id="{C623C2B9-8C06-450B-938A-5AFAC07C1E42}"/>
               </a:ext>
             </a:extLst>
           </p:cNvPr>
@@ -22060,7 +19878,7 @@
           <p:cNvPr id="19" name="Shape 11">
             <a:extLst>
               <a:ext uri="{FF2B5EF4-FFF2-40B4-BE49-F238E27FC236}">
-                <a16:creationId xmlns:a16="http://schemas.microsoft.com/office/drawing/2014/main" xmlns="" id="{A464FA34-7E55-49A2-856F-C80677E83B14}"/>
+                <a16:creationId xmlns="" xmlns:a16="http://schemas.microsoft.com/office/drawing/2014/main" id="{A464FA34-7E55-49A2-856F-C80677E83B14}"/>
               </a:ext>
             </a:extLst>
           </p:cNvPr>
@@ -22123,6 +19941,13 @@
       </p:transition>
     </mc:Fallback>
   </mc:AlternateContent>
+  <p:timing>
+    <p:tnLst>
+      <p:par>
+        <p:cTn id="1" dur="indefinite" restart="never" nodeType="tmRoot"/>
+      </p:par>
+    </p:tnLst>
+  </p:timing>
 </p:sld>
 </file>
 
@@ -22148,7 +19973,7 @@
           <p:cNvPr id="40" name="Title 39">
             <a:extLst>
               <a:ext uri="{FF2B5EF4-FFF2-40B4-BE49-F238E27FC236}">
-                <a16:creationId xmlns:a16="http://schemas.microsoft.com/office/drawing/2014/main" xmlns="" id="{A627D02C-77D7-4225-B471-6EAD3B4EBB7F}"/>
+                <a16:creationId xmlns="" xmlns:a16="http://schemas.microsoft.com/office/drawing/2014/main" id="{A627D02C-77D7-4225-B471-6EAD3B4EBB7F}"/>
               </a:ext>
             </a:extLst>
           </p:cNvPr>
@@ -22176,14 +20001,14 @@
                 <a:solidFill>
                   <a:srgbClr val="C00000"/>
                 </a:solidFill>
-                <a:latin typeface="Algerian" panose="04020705040A02060702" pitchFamily="82" charset="0"/>
+                <a:latin typeface="Bahnschrift Light Condensed" panose="020B0502040204020203" pitchFamily="34" charset="0"/>
                 <a:ea typeface="Arial Unicode MS" panose="020B0604020202020204" pitchFamily="34" charset="-128"/>
                 <a:cs typeface="Times New Roman" panose="02020603050405020304" pitchFamily="18" charset="0"/>
               </a:rPr>
               <a:t>Key Dataset Attributes</a:t>
             </a:r>
             <a:endParaRPr lang="en-US" dirty="0">
-              <a:latin typeface="Algerian" panose="04020705040A02060702" pitchFamily="82" charset="0"/>
+              <a:latin typeface="Bahnschrift Light Condensed" panose="020B0502040204020203" pitchFamily="34" charset="0"/>
               <a:cs typeface="Times New Roman" panose="02020603050405020304" pitchFamily="18" charset="0"/>
             </a:endParaRPr>
           </a:p>
@@ -22194,7 +20019,7 @@
           <p:cNvPr id="58" name="Text 1">
             <a:extLst>
               <a:ext uri="{FF2B5EF4-FFF2-40B4-BE49-F238E27FC236}">
-                <a16:creationId xmlns:a16="http://schemas.microsoft.com/office/drawing/2014/main" xmlns="" id="{4A72650A-B2BE-4EC6-A5B8-E4371433F555}"/>
+                <a16:creationId xmlns="" xmlns:a16="http://schemas.microsoft.com/office/drawing/2014/main" id="{4A72650A-B2BE-4EC6-A5B8-E4371433F555}"/>
               </a:ext>
             </a:extLst>
           </p:cNvPr>
@@ -22234,7 +20059,7 @@
           <p:cNvPr id="60" name="TextBox 59">
             <a:extLst>
               <a:ext uri="{FF2B5EF4-FFF2-40B4-BE49-F238E27FC236}">
-                <a16:creationId xmlns:a16="http://schemas.microsoft.com/office/drawing/2014/main" xmlns="" id="{83E0D0C1-2D00-4472-AF89-450753167AF6}"/>
+                <a16:creationId xmlns="" xmlns:a16="http://schemas.microsoft.com/office/drawing/2014/main" id="{83E0D0C1-2D00-4472-AF89-450753167AF6}"/>
               </a:ext>
             </a:extLst>
           </p:cNvPr>
@@ -22324,7 +20149,7 @@
           <p:cNvPr id="62" name="TextBox 61">
             <a:extLst>
               <a:ext uri="{FF2B5EF4-FFF2-40B4-BE49-F238E27FC236}">
-                <a16:creationId xmlns:a16="http://schemas.microsoft.com/office/drawing/2014/main" xmlns="" id="{178D0BBC-EFD2-4889-855A-C174716944A7}"/>
+                <a16:creationId xmlns="" xmlns:a16="http://schemas.microsoft.com/office/drawing/2014/main" id="{178D0BBC-EFD2-4889-855A-C174716944A7}"/>
               </a:ext>
             </a:extLst>
           </p:cNvPr>
@@ -22363,7 +20188,7 @@
           <p:cNvPr id="63" name="TextBox 62">
             <a:extLst>
               <a:ext uri="{FF2B5EF4-FFF2-40B4-BE49-F238E27FC236}">
-                <a16:creationId xmlns:a16="http://schemas.microsoft.com/office/drawing/2014/main" xmlns="" id="{9CEB3492-B75E-44DB-A5C7-B9731630BA34}"/>
+                <a16:creationId xmlns="" xmlns:a16="http://schemas.microsoft.com/office/drawing/2014/main" id="{9CEB3492-B75E-44DB-A5C7-B9731630BA34}"/>
               </a:ext>
             </a:extLst>
           </p:cNvPr>
@@ -22467,7 +20292,7 @@
           <p:cNvPr id="64" name="TextBox 63">
             <a:extLst>
               <a:ext uri="{FF2B5EF4-FFF2-40B4-BE49-F238E27FC236}">
-                <a16:creationId xmlns:a16="http://schemas.microsoft.com/office/drawing/2014/main" xmlns="" id="{6402E84F-E9D5-4DF9-8100-5012AA726115}"/>
+                <a16:creationId xmlns="" xmlns:a16="http://schemas.microsoft.com/office/drawing/2014/main" id="{6402E84F-E9D5-4DF9-8100-5012AA726115}"/>
               </a:ext>
             </a:extLst>
           </p:cNvPr>
@@ -22583,6 +20408,13 @@
   <p:clrMapOvr>
     <a:masterClrMapping/>
   </p:clrMapOvr>
+  <p:timing>
+    <p:tnLst>
+      <p:par>
+        <p:cTn id="1" dur="indefinite" restart="never" nodeType="tmRoot"/>
+      </p:par>
+    </p:tnLst>
+  </p:timing>
 </p:sld>
 </file>
 
@@ -22608,7 +20440,7 @@
           <p:cNvPr id="5" name="Title 4">
             <a:extLst>
               <a:ext uri="{FF2B5EF4-FFF2-40B4-BE49-F238E27FC236}">
-                <a16:creationId xmlns:a16="http://schemas.microsoft.com/office/drawing/2014/main" xmlns="" id="{56670AA4-D69D-41DB-B5C8-BD99A21F9F68}"/>
+                <a16:creationId xmlns="" xmlns:a16="http://schemas.microsoft.com/office/drawing/2014/main" id="{56670AA4-D69D-41DB-B5C8-BD99A21F9F68}"/>
               </a:ext>
             </a:extLst>
           </p:cNvPr>
@@ -22636,7 +20468,7 @@
                 <a:solidFill>
                   <a:srgbClr val="C00000"/>
                 </a:solidFill>
-                <a:latin typeface="Algerian" panose="04020705040A02060702" pitchFamily="82" charset="0"/>
+                <a:latin typeface="Castellar" panose="020A0402060406010301" pitchFamily="18" charset="0"/>
               </a:rPr>
               <a:t>EXPLORATORY DATA ANALYSIS</a:t>
             </a:r>
